--- a/Hackathon_UAV_Equipe_14.pptx
+++ b/Hackathon_UAV_Equipe_14.pptx
@@ -16900,6 +16900,14 @@
 <file path=ppt/slides/slide2.xml><?xml version="1.0" encoding="utf-8"?>
 <p:sld xmlns:a="http://schemas.openxmlformats.org/drawingml/2006/main" xmlns:r="http://schemas.openxmlformats.org/officeDocument/2006/relationships" xmlns:p="http://schemas.openxmlformats.org/presentationml/2006/main">
   <p:cSld>
+    <p:bg>
+      <p:bgPr>
+        <a:solidFill>
+          <a:schemeClr val="bg1"/>
+        </a:solidFill>
+        <a:effectLst/>
+      </p:bgPr>
+    </p:bg>
     <p:spTree>
       <p:nvGrpSpPr>
         <p:cNvPr id="1" name=""/>
@@ -16914,6 +16922,82 @@
           <a:chExt cx="0" cy="0"/>
         </a:xfrm>
       </p:grpSpPr>
+      <p:sp useBgFill="1">
+        <p:nvSpPr>
+          <p:cNvPr id="14" name="Rectangle 13">
+            <a:extLst>
+              <a:ext uri="{FF2B5EF4-FFF2-40B4-BE49-F238E27FC236}">
+                <a16:creationId xmlns:a16="http://schemas.microsoft.com/office/drawing/2014/main" id="{B95B9BA8-1D69-4796-85F5-B6D0BD52354B}"/>
+              </a:ext>
+              <a:ext uri="{C183D7F6-B498-43B3-948B-1728B52AA6E4}">
+                <adec:decorative xmlns:adec="http://schemas.microsoft.com/office/drawing/2017/decorative" val="1"/>
+              </a:ext>
+            </a:extLst>
+          </p:cNvPr>
+          <p:cNvSpPr>
+            <a:spLocks noGrp="1" noRot="1" noChangeAspect="1" noMove="1" noResize="1" noEditPoints="1" noAdjustHandles="1" noChangeArrowheads="1" noChangeShapeType="1" noTextEdit="1"/>
+          </p:cNvSpPr>
+          <p:nvPr>
+            <p:extLst>
+              <p:ext uri="{386F3935-93C4-4BCD-93E2-E3B085C9AB24}">
+                <p16:designElem xmlns:p16="http://schemas.microsoft.com/office/powerpoint/2015/main" val="1"/>
+              </p:ext>
+            </p:extLst>
+          </p:nvPr>
+        </p:nvSpPr>
+        <p:spPr>
+          <a:xfrm>
+            <a:off x="0" y="0"/>
+            <a:ext cx="12192000" cy="6858000"/>
+          </a:xfrm>
+          <a:prstGeom prst="rect">
+            <a:avLst/>
+          </a:prstGeom>
+          <a:ln w="12700" cap="flat" cmpd="sng" algn="ctr">
+            <a:noFill/>
+            <a:prstDash val="solid"/>
+            <a:miter lim="800000"/>
+          </a:ln>
+          <a:effectLst/>
+          <a:extLst>
+            <a:ext uri="{91240B29-F687-4F45-9708-019B960494DF}">
+              <a14:hiddenLine xmlns:a14="http://schemas.microsoft.com/office/drawing/2010/main" w="12700" cap="flat" cmpd="sng" algn="ctr">
+                <a:solidFill>
+                  <a:schemeClr val="accent1">
+                    <a:shade val="50000"/>
+                  </a:schemeClr>
+                </a:solidFill>
+                <a:prstDash val="solid"/>
+                <a:miter lim="800000"/>
+              </a14:hiddenLine>
+            </a:ext>
+          </a:extLst>
+        </p:spPr>
+        <p:style>
+          <a:lnRef idx="2">
+            <a:schemeClr val="accent1">
+              <a:shade val="50000"/>
+            </a:schemeClr>
+          </a:lnRef>
+          <a:fillRef idx="1">
+            <a:schemeClr val="accent1"/>
+          </a:fillRef>
+          <a:effectRef idx="0">
+            <a:schemeClr val="accent1"/>
+          </a:effectRef>
+          <a:fontRef idx="minor">
+            <a:schemeClr val="lt1"/>
+          </a:fontRef>
+        </p:style>
+        <p:txBody>
+          <a:bodyPr rtlCol="0" anchor="ctr"/>
+          <a:lstStyle/>
+          <a:p>
+            <a:pPr algn="ctr"/>
+            <a:endParaRPr lang="en-US"/>
+          </a:p>
+        </p:txBody>
+      </p:sp>
       <p:sp>
         <p:nvSpPr>
           <p:cNvPr id="2" name="Title 1">
@@ -16930,9 +17014,16 @@
             <p:ph type="title"/>
           </p:nvPr>
         </p:nvSpPr>
-        <p:spPr/>
+        <p:spPr>
+          <a:xfrm>
+            <a:off x="762000" y="1009650"/>
+            <a:ext cx="4400549" cy="1857375"/>
+          </a:xfrm>
+        </p:spPr>
         <p:txBody>
-          <a:bodyPr/>
+          <a:bodyPr anchor="b">
+            <a:normAutofit/>
+          </a:bodyPr>
           <a:lstStyle/>
           <a:p>
             <a:r>
@@ -16942,6 +17033,4808 @@
           </a:p>
         </p:txBody>
       </p:sp>
+      <p:pic>
+        <p:nvPicPr>
+          <p:cNvPr id="15" name="Picture 14" descr="Vibrant green forest">
+            <a:extLst>
+              <a:ext uri="{FF2B5EF4-FFF2-40B4-BE49-F238E27FC236}">
+                <a16:creationId xmlns:a16="http://schemas.microsoft.com/office/drawing/2014/main" id="{AD08B6E4-160A-C9B4-D8F8-04F1E73D7A92}"/>
+              </a:ext>
+            </a:extLst>
+          </p:cNvPr>
+          <p:cNvPicPr>
+            <a:picLocks noChangeAspect="1"/>
+          </p:cNvPicPr>
+          <p:nvPr/>
+        </p:nvPicPr>
+        <p:blipFill>
+          <a:blip r:embed="rId2"/>
+          <a:srcRect l="16158" r="21161" b="-1"/>
+          <a:stretch>
+            <a:fillRect/>
+          </a:stretch>
+        </p:blipFill>
+        <p:spPr>
+          <a:xfrm>
+            <a:off x="5752193" y="10"/>
+            <a:ext cx="6439807" cy="6857989"/>
+          </a:xfrm>
+          <a:custGeom>
+            <a:avLst/>
+            <a:gdLst/>
+            <a:ahLst/>
+            <a:cxnLst/>
+            <a:rect l="l" t="t" r="r" b="b"/>
+            <a:pathLst>
+              <a:path w="6439807" h="6857999">
+                <a:moveTo>
+                  <a:pt x="752157" y="6118149"/>
+                </a:moveTo>
+                <a:cubicBezTo>
+                  <a:pt x="745608" y="6124102"/>
+                  <a:pt x="737987" y="6129341"/>
+                  <a:pt x="730938" y="6133722"/>
+                </a:cubicBezTo>
+                <a:cubicBezTo>
+                  <a:pt x="723794" y="6138152"/>
+                  <a:pt x="718448" y="6143474"/>
+                  <a:pt x="714778" y="6149379"/>
+                </a:cubicBezTo>
+                <a:lnTo>
+                  <a:pt x="709303" y="6166562"/>
+                </a:lnTo>
+                <a:lnTo>
+                  <a:pt x="714778" y="6149380"/>
+                </a:lnTo>
+                <a:cubicBezTo>
+                  <a:pt x="718448" y="6143474"/>
+                  <a:pt x="723794" y="6138152"/>
+                  <a:pt x="730938" y="6133723"/>
+                </a:cubicBezTo>
+                <a:cubicBezTo>
+                  <a:pt x="737987" y="6129341"/>
+                  <a:pt x="745608" y="6124102"/>
+                  <a:pt x="752157" y="6118149"/>
+                </a:cubicBezTo>
+                <a:close/>
+                <a:moveTo>
+                  <a:pt x="844000" y="4941372"/>
+                </a:moveTo>
+                <a:lnTo>
+                  <a:pt x="840670" y="4950868"/>
+                </a:lnTo>
+                <a:lnTo>
+                  <a:pt x="830985" y="4991382"/>
+                </a:lnTo>
+                <a:lnTo>
+                  <a:pt x="840670" y="4950869"/>
+                </a:lnTo>
+                <a:close/>
+                <a:moveTo>
+                  <a:pt x="840061" y="4749807"/>
+                </a:moveTo>
+                <a:cubicBezTo>
+                  <a:pt x="852197" y="4762827"/>
+                  <a:pt x="853054" y="4781365"/>
+                  <a:pt x="854768" y="4799797"/>
+                </a:cubicBezTo>
+                <a:cubicBezTo>
+                  <a:pt x="853054" y="4781365"/>
+                  <a:pt x="852197" y="4762826"/>
+                  <a:pt x="840061" y="4749807"/>
+                </a:cubicBezTo>
+                <a:close/>
+                <a:moveTo>
+                  <a:pt x="822263" y="4543185"/>
+                </a:moveTo>
+                <a:lnTo>
+                  <a:pt x="816857" y="4557091"/>
+                </a:lnTo>
+                <a:cubicBezTo>
+                  <a:pt x="805236" y="4573618"/>
+                  <a:pt x="796449" y="4588275"/>
+                  <a:pt x="790493" y="4602021"/>
+                </a:cubicBezTo>
+                <a:cubicBezTo>
+                  <a:pt x="796449" y="4588275"/>
+                  <a:pt x="805236" y="4573618"/>
+                  <a:pt x="816857" y="4557092"/>
+                </a:cubicBezTo>
+                <a:cubicBezTo>
+                  <a:pt x="819238" y="4553662"/>
+                  <a:pt x="821286" y="4548281"/>
+                  <a:pt x="822263" y="4543185"/>
+                </a:cubicBezTo>
+                <a:close/>
+                <a:moveTo>
+                  <a:pt x="356045" y="2819253"/>
+                </a:moveTo>
+                <a:lnTo>
+                  <a:pt x="344401" y="2827483"/>
+                </a:lnTo>
+                <a:lnTo>
+                  <a:pt x="344399" y="2827486"/>
+                </a:lnTo>
+                <a:lnTo>
+                  <a:pt x="325551" y="2842392"/>
+                </a:lnTo>
+                <a:lnTo>
+                  <a:pt x="315896" y="2861156"/>
+                </a:lnTo>
+                <a:lnTo>
+                  <a:pt x="344399" y="2827486"/>
+                </a:lnTo>
+                <a:lnTo>
+                  <a:pt x="344401" y="2827484"/>
+                </a:lnTo>
+                <a:close/>
+                <a:moveTo>
+                  <a:pt x="425699" y="1974015"/>
+                </a:moveTo>
+                <a:cubicBezTo>
+                  <a:pt x="427224" y="1991685"/>
+                  <a:pt x="433462" y="2008497"/>
+                  <a:pt x="449941" y="2023547"/>
+                </a:cubicBezTo>
+                <a:cubicBezTo>
+                  <a:pt x="441702" y="2016020"/>
+                  <a:pt x="436022" y="2008056"/>
+                  <a:pt x="432213" y="1999763"/>
+                </a:cubicBezTo>
+                <a:close/>
+                <a:moveTo>
+                  <a:pt x="442893" y="1768838"/>
+                </a:moveTo>
+                <a:cubicBezTo>
+                  <a:pt x="451656" y="1779981"/>
+                  <a:pt x="453942" y="1790986"/>
+                  <a:pt x="452275" y="1801558"/>
+                </a:cubicBezTo>
+                <a:lnTo>
+                  <a:pt x="451495" y="1785412"/>
+                </a:lnTo>
+                <a:cubicBezTo>
+                  <a:pt x="450037" y="1779948"/>
+                  <a:pt x="447274" y="1774411"/>
+                  <a:pt x="442893" y="1768838"/>
+                </a:cubicBezTo>
+                <a:close/>
+                <a:moveTo>
+                  <a:pt x="333304" y="520953"/>
+                </a:moveTo>
+                <a:cubicBezTo>
+                  <a:pt x="333742" y="528850"/>
+                  <a:pt x="335479" y="536547"/>
+                  <a:pt x="337867" y="544146"/>
+                </a:cubicBezTo>
+                <a:lnTo>
+                  <a:pt x="340032" y="549926"/>
+                </a:lnTo>
+                <a:lnTo>
+                  <a:pt x="340448" y="551717"/>
+                </a:lnTo>
+                <a:lnTo>
+                  <a:pt x="346286" y="566616"/>
+                </a:lnTo>
+                <a:lnTo>
+                  <a:pt x="346338" y="566754"/>
+                </a:lnTo>
+                <a:lnTo>
+                  <a:pt x="352655" y="583595"/>
+                </a:lnTo>
+                <a:lnTo>
+                  <a:pt x="359451" y="612658"/>
+                </a:lnTo>
+                <a:cubicBezTo>
+                  <a:pt x="358988" y="604728"/>
+                  <a:pt x="357231" y="597005"/>
+                  <a:pt x="354829" y="589388"/>
+                </a:cubicBezTo>
+                <a:lnTo>
+                  <a:pt x="352655" y="583595"/>
+                </a:lnTo>
+                <a:lnTo>
+                  <a:pt x="352236" y="581804"/>
+                </a:lnTo>
+                <a:lnTo>
+                  <a:pt x="346286" y="566616"/>
+                </a:lnTo>
+                <a:lnTo>
+                  <a:pt x="340032" y="549926"/>
+                </a:lnTo>
+                <a:close/>
+                <a:moveTo>
+                  <a:pt x="384407" y="268794"/>
+                </a:moveTo>
+                <a:lnTo>
+                  <a:pt x="387837" y="328017"/>
+                </a:lnTo>
+                <a:cubicBezTo>
+                  <a:pt x="389527" y="318646"/>
+                  <a:pt x="389932" y="309031"/>
+                  <a:pt x="389283" y="299164"/>
+                </a:cubicBezTo>
+                <a:cubicBezTo>
+                  <a:pt x="388634" y="289296"/>
+                  <a:pt x="386932" y="279176"/>
+                  <a:pt x="384407" y="268794"/>
+                </a:cubicBezTo>
+                <a:close/>
+                <a:moveTo>
+                  <a:pt x="66991" y="0"/>
+                </a:moveTo>
+                <a:lnTo>
+                  <a:pt x="6439807" y="0"/>
+                </a:lnTo>
+                <a:lnTo>
+                  <a:pt x="6439807" y="6857999"/>
+                </a:lnTo>
+                <a:lnTo>
+                  <a:pt x="149318" y="6857999"/>
+                </a:lnTo>
+                <a:lnTo>
+                  <a:pt x="149318" y="6857457"/>
+                </a:lnTo>
+                <a:lnTo>
+                  <a:pt x="22079" y="6857457"/>
+                </a:lnTo>
+                <a:lnTo>
+                  <a:pt x="26851" y="6796804"/>
+                </a:lnTo>
+                <a:cubicBezTo>
+                  <a:pt x="32162" y="6777207"/>
+                  <a:pt x="39591" y="6758011"/>
+                  <a:pt x="44354" y="6738388"/>
+                </a:cubicBezTo>
+                <a:cubicBezTo>
+                  <a:pt x="48736" y="6720103"/>
+                  <a:pt x="58832" y="6702955"/>
+                  <a:pt x="67214" y="6685617"/>
+                </a:cubicBezTo>
+                <a:cubicBezTo>
+                  <a:pt x="83217" y="6652472"/>
+                  <a:pt x="73120" y="6617036"/>
+                  <a:pt x="77310" y="6583128"/>
+                </a:cubicBezTo>
+                <a:cubicBezTo>
+                  <a:pt x="78646" y="6572269"/>
+                  <a:pt x="80168" y="6561411"/>
+                  <a:pt x="82837" y="6550742"/>
+                </a:cubicBezTo>
+                <a:cubicBezTo>
+                  <a:pt x="89885" y="6521593"/>
+                  <a:pt x="95981" y="6491874"/>
+                  <a:pt x="105698" y="6463490"/>
+                </a:cubicBezTo>
+                <a:cubicBezTo>
+                  <a:pt x="116555" y="6431292"/>
+                  <a:pt x="131034" y="6400429"/>
+                  <a:pt x="146085" y="6363664"/>
+                </a:cubicBezTo>
+                <a:cubicBezTo>
+                  <a:pt x="142274" y="6350899"/>
+                  <a:pt x="131986" y="6331277"/>
+                  <a:pt x="131034" y="6311084"/>
+                </a:cubicBezTo>
+                <a:cubicBezTo>
+                  <a:pt x="127795" y="6246121"/>
+                  <a:pt x="145512" y="6185351"/>
+                  <a:pt x="173519" y="6127247"/>
+                </a:cubicBezTo>
+                <a:cubicBezTo>
+                  <a:pt x="181900" y="6109530"/>
+                  <a:pt x="187424" y="6090477"/>
+                  <a:pt x="195616" y="6072569"/>
+                </a:cubicBezTo>
+                <a:cubicBezTo>
+                  <a:pt x="198472" y="6066284"/>
+                  <a:pt x="204569" y="6058092"/>
+                  <a:pt x="210287" y="6056948"/>
+                </a:cubicBezTo>
+                <a:cubicBezTo>
+                  <a:pt x="243432" y="6050282"/>
+                  <a:pt x="242862" y="6025515"/>
+                  <a:pt x="244766" y="5999796"/>
+                </a:cubicBezTo>
+                <a:cubicBezTo>
+                  <a:pt x="247051" y="5969124"/>
+                  <a:pt x="252386" y="5938836"/>
+                  <a:pt x="256958" y="5908355"/>
+                </a:cubicBezTo>
+                <a:cubicBezTo>
+                  <a:pt x="257530" y="5904353"/>
+                  <a:pt x="261530" y="5900735"/>
+                  <a:pt x="264199" y="5897114"/>
+                </a:cubicBezTo>
+                <a:cubicBezTo>
+                  <a:pt x="268199" y="5891590"/>
+                  <a:pt x="274296" y="5886447"/>
+                  <a:pt x="275818" y="5880348"/>
+                </a:cubicBezTo>
+                <a:cubicBezTo>
+                  <a:pt x="283249" y="5849107"/>
+                  <a:pt x="289535" y="5817674"/>
+                  <a:pt x="296393" y="5786239"/>
+                </a:cubicBezTo>
+                <a:cubicBezTo>
+                  <a:pt x="297919" y="5779191"/>
+                  <a:pt x="299822" y="5771953"/>
+                  <a:pt x="302870" y="5765474"/>
+                </a:cubicBezTo>
+                <a:cubicBezTo>
+                  <a:pt x="305728" y="5759378"/>
+                  <a:pt x="310682" y="5754234"/>
+                  <a:pt x="313730" y="5748136"/>
+                </a:cubicBezTo>
+                <a:cubicBezTo>
+                  <a:pt x="321921" y="5731564"/>
+                  <a:pt x="329541" y="5714607"/>
+                  <a:pt x="338685" y="5695178"/>
+                </a:cubicBezTo>
+                <a:cubicBezTo>
+                  <a:pt x="321541" y="5684320"/>
+                  <a:pt x="331258" y="5669647"/>
+                  <a:pt x="339449" y="5651360"/>
+                </a:cubicBezTo>
+                <a:cubicBezTo>
+                  <a:pt x="347831" y="5632691"/>
+                  <a:pt x="350497" y="5611164"/>
+                  <a:pt x="353546" y="5590590"/>
+                </a:cubicBezTo>
+                <a:cubicBezTo>
+                  <a:pt x="359070" y="5552869"/>
+                  <a:pt x="362499" y="5514957"/>
+                  <a:pt x="367451" y="5477239"/>
+                </a:cubicBezTo>
+                <a:cubicBezTo>
+                  <a:pt x="368595" y="5469236"/>
+                  <a:pt x="370690" y="5460092"/>
+                  <a:pt x="375454" y="5453995"/>
+                </a:cubicBezTo>
+                <a:cubicBezTo>
+                  <a:pt x="407459" y="5412276"/>
+                  <a:pt x="416411" y="5361598"/>
+                  <a:pt x="413366" y="5313403"/>
+                </a:cubicBezTo>
+                <a:cubicBezTo>
+                  <a:pt x="411078" y="5275491"/>
+                  <a:pt x="409363" y="5238343"/>
+                  <a:pt x="412601" y="5200813"/>
+                </a:cubicBezTo>
+                <a:cubicBezTo>
+                  <a:pt x="412793" y="5197955"/>
+                  <a:pt x="412411" y="5194145"/>
+                  <a:pt x="410887" y="5192051"/>
+                </a:cubicBezTo>
+                <a:cubicBezTo>
+                  <a:pt x="400791" y="5179097"/>
+                  <a:pt x="400029" y="5165570"/>
+                  <a:pt x="398315" y="5148995"/>
+                </a:cubicBezTo>
+                <a:cubicBezTo>
+                  <a:pt x="395837" y="5125562"/>
+                  <a:pt x="397553" y="5104036"/>
+                  <a:pt x="401743" y="5082317"/>
+                </a:cubicBezTo>
+                <a:cubicBezTo>
+                  <a:pt x="404791" y="5066505"/>
+                  <a:pt x="411078" y="5050504"/>
+                  <a:pt x="419080" y="5036405"/>
+                </a:cubicBezTo>
+                <a:cubicBezTo>
+                  <a:pt x="430320" y="5016785"/>
+                  <a:pt x="434701" y="4997922"/>
+                  <a:pt x="419841" y="4979253"/>
+                </a:cubicBezTo>
+                <a:cubicBezTo>
+                  <a:pt x="404029" y="4959061"/>
+                  <a:pt x="409553" y="4936201"/>
+                  <a:pt x="408983" y="4913909"/>
+                </a:cubicBezTo>
+                <a:cubicBezTo>
+                  <a:pt x="408791" y="4904195"/>
+                  <a:pt x="409174" y="4893907"/>
+                  <a:pt x="406697" y="4884572"/>
+                </a:cubicBezTo>
+                <a:cubicBezTo>
+                  <a:pt x="399647" y="4857522"/>
+                  <a:pt x="388978" y="4831420"/>
+                  <a:pt x="384216" y="4803988"/>
+                </a:cubicBezTo>
+                <a:cubicBezTo>
+                  <a:pt x="381551" y="4788747"/>
+                  <a:pt x="386312" y="4771793"/>
+                  <a:pt x="389741" y="4755980"/>
+                </a:cubicBezTo>
+                <a:cubicBezTo>
+                  <a:pt x="393361" y="4739978"/>
+                  <a:pt x="398885" y="4724167"/>
+                  <a:pt x="404601" y="4708734"/>
+                </a:cubicBezTo>
+                <a:cubicBezTo>
+                  <a:pt x="408411" y="4698258"/>
+                  <a:pt x="412031" y="4686828"/>
+                  <a:pt x="418889" y="4678445"/>
+                </a:cubicBezTo>
+                <a:cubicBezTo>
+                  <a:pt x="434510" y="4659393"/>
+                  <a:pt x="437178" y="4639772"/>
+                  <a:pt x="428986" y="4617291"/>
+                </a:cubicBezTo>
+                <a:cubicBezTo>
+                  <a:pt x="427651" y="4613864"/>
+                  <a:pt x="427651" y="4609863"/>
+                  <a:pt x="427462" y="4606053"/>
+                </a:cubicBezTo>
+                <a:cubicBezTo>
+                  <a:pt x="423462" y="4545086"/>
+                  <a:pt x="420984" y="4484127"/>
+                  <a:pt x="414888" y="4423545"/>
+                </a:cubicBezTo>
+                <a:cubicBezTo>
+                  <a:pt x="412411" y="4398972"/>
+                  <a:pt x="401553" y="4375349"/>
+                  <a:pt x="394695" y="4351154"/>
+                </a:cubicBezTo>
+                <a:cubicBezTo>
+                  <a:pt x="393361" y="4346201"/>
+                  <a:pt x="391265" y="4340674"/>
+                  <a:pt x="392218" y="4335722"/>
+                </a:cubicBezTo>
+                <a:cubicBezTo>
+                  <a:pt x="401743" y="4281810"/>
+                  <a:pt x="387837" y="4231324"/>
+                  <a:pt x="369547" y="4181603"/>
+                </a:cubicBezTo>
+                <a:cubicBezTo>
+                  <a:pt x="367642" y="4176461"/>
+                  <a:pt x="368214" y="4170174"/>
+                  <a:pt x="368595" y="4164458"/>
+                </a:cubicBezTo>
+                <a:cubicBezTo>
+                  <a:pt x="369928" y="4148453"/>
+                  <a:pt x="376597" y="4131119"/>
+                  <a:pt x="372597" y="4116641"/>
+                </a:cubicBezTo>
+                <a:cubicBezTo>
+                  <a:pt x="361545" y="4078159"/>
+                  <a:pt x="348211" y="4040058"/>
+                  <a:pt x="331447" y="4003861"/>
+                </a:cubicBezTo>
+                <a:cubicBezTo>
+                  <a:pt x="314493" y="3967091"/>
+                  <a:pt x="300203" y="3932993"/>
+                  <a:pt x="317350" y="3890891"/>
+                </a:cubicBezTo>
+                <a:cubicBezTo>
+                  <a:pt x="324589" y="3872985"/>
+                  <a:pt x="319445" y="3849362"/>
+                  <a:pt x="317541" y="3828785"/>
+                </a:cubicBezTo>
+                <a:cubicBezTo>
+                  <a:pt x="316016" y="3813737"/>
+                  <a:pt x="307442" y="3799258"/>
+                  <a:pt x="307442" y="3784397"/>
+                </a:cubicBezTo>
+                <a:cubicBezTo>
+                  <a:pt x="307442" y="3744770"/>
+                  <a:pt x="297346" y="3709529"/>
+                  <a:pt x="276771" y="3675238"/>
+                </a:cubicBezTo>
+                <a:cubicBezTo>
+                  <a:pt x="268770" y="3661899"/>
+                  <a:pt x="274105" y="3641134"/>
+                  <a:pt x="272009" y="3623799"/>
+                </a:cubicBezTo>
+                <a:cubicBezTo>
+                  <a:pt x="269533" y="3605509"/>
+                  <a:pt x="267247" y="3586653"/>
+                  <a:pt x="261721" y="3569124"/>
+                </a:cubicBezTo>
+                <a:cubicBezTo>
+                  <a:pt x="247242" y="3523785"/>
+                  <a:pt x="230859" y="3479015"/>
+                  <a:pt x="215618" y="3433866"/>
+                </a:cubicBezTo>
+                <a:cubicBezTo>
+                  <a:pt x="203045" y="3396719"/>
+                  <a:pt x="212952" y="3360139"/>
+                  <a:pt x="218285" y="3323372"/>
+                </a:cubicBezTo>
+                <a:cubicBezTo>
+                  <a:pt x="221716" y="3300319"/>
+                  <a:pt x="229907" y="3278795"/>
+                  <a:pt x="217715" y="3252885"/>
+                </a:cubicBezTo>
+                <a:cubicBezTo>
+                  <a:pt x="206093" y="3228119"/>
+                  <a:pt x="208761" y="3196686"/>
+                  <a:pt x="202474" y="3168870"/>
+                </a:cubicBezTo>
+                <a:cubicBezTo>
+                  <a:pt x="197141" y="3145436"/>
+                  <a:pt x="188566" y="3122770"/>
+                  <a:pt x="180184" y="3100099"/>
+                </a:cubicBezTo>
+                <a:cubicBezTo>
+                  <a:pt x="168753" y="3069235"/>
+                  <a:pt x="156753" y="3038756"/>
+                  <a:pt x="162468" y="3005035"/>
+                </a:cubicBezTo>
+                <a:cubicBezTo>
+                  <a:pt x="168946" y="2966742"/>
+                  <a:pt x="144561" y="2940455"/>
+                  <a:pt x="128367" y="2910353"/>
+                </a:cubicBezTo>
+                <a:cubicBezTo>
+                  <a:pt x="117318" y="2889587"/>
+                  <a:pt x="109126" y="2866918"/>
+                  <a:pt x="102267" y="2844248"/>
+                </a:cubicBezTo>
+                <a:cubicBezTo>
+                  <a:pt x="93313" y="2813958"/>
+                  <a:pt x="87978" y="2782716"/>
+                  <a:pt x="79217" y="2752235"/>
+                </a:cubicBezTo>
+                <a:cubicBezTo>
+                  <a:pt x="66072" y="2706131"/>
+                  <a:pt x="55784" y="2659455"/>
+                  <a:pt x="63024" y="2611450"/>
+                </a:cubicBezTo>
+                <a:cubicBezTo>
+                  <a:pt x="66262" y="2589352"/>
+                  <a:pt x="66072" y="2568774"/>
+                  <a:pt x="61307" y="2546678"/>
+                </a:cubicBezTo>
+                <a:cubicBezTo>
+                  <a:pt x="53497" y="2510483"/>
+                  <a:pt x="52545" y="2473333"/>
+                  <a:pt x="23399" y="2444184"/>
+                </a:cubicBezTo>
+                <a:cubicBezTo>
+                  <a:pt x="13111" y="2433897"/>
+                  <a:pt x="10446" y="2415420"/>
+                  <a:pt x="5110" y="2400369"/>
+                </a:cubicBezTo>
+                <a:cubicBezTo>
+                  <a:pt x="-1178" y="2383032"/>
+                  <a:pt x="2062" y="2370270"/>
+                  <a:pt x="20352" y="2360933"/>
+                </a:cubicBezTo>
+                <a:cubicBezTo>
+                  <a:pt x="28541" y="2356744"/>
+                  <a:pt x="36543" y="2344741"/>
+                  <a:pt x="37878" y="2335405"/>
+                </a:cubicBezTo>
+                <a:cubicBezTo>
+                  <a:pt x="41877" y="2307402"/>
+                  <a:pt x="35972" y="2281683"/>
+                  <a:pt x="23017" y="2254633"/>
+                </a:cubicBezTo>
+                <a:cubicBezTo>
+                  <a:pt x="10825" y="2229296"/>
+                  <a:pt x="12159" y="2197670"/>
+                  <a:pt x="7395" y="2168903"/>
+                </a:cubicBezTo>
+                <a:cubicBezTo>
+                  <a:pt x="5681" y="2158712"/>
+                  <a:pt x="3062" y="2148519"/>
+                  <a:pt x="871" y="2138304"/>
+                </a:cubicBezTo>
+                <a:lnTo>
+                  <a:pt x="0" y="2131532"/>
+                </a:lnTo>
+                <a:lnTo>
+                  <a:pt x="0" y="2072225"/>
+                </a:lnTo>
+                <a:lnTo>
+                  <a:pt x="251" y="2069340"/>
+                </a:lnTo>
+                <a:cubicBezTo>
+                  <a:pt x="2061" y="2056600"/>
+                  <a:pt x="4156" y="2043835"/>
+                  <a:pt x="5299" y="2030977"/>
+                </a:cubicBezTo>
+                <a:cubicBezTo>
+                  <a:pt x="7203" y="2010974"/>
+                  <a:pt x="6442" y="1990589"/>
+                  <a:pt x="8729" y="1970586"/>
+                </a:cubicBezTo>
+                <a:cubicBezTo>
+                  <a:pt x="10446" y="1954202"/>
+                  <a:pt x="14826" y="1938009"/>
+                  <a:pt x="18445" y="1921817"/>
+                </a:cubicBezTo>
+                <a:cubicBezTo>
+                  <a:pt x="19779" y="1915912"/>
+                  <a:pt x="24922" y="1910004"/>
+                  <a:pt x="24161" y="1904673"/>
+                </a:cubicBezTo>
+                <a:cubicBezTo>
+                  <a:pt x="15970" y="1851709"/>
+                  <a:pt x="52545" y="1813610"/>
+                  <a:pt x="68738" y="1768838"/>
+                </a:cubicBezTo>
+                <a:cubicBezTo>
+                  <a:pt x="85885" y="1721785"/>
+                  <a:pt x="112174" y="1676253"/>
+                  <a:pt x="104364" y="1623675"/>
+                </a:cubicBezTo>
+                <a:cubicBezTo>
+                  <a:pt x="99601" y="1591859"/>
+                  <a:pt x="88551" y="1561189"/>
+                  <a:pt x="81883" y="1529563"/>
+                </a:cubicBezTo>
+                <a:cubicBezTo>
+                  <a:pt x="79597" y="1518324"/>
+                  <a:pt x="79979" y="1505751"/>
+                  <a:pt x="82264" y="1494509"/>
+                </a:cubicBezTo>
+                <a:cubicBezTo>
+                  <a:pt x="92744" y="1440216"/>
+                  <a:pt x="94267" y="1386684"/>
+                  <a:pt x="77120" y="1333341"/>
+                </a:cubicBezTo>
+                <a:cubicBezTo>
+                  <a:pt x="74262" y="1324198"/>
+                  <a:pt x="71597" y="1314483"/>
+                  <a:pt x="71597" y="1304955"/>
+                </a:cubicBezTo>
+                <a:cubicBezTo>
+                  <a:pt x="71597" y="1252757"/>
+                  <a:pt x="75597" y="1201512"/>
+                  <a:pt x="94267" y="1151600"/>
+                </a:cubicBezTo>
+                <a:cubicBezTo>
+                  <a:pt x="100554" y="1134834"/>
+                  <a:pt x="96553" y="1114449"/>
+                  <a:pt x="98078" y="1095972"/>
+                </a:cubicBezTo>
+                <a:cubicBezTo>
+                  <a:pt x="99409" y="1078826"/>
+                  <a:pt x="99981" y="1061298"/>
+                  <a:pt x="104364" y="1044725"/>
+                </a:cubicBezTo>
+                <a:cubicBezTo>
+                  <a:pt x="110839" y="1020529"/>
+                  <a:pt x="111601" y="998052"/>
+                  <a:pt x="105887" y="973095"/>
+                </a:cubicBezTo>
+                <a:cubicBezTo>
+                  <a:pt x="100554" y="949281"/>
+                  <a:pt x="103220" y="923562"/>
+                  <a:pt x="103029" y="898797"/>
+                </a:cubicBezTo>
+                <a:cubicBezTo>
+                  <a:pt x="102839" y="871173"/>
+                  <a:pt x="102649" y="843552"/>
+                  <a:pt x="103601" y="815929"/>
+                </a:cubicBezTo>
+                <a:cubicBezTo>
+                  <a:pt x="103981" y="804877"/>
+                  <a:pt x="111601" y="792306"/>
+                  <a:pt x="108553" y="783158"/>
+                </a:cubicBezTo>
+                <a:cubicBezTo>
+                  <a:pt x="98267" y="753633"/>
+                  <a:pt x="110649" y="724104"/>
+                  <a:pt x="105127" y="694576"/>
+                </a:cubicBezTo>
+                <a:cubicBezTo>
+                  <a:pt x="102267" y="680096"/>
+                  <a:pt x="110078" y="663713"/>
+                  <a:pt x="110839" y="648092"/>
+                </a:cubicBezTo>
+                <a:cubicBezTo>
+                  <a:pt x="112174" y="622564"/>
+                  <a:pt x="111601" y="597037"/>
+                  <a:pt x="111983" y="571508"/>
+                </a:cubicBezTo>
+                <a:cubicBezTo>
+                  <a:pt x="112174" y="563125"/>
+                  <a:pt x="112936" y="554933"/>
+                  <a:pt x="113318" y="546552"/>
+                </a:cubicBezTo>
+                <a:cubicBezTo>
+                  <a:pt x="113697" y="539121"/>
+                  <a:pt x="115411" y="531310"/>
+                  <a:pt x="114081" y="524262"/>
+                </a:cubicBezTo>
+                <a:cubicBezTo>
+                  <a:pt x="109315" y="498733"/>
+                  <a:pt x="101505" y="473587"/>
+                  <a:pt x="98457" y="447870"/>
+                </a:cubicBezTo>
+                <a:cubicBezTo>
+                  <a:pt x="95792" y="425581"/>
+                  <a:pt x="99409" y="402529"/>
+                  <a:pt x="97505" y="380050"/>
+                </a:cubicBezTo>
+                <a:cubicBezTo>
+                  <a:pt x="94267" y="340425"/>
+                  <a:pt x="88551" y="300800"/>
+                  <a:pt x="84930" y="261173"/>
+                </a:cubicBezTo>
+                <a:cubicBezTo>
+                  <a:pt x="84168" y="252600"/>
+                  <a:pt x="88934" y="243648"/>
+                  <a:pt x="89314" y="234883"/>
+                </a:cubicBezTo>
+                <a:cubicBezTo>
+                  <a:pt x="90266" y="207450"/>
+                  <a:pt x="90457" y="180017"/>
+                  <a:pt x="91027" y="152584"/>
+                </a:cubicBezTo>
+                <a:cubicBezTo>
+                  <a:pt x="91218" y="136963"/>
+                  <a:pt x="90647" y="121150"/>
+                  <a:pt x="92361" y="105718"/>
+                </a:cubicBezTo>
+                <a:cubicBezTo>
+                  <a:pt x="94647" y="85336"/>
+                  <a:pt x="98078" y="66857"/>
+                  <a:pt x="83217" y="47806"/>
+                </a:cubicBezTo>
+                <a:cubicBezTo>
+                  <a:pt x="77453" y="40471"/>
+                  <a:pt x="73691" y="32636"/>
+                  <a:pt x="71207" y="24480"/>
+                </a:cubicBezTo>
+                <a:close/>
+              </a:path>
+            </a:pathLst>
+          </a:custGeom>
+          <a:effectLst>
+            <a:outerShdw blurRad="381000" dist="152400" dir="10800000" algn="tr" rotWithShape="0">
+              <a:prstClr val="black">
+                <a:alpha val="10000"/>
+              </a:prstClr>
+            </a:outerShdw>
+          </a:effectLst>
+        </p:spPr>
+      </p:pic>
+      <p:grpSp>
+        <p:nvGrpSpPr>
+          <p:cNvPr id="16" name="Group 15">
+            <a:extLst>
+              <a:ext uri="{FF2B5EF4-FFF2-40B4-BE49-F238E27FC236}">
+                <a16:creationId xmlns:a16="http://schemas.microsoft.com/office/drawing/2014/main" id="{EE5D87AC-5CCC-4E1F-8B25-D3A6053029C8}"/>
+              </a:ext>
+              <a:ext uri="{C183D7F6-B498-43B3-948B-1728B52AA6E4}">
+                <adec:decorative xmlns:adec="http://schemas.microsoft.com/office/drawing/2017/decorative" val="1"/>
+              </a:ext>
+            </a:extLst>
+          </p:cNvPr>
+          <p:cNvGrpSpPr>
+            <a:grpSpLocks noGrp="1" noUngrp="1" noRot="1" noChangeAspect="1" noMove="1" noResize="1"/>
+          </p:cNvGrpSpPr>
+          <p:nvPr>
+            <p:extLst>
+              <p:ext uri="{386F3935-93C4-4BCD-93E2-E3B085C9AB24}">
+                <p16:designElem xmlns:p16="http://schemas.microsoft.com/office/powerpoint/2015/main" val="1"/>
+              </p:ext>
+            </p:extLst>
+          </p:nvPr>
+        </p:nvGrpSpPr>
+        <p:grpSpPr>
+          <a:xfrm>
+            <a:off x="5632356" y="0"/>
+            <a:ext cx="874718" cy="6857455"/>
+            <a:chOff x="5632356" y="0"/>
+            <a:chExt cx="874718" cy="6857455"/>
+          </a:xfrm>
+        </p:grpSpPr>
+        <p:sp>
+          <p:nvSpPr>
+            <p:cNvPr id="12" name="Freeform: Shape 11">
+              <a:extLst>
+                <a:ext uri="{FF2B5EF4-FFF2-40B4-BE49-F238E27FC236}">
+                  <a16:creationId xmlns:a16="http://schemas.microsoft.com/office/drawing/2014/main" id="{6EFC8E10-A01A-44C0-92B4-4837ED6C4BCF}"/>
+                </a:ext>
+                <a:ext uri="{C183D7F6-B498-43B3-948B-1728B52AA6E4}">
+                  <adec:decorative xmlns:adec="http://schemas.microsoft.com/office/drawing/2017/decorative" val="1"/>
+                </a:ext>
+              </a:extLst>
+            </p:cNvPr>
+            <p:cNvSpPr/>
+            <p:nvPr>
+              <p:extLst>
+                <p:ext uri="{386F3935-93C4-4BCD-93E2-E3B085C9AB24}">
+                  <p16:designElem xmlns:p16="http://schemas.microsoft.com/office/powerpoint/2015/main" val="1"/>
+                </p:ext>
+              </p:extLst>
+            </p:nvPr>
+          </p:nvSpPr>
+          <p:spPr>
+            <a:xfrm rot="5400000" flipH="1">
+              <a:off x="2640986" y="2991370"/>
+              <a:ext cx="6857455" cy="874716"/>
+            </a:xfrm>
+            <a:custGeom>
+              <a:avLst/>
+              <a:gdLst>
+                <a:gd name="connsiteX0" fmla="*/ 6857455 w 6857455"/>
+                <a:gd name="connsiteY0" fmla="*/ 804643 h 874716"/>
+                <a:gd name="connsiteX1" fmla="*/ 6857455 w 6857455"/>
+                <a:gd name="connsiteY1" fmla="*/ 562246 h 874716"/>
+                <a:gd name="connsiteX2" fmla="*/ 6829178 w 6857455"/>
+                <a:gd name="connsiteY2" fmla="*/ 551284 h 874716"/>
+                <a:gd name="connsiteX3" fmla="*/ 6766024 w 6857455"/>
+                <a:gd name="connsiteY3" fmla="*/ 500372 h 874716"/>
+                <a:gd name="connsiteX4" fmla="*/ 6734971 w 6857455"/>
+                <a:gd name="connsiteY4" fmla="*/ 500944 h 874716"/>
+                <a:gd name="connsiteX5" fmla="*/ 6683915 w 6857455"/>
+                <a:gd name="connsiteY5" fmla="*/ 507040 h 874716"/>
+                <a:gd name="connsiteX6" fmla="*/ 6628860 w 6857455"/>
+                <a:gd name="connsiteY6" fmla="*/ 495418 h 874716"/>
+                <a:gd name="connsiteX7" fmla="*/ 6588662 w 6857455"/>
+                <a:gd name="connsiteY7" fmla="*/ 487227 h 874716"/>
+                <a:gd name="connsiteX8" fmla="*/ 6476074 w 6857455"/>
+                <a:gd name="connsiteY8" fmla="*/ 511230 h 874716"/>
+                <a:gd name="connsiteX9" fmla="*/ 6382345 w 6857455"/>
+                <a:gd name="connsiteY9" fmla="*/ 534853 h 874716"/>
+                <a:gd name="connsiteX10" fmla="*/ 6369391 w 6857455"/>
+                <a:gd name="connsiteY10" fmla="*/ 531615 h 874716"/>
+                <a:gd name="connsiteX11" fmla="*/ 6244799 w 6857455"/>
+                <a:gd name="connsiteY11" fmla="*/ 512182 h 874716"/>
+                <a:gd name="connsiteX12" fmla="*/ 6190315 w 6857455"/>
+                <a:gd name="connsiteY12" fmla="*/ 485703 h 874716"/>
+                <a:gd name="connsiteX13" fmla="*/ 6115446 w 6857455"/>
+                <a:gd name="connsiteY13" fmla="*/ 462270 h 874716"/>
+                <a:gd name="connsiteX14" fmla="*/ 6032194 w 6857455"/>
+                <a:gd name="connsiteY14" fmla="*/ 434266 h 874716"/>
+                <a:gd name="connsiteX15" fmla="*/ 5971042 w 6857455"/>
+                <a:gd name="connsiteY15" fmla="*/ 420738 h 874716"/>
+                <a:gd name="connsiteX16" fmla="*/ 5880933 w 6857455"/>
+                <a:gd name="connsiteY16" fmla="*/ 430646 h 874716"/>
+                <a:gd name="connsiteX17" fmla="*/ 5862452 w 6857455"/>
+                <a:gd name="connsiteY17" fmla="*/ 438648 h 874716"/>
+                <a:gd name="connsiteX18" fmla="*/ 5685283 w 6857455"/>
+                <a:gd name="connsiteY18" fmla="*/ 498658 h 874716"/>
+                <a:gd name="connsiteX19" fmla="*/ 5567169 w 6857455"/>
+                <a:gd name="connsiteY19" fmla="*/ 499420 h 874716"/>
+                <a:gd name="connsiteX20" fmla="*/ 5527923 w 6857455"/>
+                <a:gd name="connsiteY20" fmla="*/ 490466 h 874716"/>
+                <a:gd name="connsiteX21" fmla="*/ 5456292 w 6857455"/>
+                <a:gd name="connsiteY21" fmla="*/ 450650 h 874716"/>
+                <a:gd name="connsiteX22" fmla="*/ 5424670 w 6857455"/>
+                <a:gd name="connsiteY22" fmla="*/ 444934 h 874716"/>
+                <a:gd name="connsiteX23" fmla="*/ 5368662 w 6857455"/>
+                <a:gd name="connsiteY23" fmla="*/ 441124 h 874716"/>
+                <a:gd name="connsiteX24" fmla="*/ 5247118 w 6857455"/>
+                <a:gd name="connsiteY24" fmla="*/ 444934 h 874716"/>
+                <a:gd name="connsiteX25" fmla="*/ 5088617 w 6857455"/>
+                <a:gd name="connsiteY25" fmla="*/ 428742 h 874716"/>
+                <a:gd name="connsiteX26" fmla="*/ 5025750 w 6857455"/>
+                <a:gd name="connsiteY26" fmla="*/ 433694 h 874716"/>
+                <a:gd name="connsiteX27" fmla="*/ 4957930 w 6857455"/>
+                <a:gd name="connsiteY27" fmla="*/ 442268 h 874716"/>
+                <a:gd name="connsiteX28" fmla="*/ 4938116 w 6857455"/>
+                <a:gd name="connsiteY28" fmla="*/ 441886 h 874716"/>
+                <a:gd name="connsiteX29" fmla="*/ 4833910 w 6857455"/>
+                <a:gd name="connsiteY29" fmla="*/ 421693 h 874716"/>
+                <a:gd name="connsiteX30" fmla="*/ 4810095 w 6857455"/>
+                <a:gd name="connsiteY30" fmla="*/ 408167 h 874716"/>
+                <a:gd name="connsiteX31" fmla="*/ 4747991 w 6857455"/>
+                <a:gd name="connsiteY31" fmla="*/ 413691 h 874716"/>
+                <a:gd name="connsiteX32" fmla="*/ 4692745 w 6857455"/>
+                <a:gd name="connsiteY32" fmla="*/ 435790 h 874716"/>
+                <a:gd name="connsiteX33" fmla="*/ 4375933 w 6857455"/>
+                <a:gd name="connsiteY33" fmla="*/ 483417 h 874716"/>
+                <a:gd name="connsiteX34" fmla="*/ 4185426 w 6857455"/>
+                <a:gd name="connsiteY34" fmla="*/ 484179 h 874716"/>
+                <a:gd name="connsiteX35" fmla="*/ 4052072 w 6857455"/>
+                <a:gd name="connsiteY35" fmla="*/ 505134 h 874716"/>
+                <a:gd name="connsiteX36" fmla="*/ 4029973 w 6857455"/>
+                <a:gd name="connsiteY36" fmla="*/ 527233 h 874716"/>
+                <a:gd name="connsiteX37" fmla="*/ 3948626 w 6857455"/>
+                <a:gd name="connsiteY37" fmla="*/ 550666 h 874716"/>
+                <a:gd name="connsiteX38" fmla="*/ 3871280 w 6857455"/>
+                <a:gd name="connsiteY38" fmla="*/ 502275 h 874716"/>
+                <a:gd name="connsiteX39" fmla="*/ 3774312 w 6857455"/>
+                <a:gd name="connsiteY39" fmla="*/ 429122 h 874716"/>
+                <a:gd name="connsiteX40" fmla="*/ 3721543 w 6857455"/>
+                <a:gd name="connsiteY40" fmla="*/ 428552 h 874716"/>
+                <a:gd name="connsiteX41" fmla="*/ 3612763 w 6857455"/>
+                <a:gd name="connsiteY41" fmla="*/ 414263 h 874716"/>
+                <a:gd name="connsiteX42" fmla="*/ 3537323 w 6857455"/>
+                <a:gd name="connsiteY42" fmla="*/ 389878 h 874716"/>
+                <a:gd name="connsiteX43" fmla="*/ 3431593 w 6857455"/>
+                <a:gd name="connsiteY43" fmla="*/ 360921 h 874716"/>
+                <a:gd name="connsiteX44" fmla="*/ 3392158 w 6857455"/>
+                <a:gd name="connsiteY44" fmla="*/ 345681 h 874716"/>
+                <a:gd name="connsiteX45" fmla="*/ 3297856 w 6857455"/>
+                <a:gd name="connsiteY45" fmla="*/ 323010 h 874716"/>
+                <a:gd name="connsiteX46" fmla="*/ 3219748 w 6857455"/>
+                <a:gd name="connsiteY46" fmla="*/ 308151 h 874716"/>
+                <a:gd name="connsiteX47" fmla="*/ 3156692 w 6857455"/>
+                <a:gd name="connsiteY47" fmla="*/ 261668 h 874716"/>
+                <a:gd name="connsiteX48" fmla="*/ 3136497 w 6857455"/>
+                <a:gd name="connsiteY48" fmla="*/ 237663 h 874716"/>
+                <a:gd name="connsiteX49" fmla="*/ 3119733 w 6857455"/>
+                <a:gd name="connsiteY49" fmla="*/ 222233 h 874716"/>
+                <a:gd name="connsiteX50" fmla="*/ 3045436 w 6857455"/>
+                <a:gd name="connsiteY50" fmla="*/ 131742 h 874716"/>
+                <a:gd name="connsiteX51" fmla="*/ 3037054 w 6857455"/>
+                <a:gd name="connsiteY51" fmla="*/ 124121 h 874716"/>
+                <a:gd name="connsiteX52" fmla="*/ 2936466 w 6857455"/>
+                <a:gd name="connsiteY52" fmla="*/ 82400 h 874716"/>
+                <a:gd name="connsiteX53" fmla="*/ 2901031 w 6857455"/>
+                <a:gd name="connsiteY53" fmla="*/ 59731 h 874716"/>
+                <a:gd name="connsiteX54" fmla="*/ 2828259 w 6857455"/>
+                <a:gd name="connsiteY54" fmla="*/ 3149 h 874716"/>
+                <a:gd name="connsiteX55" fmla="*/ 2799492 w 6857455"/>
+                <a:gd name="connsiteY55" fmla="*/ 1245 h 874716"/>
+                <a:gd name="connsiteX56" fmla="*/ 2693570 w 6857455"/>
+                <a:gd name="connsiteY56" fmla="*/ 35154 h 874716"/>
+                <a:gd name="connsiteX57" fmla="*/ 2639847 w 6857455"/>
+                <a:gd name="connsiteY57" fmla="*/ 73448 h 874716"/>
+                <a:gd name="connsiteX58" fmla="*/ 2621178 w 6857455"/>
+                <a:gd name="connsiteY58" fmla="*/ 88688 h 874716"/>
+                <a:gd name="connsiteX59" fmla="*/ 2489348 w 6857455"/>
+                <a:gd name="connsiteY59" fmla="*/ 72304 h 874716"/>
+                <a:gd name="connsiteX60" fmla="*/ 2452580 w 6857455"/>
+                <a:gd name="connsiteY60" fmla="*/ 68683 h 874716"/>
+                <a:gd name="connsiteX61" fmla="*/ 2326464 w 6857455"/>
+                <a:gd name="connsiteY61" fmla="*/ 50395 h 874716"/>
+                <a:gd name="connsiteX62" fmla="*/ 2300365 w 6857455"/>
+                <a:gd name="connsiteY62" fmla="*/ 54777 h 874716"/>
+                <a:gd name="connsiteX63" fmla="*/ 2130434 w 6857455"/>
+                <a:gd name="connsiteY63" fmla="*/ 58397 h 874716"/>
+                <a:gd name="connsiteX64" fmla="*/ 2118621 w 6857455"/>
+                <a:gd name="connsiteY64" fmla="*/ 47919 h 874716"/>
+                <a:gd name="connsiteX65" fmla="*/ 2057659 w 6857455"/>
+                <a:gd name="connsiteY65" fmla="*/ 16866 h 874716"/>
+                <a:gd name="connsiteX66" fmla="*/ 1976314 w 6857455"/>
+                <a:gd name="connsiteY66" fmla="*/ 8865 h 874716"/>
+                <a:gd name="connsiteX67" fmla="*/ 1961454 w 6857455"/>
+                <a:gd name="connsiteY67" fmla="*/ 11724 h 874716"/>
+                <a:gd name="connsiteX68" fmla="*/ 1906588 w 6857455"/>
+                <a:gd name="connsiteY68" fmla="*/ 30964 h 874716"/>
+                <a:gd name="connsiteX69" fmla="*/ 1783330 w 6857455"/>
+                <a:gd name="connsiteY69" fmla="*/ 48871 h 874716"/>
+                <a:gd name="connsiteX70" fmla="*/ 1759327 w 6857455"/>
+                <a:gd name="connsiteY70" fmla="*/ 55349 h 874716"/>
+                <a:gd name="connsiteX71" fmla="*/ 1716082 w 6857455"/>
+                <a:gd name="connsiteY71" fmla="*/ 65445 h 874716"/>
+                <a:gd name="connsiteX72" fmla="*/ 1598920 w 6857455"/>
+                <a:gd name="connsiteY72" fmla="*/ 72114 h 874716"/>
+                <a:gd name="connsiteX73" fmla="*/ 1542150 w 6857455"/>
+                <a:gd name="connsiteY73" fmla="*/ 62207 h 874716"/>
+                <a:gd name="connsiteX74" fmla="*/ 1516813 w 6857455"/>
+                <a:gd name="connsiteY74" fmla="*/ 62779 h 874716"/>
+                <a:gd name="connsiteX75" fmla="*/ 1432228 w 6857455"/>
+                <a:gd name="connsiteY75" fmla="*/ 88116 h 874716"/>
+                <a:gd name="connsiteX76" fmla="*/ 1224765 w 6857455"/>
+                <a:gd name="connsiteY76" fmla="*/ 71924 h 874716"/>
+                <a:gd name="connsiteX77" fmla="*/ 1159231 w 6857455"/>
+                <a:gd name="connsiteY77" fmla="*/ 58207 h 874716"/>
+                <a:gd name="connsiteX78" fmla="*/ 1124370 w 6857455"/>
+                <a:gd name="connsiteY78" fmla="*/ 56301 h 874716"/>
+                <a:gd name="connsiteX79" fmla="*/ 1075600 w 6857455"/>
+                <a:gd name="connsiteY79" fmla="*/ 75542 h 874716"/>
+                <a:gd name="connsiteX80" fmla="*/ 986633 w 6857455"/>
+                <a:gd name="connsiteY80" fmla="*/ 79162 h 874716"/>
+                <a:gd name="connsiteX81" fmla="*/ 861089 w 6857455"/>
+                <a:gd name="connsiteY81" fmla="*/ 76304 h 874716"/>
+                <a:gd name="connsiteX82" fmla="*/ 759168 w 6857455"/>
+                <a:gd name="connsiteY82" fmla="*/ 104689 h 874716"/>
+                <a:gd name="connsiteX83" fmla="*/ 723735 w 6857455"/>
+                <a:gd name="connsiteY83" fmla="*/ 140696 h 874716"/>
+                <a:gd name="connsiteX84" fmla="*/ 647532 w 6857455"/>
+                <a:gd name="connsiteY84" fmla="*/ 147934 h 874716"/>
+                <a:gd name="connsiteX85" fmla="*/ 552659 w 6857455"/>
+                <a:gd name="connsiteY85" fmla="*/ 95926 h 874716"/>
+                <a:gd name="connsiteX86" fmla="*/ 541800 w 6857455"/>
+                <a:gd name="connsiteY86" fmla="*/ 97640 h 874716"/>
+                <a:gd name="connsiteX87" fmla="*/ 375107 w 6857455"/>
+                <a:gd name="connsiteY87" fmla="*/ 123169 h 874716"/>
+                <a:gd name="connsiteX88" fmla="*/ 273567 w 6857455"/>
+                <a:gd name="connsiteY88" fmla="*/ 145458 h 874716"/>
+                <a:gd name="connsiteX89" fmla="*/ 264043 w 6857455"/>
+                <a:gd name="connsiteY89" fmla="*/ 154792 h 874716"/>
+                <a:gd name="connsiteX90" fmla="*/ 169360 w 6857455"/>
+                <a:gd name="connsiteY90" fmla="*/ 177273 h 874716"/>
+                <a:gd name="connsiteX91" fmla="*/ 89347 w 6857455"/>
+                <a:gd name="connsiteY91" fmla="*/ 157460 h 874716"/>
+                <a:gd name="connsiteX92" fmla="*/ 34291 w 6857455"/>
+                <a:gd name="connsiteY92" fmla="*/ 145268 h 874716"/>
+                <a:gd name="connsiteX93" fmla="*/ 0 w 6857455"/>
+                <a:gd name="connsiteY93" fmla="*/ 142056 h 874716"/>
+                <a:gd name="connsiteX94" fmla="*/ 0 w 6857455"/>
+                <a:gd name="connsiteY94" fmla="*/ 849556 h 874716"/>
+                <a:gd name="connsiteX95" fmla="*/ 60652 w 6857455"/>
+                <a:gd name="connsiteY95" fmla="*/ 844783 h 874716"/>
+                <a:gd name="connsiteX96" fmla="*/ 119068 w 6857455"/>
+                <a:gd name="connsiteY96" fmla="*/ 827281 h 874716"/>
+                <a:gd name="connsiteX97" fmla="*/ 171840 w 6857455"/>
+                <a:gd name="connsiteY97" fmla="*/ 804420 h 874716"/>
+                <a:gd name="connsiteX98" fmla="*/ 274329 w 6857455"/>
+                <a:gd name="connsiteY98" fmla="*/ 794324 h 874716"/>
+                <a:gd name="connsiteX99" fmla="*/ 306715 w 6857455"/>
+                <a:gd name="connsiteY99" fmla="*/ 788798 h 874716"/>
+                <a:gd name="connsiteX100" fmla="*/ 393967 w 6857455"/>
+                <a:gd name="connsiteY100" fmla="*/ 765937 h 874716"/>
+                <a:gd name="connsiteX101" fmla="*/ 493793 w 6857455"/>
+                <a:gd name="connsiteY101" fmla="*/ 725549 h 874716"/>
+                <a:gd name="connsiteX102" fmla="*/ 546373 w 6857455"/>
+                <a:gd name="connsiteY102" fmla="*/ 740600 h 874716"/>
+                <a:gd name="connsiteX103" fmla="*/ 730211 w 6857455"/>
+                <a:gd name="connsiteY103" fmla="*/ 698116 h 874716"/>
+                <a:gd name="connsiteX104" fmla="*/ 784889 w 6857455"/>
+                <a:gd name="connsiteY104" fmla="*/ 676018 h 874716"/>
+                <a:gd name="connsiteX105" fmla="*/ 800509 w 6857455"/>
+                <a:gd name="connsiteY105" fmla="*/ 661349 h 874716"/>
+                <a:gd name="connsiteX106" fmla="*/ 857661 w 6857455"/>
+                <a:gd name="connsiteY106" fmla="*/ 626868 h 874716"/>
+                <a:gd name="connsiteX107" fmla="*/ 949102 w 6857455"/>
+                <a:gd name="connsiteY107" fmla="*/ 614676 h 874716"/>
+                <a:gd name="connsiteX108" fmla="*/ 960342 w 6857455"/>
+                <a:gd name="connsiteY108" fmla="*/ 607435 h 874716"/>
+                <a:gd name="connsiteX109" fmla="*/ 977109 w 6857455"/>
+                <a:gd name="connsiteY109" fmla="*/ 595815 h 874716"/>
+                <a:gd name="connsiteX110" fmla="*/ 1071218 w 6857455"/>
+                <a:gd name="connsiteY110" fmla="*/ 575240 h 874716"/>
+                <a:gd name="connsiteX111" fmla="*/ 1091983 w 6857455"/>
+                <a:gd name="connsiteY111" fmla="*/ 568764 h 874716"/>
+                <a:gd name="connsiteX112" fmla="*/ 1109321 w 6857455"/>
+                <a:gd name="connsiteY112" fmla="*/ 557904 h 874716"/>
+                <a:gd name="connsiteX113" fmla="*/ 1162279 w 6857455"/>
+                <a:gd name="connsiteY113" fmla="*/ 532949 h 874716"/>
+                <a:gd name="connsiteX114" fmla="*/ 1206097 w 6857455"/>
+                <a:gd name="connsiteY114" fmla="*/ 532187 h 874716"/>
+                <a:gd name="connsiteX115" fmla="*/ 1266867 w 6857455"/>
+                <a:gd name="connsiteY115" fmla="*/ 518088 h 874716"/>
+                <a:gd name="connsiteX116" fmla="*/ 1380219 w 6857455"/>
+                <a:gd name="connsiteY116" fmla="*/ 504182 h 874716"/>
+                <a:gd name="connsiteX117" fmla="*/ 1403461 w 6857455"/>
+                <a:gd name="connsiteY117" fmla="*/ 496180 h 874716"/>
+                <a:gd name="connsiteX118" fmla="*/ 1544054 w 6857455"/>
+                <a:gd name="connsiteY118" fmla="*/ 458268 h 874716"/>
+                <a:gd name="connsiteX119" fmla="*/ 1656644 w 6857455"/>
+                <a:gd name="connsiteY119" fmla="*/ 459032 h 874716"/>
+                <a:gd name="connsiteX120" fmla="*/ 1665406 w 6857455"/>
+                <a:gd name="connsiteY120" fmla="*/ 460747 h 874716"/>
+                <a:gd name="connsiteX121" fmla="*/ 1708461 w 6857455"/>
+                <a:gd name="connsiteY121" fmla="*/ 473318 h 874716"/>
+                <a:gd name="connsiteX122" fmla="*/ 1775140 w 6857455"/>
+                <a:gd name="connsiteY122" fmla="*/ 469891 h 874716"/>
+                <a:gd name="connsiteX123" fmla="*/ 1821051 w 6857455"/>
+                <a:gd name="connsiteY123" fmla="*/ 452554 h 874716"/>
+                <a:gd name="connsiteX124" fmla="*/ 1878203 w 6857455"/>
+                <a:gd name="connsiteY124" fmla="*/ 451792 h 874716"/>
+                <a:gd name="connsiteX125" fmla="*/ 1943547 w 6857455"/>
+                <a:gd name="connsiteY125" fmla="*/ 462651 h 874716"/>
+                <a:gd name="connsiteX126" fmla="*/ 1972884 w 6857455"/>
+                <a:gd name="connsiteY126" fmla="*/ 464937 h 874716"/>
+                <a:gd name="connsiteX127" fmla="*/ 2053469 w 6857455"/>
+                <a:gd name="connsiteY127" fmla="*/ 487417 h 874716"/>
+                <a:gd name="connsiteX128" fmla="*/ 2101477 w 6857455"/>
+                <a:gd name="connsiteY128" fmla="*/ 481893 h 874716"/>
+                <a:gd name="connsiteX129" fmla="*/ 2148722 w 6857455"/>
+                <a:gd name="connsiteY129" fmla="*/ 467033 h 874716"/>
+                <a:gd name="connsiteX130" fmla="*/ 2179011 w 6857455"/>
+                <a:gd name="connsiteY130" fmla="*/ 452744 h 874716"/>
+                <a:gd name="connsiteX131" fmla="*/ 2240165 w 6857455"/>
+                <a:gd name="connsiteY131" fmla="*/ 442648 h 874716"/>
+                <a:gd name="connsiteX132" fmla="*/ 2251404 w 6857455"/>
+                <a:gd name="connsiteY132" fmla="*/ 444172 h 874716"/>
+                <a:gd name="connsiteX133" fmla="*/ 2433912 w 6857455"/>
+                <a:gd name="connsiteY133" fmla="*/ 456746 h 874716"/>
+                <a:gd name="connsiteX134" fmla="*/ 2506302 w 6857455"/>
+                <a:gd name="connsiteY134" fmla="*/ 476939 h 874716"/>
+                <a:gd name="connsiteX135" fmla="*/ 2521735 w 6857455"/>
+                <a:gd name="connsiteY135" fmla="*/ 479415 h 874716"/>
+                <a:gd name="connsiteX136" fmla="*/ 2675854 w 6857455"/>
+                <a:gd name="connsiteY136" fmla="*/ 502086 h 874716"/>
+                <a:gd name="connsiteX137" fmla="*/ 2692998 w 6857455"/>
+                <a:gd name="connsiteY137" fmla="*/ 503038 h 874716"/>
+                <a:gd name="connsiteX138" fmla="*/ 2740816 w 6857455"/>
+                <a:gd name="connsiteY138" fmla="*/ 499037 h 874716"/>
+                <a:gd name="connsiteX139" fmla="*/ 2853596 w 6857455"/>
+                <a:gd name="connsiteY139" fmla="*/ 540187 h 874716"/>
+                <a:gd name="connsiteX140" fmla="*/ 2966565 w 6857455"/>
+                <a:gd name="connsiteY140" fmla="*/ 554286 h 874716"/>
+                <a:gd name="connsiteX141" fmla="*/ 3028671 w 6857455"/>
+                <a:gd name="connsiteY141" fmla="*/ 554094 h 874716"/>
+                <a:gd name="connsiteX142" fmla="*/ 3073059 w 6857455"/>
+                <a:gd name="connsiteY142" fmla="*/ 564192 h 874716"/>
+                <a:gd name="connsiteX143" fmla="*/ 3182219 w 6857455"/>
+                <a:gd name="connsiteY143" fmla="*/ 594862 h 874716"/>
+                <a:gd name="connsiteX144" fmla="*/ 3233656 w 6857455"/>
+                <a:gd name="connsiteY144" fmla="*/ 599625 h 874716"/>
+                <a:gd name="connsiteX145" fmla="*/ 3288332 w 6857455"/>
+                <a:gd name="connsiteY145" fmla="*/ 609914 h 874716"/>
+                <a:gd name="connsiteX146" fmla="*/ 3423591 w 6857455"/>
+                <a:gd name="connsiteY146" fmla="*/ 656015 h 874716"/>
+                <a:gd name="connsiteX147" fmla="*/ 3534084 w 6857455"/>
+                <a:gd name="connsiteY147" fmla="*/ 653349 h 874716"/>
+                <a:gd name="connsiteX148" fmla="*/ 3604571 w 6857455"/>
+                <a:gd name="connsiteY148" fmla="*/ 653918 h 874716"/>
+                <a:gd name="connsiteX149" fmla="*/ 3688586 w 6857455"/>
+                <a:gd name="connsiteY149" fmla="*/ 669160 h 874716"/>
+                <a:gd name="connsiteX150" fmla="*/ 3757358 w 6857455"/>
+                <a:gd name="connsiteY150" fmla="*/ 691450 h 874716"/>
+                <a:gd name="connsiteX151" fmla="*/ 3852421 w 6857455"/>
+                <a:gd name="connsiteY151" fmla="*/ 709167 h 874716"/>
+                <a:gd name="connsiteX152" fmla="*/ 3947104 w 6857455"/>
+                <a:gd name="connsiteY152" fmla="*/ 743267 h 874716"/>
+                <a:gd name="connsiteX153" fmla="*/ 4013208 w 6857455"/>
+                <a:gd name="connsiteY153" fmla="*/ 769367 h 874716"/>
+                <a:gd name="connsiteX154" fmla="*/ 4105222 w 6857455"/>
+                <a:gd name="connsiteY154" fmla="*/ 792418 h 874716"/>
+                <a:gd name="connsiteX155" fmla="*/ 4246006 w 6857455"/>
+                <a:gd name="connsiteY155" fmla="*/ 808610 h 874716"/>
+                <a:gd name="connsiteX156" fmla="*/ 4310779 w 6857455"/>
+                <a:gd name="connsiteY156" fmla="*/ 810326 h 874716"/>
+                <a:gd name="connsiteX157" fmla="*/ 4413272 w 6857455"/>
+                <a:gd name="connsiteY157" fmla="*/ 848235 h 874716"/>
+                <a:gd name="connsiteX158" fmla="*/ 4457087 w 6857455"/>
+                <a:gd name="connsiteY158" fmla="*/ 866524 h 874716"/>
+                <a:gd name="connsiteX159" fmla="*/ 4496523 w 6857455"/>
+                <a:gd name="connsiteY159" fmla="*/ 851284 h 874716"/>
+                <a:gd name="connsiteX160" fmla="*/ 4522050 w 6857455"/>
+                <a:gd name="connsiteY160" fmla="*/ 833757 h 874716"/>
+                <a:gd name="connsiteX161" fmla="*/ 4602824 w 6857455"/>
+                <a:gd name="connsiteY161" fmla="*/ 848618 h 874716"/>
+                <a:gd name="connsiteX162" fmla="*/ 4688553 w 6857455"/>
+                <a:gd name="connsiteY162" fmla="*/ 864238 h 874716"/>
+                <a:gd name="connsiteX163" fmla="*/ 4749895 w 6857455"/>
+                <a:gd name="connsiteY163" fmla="*/ 874716 h 874716"/>
+                <a:gd name="connsiteX164" fmla="*/ 4826480 w 6857455"/>
+                <a:gd name="connsiteY164" fmla="*/ 866334 h 874716"/>
+                <a:gd name="connsiteX165" fmla="*/ 4886870 w 6857455"/>
+                <a:gd name="connsiteY165" fmla="*/ 862906 h 874716"/>
+                <a:gd name="connsiteX166" fmla="*/ 4935639 w 6857455"/>
+                <a:gd name="connsiteY166" fmla="*/ 853190 h 874716"/>
+                <a:gd name="connsiteX167" fmla="*/ 4952784 w 6857455"/>
+                <a:gd name="connsiteY167" fmla="*/ 847473 h 874716"/>
+                <a:gd name="connsiteX168" fmla="*/ 5088617 w 6857455"/>
+                <a:gd name="connsiteY168" fmla="*/ 802896 h 874716"/>
+                <a:gd name="connsiteX169" fmla="*/ 5233781 w 6857455"/>
+                <a:gd name="connsiteY169" fmla="*/ 767271 h 874716"/>
+                <a:gd name="connsiteX170" fmla="*/ 5327893 w 6857455"/>
+                <a:gd name="connsiteY170" fmla="*/ 789752 h 874716"/>
+                <a:gd name="connsiteX171" fmla="*/ 5362946 w 6857455"/>
+                <a:gd name="connsiteY171" fmla="*/ 789370 h 874716"/>
+                <a:gd name="connsiteX172" fmla="*/ 5524115 w 6857455"/>
+                <a:gd name="connsiteY172" fmla="*/ 794514 h 874716"/>
+                <a:gd name="connsiteX173" fmla="*/ 5552500 w 6857455"/>
+                <a:gd name="connsiteY173" fmla="*/ 800038 h 874716"/>
+                <a:gd name="connsiteX174" fmla="*/ 5705857 w 6857455"/>
+                <a:gd name="connsiteY174" fmla="*/ 777367 h 874716"/>
+                <a:gd name="connsiteX175" fmla="*/ 5761485 w 6857455"/>
+                <a:gd name="connsiteY175" fmla="*/ 773557 h 874716"/>
+                <a:gd name="connsiteX176" fmla="*/ 5812731 w 6857455"/>
+                <a:gd name="connsiteY176" fmla="*/ 767271 h 874716"/>
+                <a:gd name="connsiteX177" fmla="*/ 5884361 w 6857455"/>
+                <a:gd name="connsiteY177" fmla="*/ 765747 h 874716"/>
+                <a:gd name="connsiteX178" fmla="*/ 5958660 w 6857455"/>
+                <a:gd name="connsiteY178" fmla="*/ 768605 h 874716"/>
+                <a:gd name="connsiteX179" fmla="*/ 6041528 w 6857455"/>
+                <a:gd name="connsiteY179" fmla="*/ 768033 h 874716"/>
+                <a:gd name="connsiteX180" fmla="*/ 6074297 w 6857455"/>
+                <a:gd name="connsiteY180" fmla="*/ 763081 h 874716"/>
+                <a:gd name="connsiteX181" fmla="*/ 6162880 w 6857455"/>
+                <a:gd name="connsiteY181" fmla="*/ 766509 h 874716"/>
+                <a:gd name="connsiteX182" fmla="*/ 6209364 w 6857455"/>
+                <a:gd name="connsiteY182" fmla="*/ 760795 h 874716"/>
+                <a:gd name="connsiteX183" fmla="*/ 6285948 w 6857455"/>
+                <a:gd name="connsiteY183" fmla="*/ 759651 h 874716"/>
+                <a:gd name="connsiteX184" fmla="*/ 6310905 w 6857455"/>
+                <a:gd name="connsiteY184" fmla="*/ 758316 h 874716"/>
+                <a:gd name="connsiteX185" fmla="*/ 6333194 w 6857455"/>
+                <a:gd name="connsiteY185" fmla="*/ 757554 h 874716"/>
+                <a:gd name="connsiteX186" fmla="*/ 6409586 w 6857455"/>
+                <a:gd name="connsiteY186" fmla="*/ 773177 h 874716"/>
+                <a:gd name="connsiteX187" fmla="*/ 6477407 w 6857455"/>
+                <a:gd name="connsiteY187" fmla="*/ 774129 h 874716"/>
+                <a:gd name="connsiteX188" fmla="*/ 6596283 w 6857455"/>
+                <a:gd name="connsiteY188" fmla="*/ 786703 h 874716"/>
+                <a:gd name="connsiteX189" fmla="*/ 6622573 w 6857455"/>
+                <a:gd name="connsiteY189" fmla="*/ 782321 h 874716"/>
+                <a:gd name="connsiteX190" fmla="*/ 6704872 w 6857455"/>
+                <a:gd name="connsiteY190" fmla="*/ 780607 h 874716"/>
+                <a:gd name="connsiteX191" fmla="*/ 6751738 w 6857455"/>
+                <a:gd name="connsiteY191" fmla="*/ 779273 h 874716"/>
+                <a:gd name="connsiteX192" fmla="*/ 6809650 w 6857455"/>
+                <a:gd name="connsiteY192" fmla="*/ 788417 h 874716"/>
+                <a:gd name="connsiteX193" fmla="*/ 6832976 w 6857455"/>
+                <a:gd name="connsiteY193" fmla="*/ 800428 h 874716"/>
+              </a:gdLst>
+              <a:ahLst/>
+              <a:cxnLst>
+                <a:cxn ang="0">
+                  <a:pos x="connsiteX0" y="connsiteY0"/>
+                </a:cxn>
+                <a:cxn ang="0">
+                  <a:pos x="connsiteX1" y="connsiteY1"/>
+                </a:cxn>
+                <a:cxn ang="0">
+                  <a:pos x="connsiteX2" y="connsiteY2"/>
+                </a:cxn>
+                <a:cxn ang="0">
+                  <a:pos x="connsiteX3" y="connsiteY3"/>
+                </a:cxn>
+                <a:cxn ang="0">
+                  <a:pos x="connsiteX4" y="connsiteY4"/>
+                </a:cxn>
+                <a:cxn ang="0">
+                  <a:pos x="connsiteX5" y="connsiteY5"/>
+                </a:cxn>
+                <a:cxn ang="0">
+                  <a:pos x="connsiteX6" y="connsiteY6"/>
+                </a:cxn>
+                <a:cxn ang="0">
+                  <a:pos x="connsiteX7" y="connsiteY7"/>
+                </a:cxn>
+                <a:cxn ang="0">
+                  <a:pos x="connsiteX8" y="connsiteY8"/>
+                </a:cxn>
+                <a:cxn ang="0">
+                  <a:pos x="connsiteX9" y="connsiteY9"/>
+                </a:cxn>
+                <a:cxn ang="0">
+                  <a:pos x="connsiteX10" y="connsiteY10"/>
+                </a:cxn>
+                <a:cxn ang="0">
+                  <a:pos x="connsiteX11" y="connsiteY11"/>
+                </a:cxn>
+                <a:cxn ang="0">
+                  <a:pos x="connsiteX12" y="connsiteY12"/>
+                </a:cxn>
+                <a:cxn ang="0">
+                  <a:pos x="connsiteX13" y="connsiteY13"/>
+                </a:cxn>
+                <a:cxn ang="0">
+                  <a:pos x="connsiteX14" y="connsiteY14"/>
+                </a:cxn>
+                <a:cxn ang="0">
+                  <a:pos x="connsiteX15" y="connsiteY15"/>
+                </a:cxn>
+                <a:cxn ang="0">
+                  <a:pos x="connsiteX16" y="connsiteY16"/>
+                </a:cxn>
+                <a:cxn ang="0">
+                  <a:pos x="connsiteX17" y="connsiteY17"/>
+                </a:cxn>
+                <a:cxn ang="0">
+                  <a:pos x="connsiteX18" y="connsiteY18"/>
+                </a:cxn>
+                <a:cxn ang="0">
+                  <a:pos x="connsiteX19" y="connsiteY19"/>
+                </a:cxn>
+                <a:cxn ang="0">
+                  <a:pos x="connsiteX20" y="connsiteY20"/>
+                </a:cxn>
+                <a:cxn ang="0">
+                  <a:pos x="connsiteX21" y="connsiteY21"/>
+                </a:cxn>
+                <a:cxn ang="0">
+                  <a:pos x="connsiteX22" y="connsiteY22"/>
+                </a:cxn>
+                <a:cxn ang="0">
+                  <a:pos x="connsiteX23" y="connsiteY23"/>
+                </a:cxn>
+                <a:cxn ang="0">
+                  <a:pos x="connsiteX24" y="connsiteY24"/>
+                </a:cxn>
+                <a:cxn ang="0">
+                  <a:pos x="connsiteX25" y="connsiteY25"/>
+                </a:cxn>
+                <a:cxn ang="0">
+                  <a:pos x="connsiteX26" y="connsiteY26"/>
+                </a:cxn>
+                <a:cxn ang="0">
+                  <a:pos x="connsiteX27" y="connsiteY27"/>
+                </a:cxn>
+                <a:cxn ang="0">
+                  <a:pos x="connsiteX28" y="connsiteY28"/>
+                </a:cxn>
+                <a:cxn ang="0">
+                  <a:pos x="connsiteX29" y="connsiteY29"/>
+                </a:cxn>
+                <a:cxn ang="0">
+                  <a:pos x="connsiteX30" y="connsiteY30"/>
+                </a:cxn>
+                <a:cxn ang="0">
+                  <a:pos x="connsiteX31" y="connsiteY31"/>
+                </a:cxn>
+                <a:cxn ang="0">
+                  <a:pos x="connsiteX32" y="connsiteY32"/>
+                </a:cxn>
+                <a:cxn ang="0">
+                  <a:pos x="connsiteX33" y="connsiteY33"/>
+                </a:cxn>
+                <a:cxn ang="0">
+                  <a:pos x="connsiteX34" y="connsiteY34"/>
+                </a:cxn>
+                <a:cxn ang="0">
+                  <a:pos x="connsiteX35" y="connsiteY35"/>
+                </a:cxn>
+                <a:cxn ang="0">
+                  <a:pos x="connsiteX36" y="connsiteY36"/>
+                </a:cxn>
+                <a:cxn ang="0">
+                  <a:pos x="connsiteX37" y="connsiteY37"/>
+                </a:cxn>
+                <a:cxn ang="0">
+                  <a:pos x="connsiteX38" y="connsiteY38"/>
+                </a:cxn>
+                <a:cxn ang="0">
+                  <a:pos x="connsiteX39" y="connsiteY39"/>
+                </a:cxn>
+                <a:cxn ang="0">
+                  <a:pos x="connsiteX40" y="connsiteY40"/>
+                </a:cxn>
+                <a:cxn ang="0">
+                  <a:pos x="connsiteX41" y="connsiteY41"/>
+                </a:cxn>
+                <a:cxn ang="0">
+                  <a:pos x="connsiteX42" y="connsiteY42"/>
+                </a:cxn>
+                <a:cxn ang="0">
+                  <a:pos x="connsiteX43" y="connsiteY43"/>
+                </a:cxn>
+                <a:cxn ang="0">
+                  <a:pos x="connsiteX44" y="connsiteY44"/>
+                </a:cxn>
+                <a:cxn ang="0">
+                  <a:pos x="connsiteX45" y="connsiteY45"/>
+                </a:cxn>
+                <a:cxn ang="0">
+                  <a:pos x="connsiteX46" y="connsiteY46"/>
+                </a:cxn>
+                <a:cxn ang="0">
+                  <a:pos x="connsiteX47" y="connsiteY47"/>
+                </a:cxn>
+                <a:cxn ang="0">
+                  <a:pos x="connsiteX48" y="connsiteY48"/>
+                </a:cxn>
+                <a:cxn ang="0">
+                  <a:pos x="connsiteX49" y="connsiteY49"/>
+                </a:cxn>
+                <a:cxn ang="0">
+                  <a:pos x="connsiteX50" y="connsiteY50"/>
+                </a:cxn>
+                <a:cxn ang="0">
+                  <a:pos x="connsiteX51" y="connsiteY51"/>
+                </a:cxn>
+                <a:cxn ang="0">
+                  <a:pos x="connsiteX52" y="connsiteY52"/>
+                </a:cxn>
+                <a:cxn ang="0">
+                  <a:pos x="connsiteX53" y="connsiteY53"/>
+                </a:cxn>
+                <a:cxn ang="0">
+                  <a:pos x="connsiteX54" y="connsiteY54"/>
+                </a:cxn>
+                <a:cxn ang="0">
+                  <a:pos x="connsiteX55" y="connsiteY55"/>
+                </a:cxn>
+                <a:cxn ang="0">
+                  <a:pos x="connsiteX56" y="connsiteY56"/>
+                </a:cxn>
+                <a:cxn ang="0">
+                  <a:pos x="connsiteX57" y="connsiteY57"/>
+                </a:cxn>
+                <a:cxn ang="0">
+                  <a:pos x="connsiteX58" y="connsiteY58"/>
+                </a:cxn>
+                <a:cxn ang="0">
+                  <a:pos x="connsiteX59" y="connsiteY59"/>
+                </a:cxn>
+                <a:cxn ang="0">
+                  <a:pos x="connsiteX60" y="connsiteY60"/>
+                </a:cxn>
+                <a:cxn ang="0">
+                  <a:pos x="connsiteX61" y="connsiteY61"/>
+                </a:cxn>
+                <a:cxn ang="0">
+                  <a:pos x="connsiteX62" y="connsiteY62"/>
+                </a:cxn>
+                <a:cxn ang="0">
+                  <a:pos x="connsiteX63" y="connsiteY63"/>
+                </a:cxn>
+                <a:cxn ang="0">
+                  <a:pos x="connsiteX64" y="connsiteY64"/>
+                </a:cxn>
+                <a:cxn ang="0">
+                  <a:pos x="connsiteX65" y="connsiteY65"/>
+                </a:cxn>
+                <a:cxn ang="0">
+                  <a:pos x="connsiteX66" y="connsiteY66"/>
+                </a:cxn>
+                <a:cxn ang="0">
+                  <a:pos x="connsiteX67" y="connsiteY67"/>
+                </a:cxn>
+                <a:cxn ang="0">
+                  <a:pos x="connsiteX68" y="connsiteY68"/>
+                </a:cxn>
+                <a:cxn ang="0">
+                  <a:pos x="connsiteX69" y="connsiteY69"/>
+                </a:cxn>
+                <a:cxn ang="0">
+                  <a:pos x="connsiteX70" y="connsiteY70"/>
+                </a:cxn>
+                <a:cxn ang="0">
+                  <a:pos x="connsiteX71" y="connsiteY71"/>
+                </a:cxn>
+                <a:cxn ang="0">
+                  <a:pos x="connsiteX72" y="connsiteY72"/>
+                </a:cxn>
+                <a:cxn ang="0">
+                  <a:pos x="connsiteX73" y="connsiteY73"/>
+                </a:cxn>
+                <a:cxn ang="0">
+                  <a:pos x="connsiteX74" y="connsiteY74"/>
+                </a:cxn>
+                <a:cxn ang="0">
+                  <a:pos x="connsiteX75" y="connsiteY75"/>
+                </a:cxn>
+                <a:cxn ang="0">
+                  <a:pos x="connsiteX76" y="connsiteY76"/>
+                </a:cxn>
+                <a:cxn ang="0">
+                  <a:pos x="connsiteX77" y="connsiteY77"/>
+                </a:cxn>
+                <a:cxn ang="0">
+                  <a:pos x="connsiteX78" y="connsiteY78"/>
+                </a:cxn>
+                <a:cxn ang="0">
+                  <a:pos x="connsiteX79" y="connsiteY79"/>
+                </a:cxn>
+                <a:cxn ang="0">
+                  <a:pos x="connsiteX80" y="connsiteY80"/>
+                </a:cxn>
+                <a:cxn ang="0">
+                  <a:pos x="connsiteX81" y="connsiteY81"/>
+                </a:cxn>
+                <a:cxn ang="0">
+                  <a:pos x="connsiteX82" y="connsiteY82"/>
+                </a:cxn>
+                <a:cxn ang="0">
+                  <a:pos x="connsiteX83" y="connsiteY83"/>
+                </a:cxn>
+                <a:cxn ang="0">
+                  <a:pos x="connsiteX84" y="connsiteY84"/>
+                </a:cxn>
+                <a:cxn ang="0">
+                  <a:pos x="connsiteX85" y="connsiteY85"/>
+                </a:cxn>
+                <a:cxn ang="0">
+                  <a:pos x="connsiteX86" y="connsiteY86"/>
+                </a:cxn>
+                <a:cxn ang="0">
+                  <a:pos x="connsiteX87" y="connsiteY87"/>
+                </a:cxn>
+                <a:cxn ang="0">
+                  <a:pos x="connsiteX88" y="connsiteY88"/>
+                </a:cxn>
+                <a:cxn ang="0">
+                  <a:pos x="connsiteX89" y="connsiteY89"/>
+                </a:cxn>
+                <a:cxn ang="0">
+                  <a:pos x="connsiteX90" y="connsiteY90"/>
+                </a:cxn>
+                <a:cxn ang="0">
+                  <a:pos x="connsiteX91" y="connsiteY91"/>
+                </a:cxn>
+                <a:cxn ang="0">
+                  <a:pos x="connsiteX92" y="connsiteY92"/>
+                </a:cxn>
+                <a:cxn ang="0">
+                  <a:pos x="connsiteX93" y="connsiteY93"/>
+                </a:cxn>
+                <a:cxn ang="0">
+                  <a:pos x="connsiteX94" y="connsiteY94"/>
+                </a:cxn>
+                <a:cxn ang="0">
+                  <a:pos x="connsiteX95" y="connsiteY95"/>
+                </a:cxn>
+                <a:cxn ang="0">
+                  <a:pos x="connsiteX96" y="connsiteY96"/>
+                </a:cxn>
+                <a:cxn ang="0">
+                  <a:pos x="connsiteX97" y="connsiteY97"/>
+                </a:cxn>
+                <a:cxn ang="0">
+                  <a:pos x="connsiteX98" y="connsiteY98"/>
+                </a:cxn>
+                <a:cxn ang="0">
+                  <a:pos x="connsiteX99" y="connsiteY99"/>
+                </a:cxn>
+                <a:cxn ang="0">
+                  <a:pos x="connsiteX100" y="connsiteY100"/>
+                </a:cxn>
+                <a:cxn ang="0">
+                  <a:pos x="connsiteX101" y="connsiteY101"/>
+                </a:cxn>
+                <a:cxn ang="0">
+                  <a:pos x="connsiteX102" y="connsiteY102"/>
+                </a:cxn>
+                <a:cxn ang="0">
+                  <a:pos x="connsiteX103" y="connsiteY103"/>
+                </a:cxn>
+                <a:cxn ang="0">
+                  <a:pos x="connsiteX104" y="connsiteY104"/>
+                </a:cxn>
+                <a:cxn ang="0">
+                  <a:pos x="connsiteX105" y="connsiteY105"/>
+                </a:cxn>
+                <a:cxn ang="0">
+                  <a:pos x="connsiteX106" y="connsiteY106"/>
+                </a:cxn>
+                <a:cxn ang="0">
+                  <a:pos x="connsiteX107" y="connsiteY107"/>
+                </a:cxn>
+                <a:cxn ang="0">
+                  <a:pos x="connsiteX108" y="connsiteY108"/>
+                </a:cxn>
+                <a:cxn ang="0">
+                  <a:pos x="connsiteX109" y="connsiteY109"/>
+                </a:cxn>
+                <a:cxn ang="0">
+                  <a:pos x="connsiteX110" y="connsiteY110"/>
+                </a:cxn>
+                <a:cxn ang="0">
+                  <a:pos x="connsiteX111" y="connsiteY111"/>
+                </a:cxn>
+                <a:cxn ang="0">
+                  <a:pos x="connsiteX112" y="connsiteY112"/>
+                </a:cxn>
+                <a:cxn ang="0">
+                  <a:pos x="connsiteX113" y="connsiteY113"/>
+                </a:cxn>
+                <a:cxn ang="0">
+                  <a:pos x="connsiteX114" y="connsiteY114"/>
+                </a:cxn>
+                <a:cxn ang="0">
+                  <a:pos x="connsiteX115" y="connsiteY115"/>
+                </a:cxn>
+                <a:cxn ang="0">
+                  <a:pos x="connsiteX116" y="connsiteY116"/>
+                </a:cxn>
+                <a:cxn ang="0">
+                  <a:pos x="connsiteX117" y="connsiteY117"/>
+                </a:cxn>
+                <a:cxn ang="0">
+                  <a:pos x="connsiteX118" y="connsiteY118"/>
+                </a:cxn>
+                <a:cxn ang="0">
+                  <a:pos x="connsiteX119" y="connsiteY119"/>
+                </a:cxn>
+                <a:cxn ang="0">
+                  <a:pos x="connsiteX120" y="connsiteY120"/>
+                </a:cxn>
+                <a:cxn ang="0">
+                  <a:pos x="connsiteX121" y="connsiteY121"/>
+                </a:cxn>
+                <a:cxn ang="0">
+                  <a:pos x="connsiteX122" y="connsiteY122"/>
+                </a:cxn>
+                <a:cxn ang="0">
+                  <a:pos x="connsiteX123" y="connsiteY123"/>
+                </a:cxn>
+                <a:cxn ang="0">
+                  <a:pos x="connsiteX124" y="connsiteY124"/>
+                </a:cxn>
+                <a:cxn ang="0">
+                  <a:pos x="connsiteX125" y="connsiteY125"/>
+                </a:cxn>
+                <a:cxn ang="0">
+                  <a:pos x="connsiteX126" y="connsiteY126"/>
+                </a:cxn>
+                <a:cxn ang="0">
+                  <a:pos x="connsiteX127" y="connsiteY127"/>
+                </a:cxn>
+                <a:cxn ang="0">
+                  <a:pos x="connsiteX128" y="connsiteY128"/>
+                </a:cxn>
+                <a:cxn ang="0">
+                  <a:pos x="connsiteX129" y="connsiteY129"/>
+                </a:cxn>
+                <a:cxn ang="0">
+                  <a:pos x="connsiteX130" y="connsiteY130"/>
+                </a:cxn>
+                <a:cxn ang="0">
+                  <a:pos x="connsiteX131" y="connsiteY131"/>
+                </a:cxn>
+                <a:cxn ang="0">
+                  <a:pos x="connsiteX132" y="connsiteY132"/>
+                </a:cxn>
+                <a:cxn ang="0">
+                  <a:pos x="connsiteX133" y="connsiteY133"/>
+                </a:cxn>
+                <a:cxn ang="0">
+                  <a:pos x="connsiteX134" y="connsiteY134"/>
+                </a:cxn>
+                <a:cxn ang="0">
+                  <a:pos x="connsiteX135" y="connsiteY135"/>
+                </a:cxn>
+                <a:cxn ang="0">
+                  <a:pos x="connsiteX136" y="connsiteY136"/>
+                </a:cxn>
+                <a:cxn ang="0">
+                  <a:pos x="connsiteX137" y="connsiteY137"/>
+                </a:cxn>
+                <a:cxn ang="0">
+                  <a:pos x="connsiteX138" y="connsiteY138"/>
+                </a:cxn>
+                <a:cxn ang="0">
+                  <a:pos x="connsiteX139" y="connsiteY139"/>
+                </a:cxn>
+                <a:cxn ang="0">
+                  <a:pos x="connsiteX140" y="connsiteY140"/>
+                </a:cxn>
+                <a:cxn ang="0">
+                  <a:pos x="connsiteX141" y="connsiteY141"/>
+                </a:cxn>
+                <a:cxn ang="0">
+                  <a:pos x="connsiteX142" y="connsiteY142"/>
+                </a:cxn>
+                <a:cxn ang="0">
+                  <a:pos x="connsiteX143" y="connsiteY143"/>
+                </a:cxn>
+                <a:cxn ang="0">
+                  <a:pos x="connsiteX144" y="connsiteY144"/>
+                </a:cxn>
+                <a:cxn ang="0">
+                  <a:pos x="connsiteX145" y="connsiteY145"/>
+                </a:cxn>
+                <a:cxn ang="0">
+                  <a:pos x="connsiteX146" y="connsiteY146"/>
+                </a:cxn>
+                <a:cxn ang="0">
+                  <a:pos x="connsiteX147" y="connsiteY147"/>
+                </a:cxn>
+                <a:cxn ang="0">
+                  <a:pos x="connsiteX148" y="connsiteY148"/>
+                </a:cxn>
+                <a:cxn ang="0">
+                  <a:pos x="connsiteX149" y="connsiteY149"/>
+                </a:cxn>
+                <a:cxn ang="0">
+                  <a:pos x="connsiteX150" y="connsiteY150"/>
+                </a:cxn>
+                <a:cxn ang="0">
+                  <a:pos x="connsiteX151" y="connsiteY151"/>
+                </a:cxn>
+                <a:cxn ang="0">
+                  <a:pos x="connsiteX152" y="connsiteY152"/>
+                </a:cxn>
+                <a:cxn ang="0">
+                  <a:pos x="connsiteX153" y="connsiteY153"/>
+                </a:cxn>
+                <a:cxn ang="0">
+                  <a:pos x="connsiteX154" y="connsiteY154"/>
+                </a:cxn>
+                <a:cxn ang="0">
+                  <a:pos x="connsiteX155" y="connsiteY155"/>
+                </a:cxn>
+                <a:cxn ang="0">
+                  <a:pos x="connsiteX156" y="connsiteY156"/>
+                </a:cxn>
+                <a:cxn ang="0">
+                  <a:pos x="connsiteX157" y="connsiteY157"/>
+                </a:cxn>
+                <a:cxn ang="0">
+                  <a:pos x="connsiteX158" y="connsiteY158"/>
+                </a:cxn>
+                <a:cxn ang="0">
+                  <a:pos x="connsiteX159" y="connsiteY159"/>
+                </a:cxn>
+                <a:cxn ang="0">
+                  <a:pos x="connsiteX160" y="connsiteY160"/>
+                </a:cxn>
+                <a:cxn ang="0">
+                  <a:pos x="connsiteX161" y="connsiteY161"/>
+                </a:cxn>
+                <a:cxn ang="0">
+                  <a:pos x="connsiteX162" y="connsiteY162"/>
+                </a:cxn>
+                <a:cxn ang="0">
+                  <a:pos x="connsiteX163" y="connsiteY163"/>
+                </a:cxn>
+                <a:cxn ang="0">
+                  <a:pos x="connsiteX164" y="connsiteY164"/>
+                </a:cxn>
+                <a:cxn ang="0">
+                  <a:pos x="connsiteX165" y="connsiteY165"/>
+                </a:cxn>
+                <a:cxn ang="0">
+                  <a:pos x="connsiteX166" y="connsiteY166"/>
+                </a:cxn>
+                <a:cxn ang="0">
+                  <a:pos x="connsiteX167" y="connsiteY167"/>
+                </a:cxn>
+                <a:cxn ang="0">
+                  <a:pos x="connsiteX168" y="connsiteY168"/>
+                </a:cxn>
+                <a:cxn ang="0">
+                  <a:pos x="connsiteX169" y="connsiteY169"/>
+                </a:cxn>
+                <a:cxn ang="0">
+                  <a:pos x="connsiteX170" y="connsiteY170"/>
+                </a:cxn>
+                <a:cxn ang="0">
+                  <a:pos x="connsiteX171" y="connsiteY171"/>
+                </a:cxn>
+                <a:cxn ang="0">
+                  <a:pos x="connsiteX172" y="connsiteY172"/>
+                </a:cxn>
+                <a:cxn ang="0">
+                  <a:pos x="connsiteX173" y="connsiteY173"/>
+                </a:cxn>
+                <a:cxn ang="0">
+                  <a:pos x="connsiteX174" y="connsiteY174"/>
+                </a:cxn>
+                <a:cxn ang="0">
+                  <a:pos x="connsiteX175" y="connsiteY175"/>
+                </a:cxn>
+                <a:cxn ang="0">
+                  <a:pos x="connsiteX176" y="connsiteY176"/>
+                </a:cxn>
+                <a:cxn ang="0">
+                  <a:pos x="connsiteX177" y="connsiteY177"/>
+                </a:cxn>
+                <a:cxn ang="0">
+                  <a:pos x="connsiteX178" y="connsiteY178"/>
+                </a:cxn>
+                <a:cxn ang="0">
+                  <a:pos x="connsiteX179" y="connsiteY179"/>
+                </a:cxn>
+                <a:cxn ang="0">
+                  <a:pos x="connsiteX180" y="connsiteY180"/>
+                </a:cxn>
+                <a:cxn ang="0">
+                  <a:pos x="connsiteX181" y="connsiteY181"/>
+                </a:cxn>
+                <a:cxn ang="0">
+                  <a:pos x="connsiteX182" y="connsiteY182"/>
+                </a:cxn>
+                <a:cxn ang="0">
+                  <a:pos x="connsiteX183" y="connsiteY183"/>
+                </a:cxn>
+                <a:cxn ang="0">
+                  <a:pos x="connsiteX184" y="connsiteY184"/>
+                </a:cxn>
+                <a:cxn ang="0">
+                  <a:pos x="connsiteX185" y="connsiteY185"/>
+                </a:cxn>
+                <a:cxn ang="0">
+                  <a:pos x="connsiteX186" y="connsiteY186"/>
+                </a:cxn>
+                <a:cxn ang="0">
+                  <a:pos x="connsiteX187" y="connsiteY187"/>
+                </a:cxn>
+                <a:cxn ang="0">
+                  <a:pos x="connsiteX188" y="connsiteY188"/>
+                </a:cxn>
+                <a:cxn ang="0">
+                  <a:pos x="connsiteX189" y="connsiteY189"/>
+                </a:cxn>
+                <a:cxn ang="0">
+                  <a:pos x="connsiteX190" y="connsiteY190"/>
+                </a:cxn>
+                <a:cxn ang="0">
+                  <a:pos x="connsiteX191" y="connsiteY191"/>
+                </a:cxn>
+                <a:cxn ang="0">
+                  <a:pos x="connsiteX192" y="connsiteY192"/>
+                </a:cxn>
+                <a:cxn ang="0">
+                  <a:pos x="connsiteX193" y="connsiteY193"/>
+                </a:cxn>
+              </a:cxnLst>
+              <a:rect l="l" t="t" r="r" b="b"/>
+              <a:pathLst>
+                <a:path w="6857455" h="874716">
+                  <a:moveTo>
+                    <a:pt x="6857455" y="804643"/>
+                  </a:moveTo>
+                  <a:lnTo>
+                    <a:pt x="6857455" y="562246"/>
+                  </a:lnTo>
+                  <a:lnTo>
+                    <a:pt x="6829178" y="551284"/>
+                  </a:lnTo>
+                  <a:cubicBezTo>
+                    <a:pt x="6805745" y="539044"/>
+                    <a:pt x="6784885" y="521708"/>
+                    <a:pt x="6766024" y="500372"/>
+                  </a:cubicBezTo>
+                  <a:cubicBezTo>
+                    <a:pt x="6755166" y="488179"/>
+                    <a:pt x="6746784" y="486845"/>
+                    <a:pt x="6734971" y="500944"/>
+                  </a:cubicBezTo>
+                  <a:cubicBezTo>
+                    <a:pt x="6721257" y="517326"/>
+                    <a:pt x="6701634" y="510850"/>
+                    <a:pt x="6683915" y="507040"/>
+                  </a:cubicBezTo>
+                  <a:cubicBezTo>
+                    <a:pt x="6665629" y="503230"/>
+                    <a:pt x="6647148" y="499228"/>
+                    <a:pt x="6628860" y="495418"/>
+                  </a:cubicBezTo>
+                  <a:cubicBezTo>
+                    <a:pt x="6615335" y="492752"/>
+                    <a:pt x="6601999" y="490466"/>
+                    <a:pt x="6588662" y="487227"/>
+                  </a:cubicBezTo>
+                  <a:cubicBezTo>
+                    <a:pt x="6547133" y="477129"/>
+                    <a:pt x="6509794" y="480177"/>
+                    <a:pt x="6476074" y="511230"/>
+                  </a:cubicBezTo>
+                  <a:cubicBezTo>
+                    <a:pt x="6450356" y="535043"/>
+                    <a:pt x="6417399" y="542093"/>
+                    <a:pt x="6382345" y="534853"/>
+                  </a:cubicBezTo>
+                  <a:cubicBezTo>
+                    <a:pt x="6377963" y="533901"/>
+                    <a:pt x="6372439" y="530091"/>
+                    <a:pt x="6369391" y="531615"/>
+                  </a:cubicBezTo>
+                  <a:cubicBezTo>
+                    <a:pt x="6323479" y="553904"/>
+                    <a:pt x="6287092" y="514658"/>
+                    <a:pt x="6244799" y="512182"/>
+                  </a:cubicBezTo>
+                  <a:cubicBezTo>
+                    <a:pt x="6226130" y="511040"/>
+                    <a:pt x="6207079" y="496942"/>
+                    <a:pt x="6190315" y="485703"/>
+                  </a:cubicBezTo>
+                  <a:cubicBezTo>
+                    <a:pt x="6167262" y="470271"/>
+                    <a:pt x="6146687" y="455412"/>
+                    <a:pt x="6115446" y="462270"/>
+                  </a:cubicBezTo>
+                  <a:cubicBezTo>
+                    <a:pt x="6084203" y="469319"/>
+                    <a:pt x="6055627" y="456364"/>
+                    <a:pt x="6032194" y="434266"/>
+                  </a:cubicBezTo>
+                  <a:cubicBezTo>
+                    <a:pt x="6014287" y="417501"/>
+                    <a:pt x="5994665" y="415977"/>
+                    <a:pt x="5971042" y="420738"/>
+                  </a:cubicBezTo>
+                  <a:cubicBezTo>
+                    <a:pt x="5941513" y="426645"/>
+                    <a:pt x="5910842" y="427027"/>
+                    <a:pt x="5880933" y="430646"/>
+                  </a:cubicBezTo>
+                  <a:cubicBezTo>
+                    <a:pt x="5874454" y="431408"/>
+                    <a:pt x="5866265" y="434076"/>
+                    <a:pt x="5862452" y="438648"/>
+                  </a:cubicBezTo>
+                  <a:cubicBezTo>
+                    <a:pt x="5815779" y="495418"/>
+                    <a:pt x="5750055" y="495990"/>
+                    <a:pt x="5685283" y="498658"/>
+                  </a:cubicBezTo>
+                  <a:cubicBezTo>
+                    <a:pt x="5646039" y="500372"/>
+                    <a:pt x="5606604" y="500372"/>
+                    <a:pt x="5567169" y="499420"/>
+                  </a:cubicBezTo>
+                  <a:cubicBezTo>
+                    <a:pt x="5553832" y="499228"/>
+                    <a:pt x="5539736" y="496180"/>
+                    <a:pt x="5527923" y="490466"/>
+                  </a:cubicBezTo>
+                  <a:cubicBezTo>
+                    <a:pt x="5503348" y="478463"/>
+                    <a:pt x="5480680" y="462843"/>
+                    <a:pt x="5456292" y="450650"/>
+                  </a:cubicBezTo>
+                  <a:cubicBezTo>
+                    <a:pt x="5447151" y="445886"/>
+                    <a:pt x="5435338" y="445696"/>
+                    <a:pt x="5424670" y="444934"/>
+                  </a:cubicBezTo>
+                  <a:cubicBezTo>
+                    <a:pt x="5405809" y="443410"/>
+                    <a:pt x="5384854" y="447982"/>
+                    <a:pt x="5368662" y="441124"/>
+                  </a:cubicBezTo>
+                  <a:cubicBezTo>
+                    <a:pt x="5326559" y="423407"/>
+                    <a:pt x="5287123" y="427407"/>
+                    <a:pt x="5247118" y="444934"/>
+                  </a:cubicBezTo>
+                  <a:cubicBezTo>
+                    <a:pt x="5191108" y="469509"/>
+                    <a:pt x="5138148" y="467605"/>
+                    <a:pt x="5088617" y="428742"/>
+                  </a:cubicBezTo>
+                  <a:cubicBezTo>
+                    <a:pt x="5066328" y="411215"/>
+                    <a:pt x="5044609" y="419596"/>
+                    <a:pt x="5025750" y="433694"/>
+                  </a:cubicBezTo>
+                  <a:cubicBezTo>
+                    <a:pt x="5004032" y="450078"/>
+                    <a:pt x="4982885" y="454268"/>
+                    <a:pt x="4957930" y="442268"/>
+                  </a:cubicBezTo>
+                  <a:cubicBezTo>
+                    <a:pt x="4952404" y="439600"/>
+                    <a:pt x="4944594" y="440933"/>
+                    <a:pt x="4938116" y="441886"/>
+                  </a:cubicBezTo>
+                  <a:cubicBezTo>
+                    <a:pt x="4901158" y="446648"/>
+                    <a:pt x="4864009" y="454650"/>
+                    <a:pt x="4833910" y="421693"/>
+                  </a:cubicBezTo>
+                  <a:cubicBezTo>
+                    <a:pt x="4828004" y="415214"/>
+                    <a:pt x="4818097" y="412549"/>
+                    <a:pt x="4810095" y="408167"/>
+                  </a:cubicBezTo>
+                  <a:cubicBezTo>
+                    <a:pt x="4776566" y="390258"/>
+                    <a:pt x="4777900" y="391974"/>
+                    <a:pt x="4747991" y="413691"/>
+                  </a:cubicBezTo>
+                  <a:cubicBezTo>
+                    <a:pt x="4732369" y="425121"/>
+                    <a:pt x="4710842" y="436742"/>
+                    <a:pt x="4692745" y="435790"/>
+                  </a:cubicBezTo>
+                  <a:cubicBezTo>
+                    <a:pt x="4583584" y="430075"/>
+                    <a:pt x="4479758" y="457508"/>
+                    <a:pt x="4375933" y="483417"/>
+                  </a:cubicBezTo>
+                  <a:cubicBezTo>
+                    <a:pt x="4311923" y="499420"/>
+                    <a:pt x="4249436" y="500372"/>
+                    <a:pt x="4185426" y="484179"/>
+                  </a:cubicBezTo>
+                  <a:cubicBezTo>
+                    <a:pt x="4139133" y="472367"/>
+                    <a:pt x="4095315" y="491800"/>
+                    <a:pt x="4052072" y="505134"/>
+                  </a:cubicBezTo>
+                  <a:cubicBezTo>
+                    <a:pt x="4043117" y="507799"/>
+                    <a:pt x="4034735" y="518278"/>
+                    <a:pt x="4029973" y="527233"/>
+                  </a:cubicBezTo>
+                  <a:cubicBezTo>
+                    <a:pt x="4012826" y="558858"/>
+                    <a:pt x="3984441" y="563810"/>
+                    <a:pt x="3948626" y="550666"/>
+                  </a:cubicBezTo>
+                  <a:cubicBezTo>
+                    <a:pt x="3920241" y="540377"/>
+                    <a:pt x="3894332" y="526661"/>
+                    <a:pt x="3871280" y="502275"/>
+                  </a:cubicBezTo>
+                  <a:cubicBezTo>
+                    <a:pt x="3844229" y="473701"/>
+                    <a:pt x="3816224" y="441124"/>
+                    <a:pt x="3774312" y="429122"/>
+                  </a:cubicBezTo>
+                  <a:cubicBezTo>
+                    <a:pt x="3756214" y="423979"/>
+                    <a:pt x="3740593" y="423217"/>
+                    <a:pt x="3721543" y="428552"/>
+                  </a:cubicBezTo>
+                  <a:cubicBezTo>
+                    <a:pt x="3684583" y="438837"/>
+                    <a:pt x="3647436" y="446078"/>
+                    <a:pt x="3612763" y="414263"/>
+                  </a:cubicBezTo>
+                  <a:cubicBezTo>
+                    <a:pt x="3593712" y="396736"/>
+                    <a:pt x="3567994" y="385496"/>
+                    <a:pt x="3537323" y="389878"/>
+                  </a:cubicBezTo>
+                  <a:cubicBezTo>
+                    <a:pt x="3499031" y="395402"/>
+                    <a:pt x="3464168" y="381496"/>
+                    <a:pt x="3431593" y="360921"/>
+                  </a:cubicBezTo>
+                  <a:cubicBezTo>
+                    <a:pt x="3419971" y="353491"/>
+                    <a:pt x="3405682" y="349301"/>
+                    <a:pt x="3392158" y="345681"/>
+                  </a:cubicBezTo>
+                  <a:cubicBezTo>
+                    <a:pt x="3360915" y="337298"/>
+                    <a:pt x="3329480" y="329868"/>
+                    <a:pt x="3297856" y="323010"/>
+                  </a:cubicBezTo>
+                  <a:cubicBezTo>
+                    <a:pt x="3271948" y="317296"/>
+                    <a:pt x="3245849" y="313104"/>
+                    <a:pt x="3219748" y="308151"/>
+                  </a:cubicBezTo>
+                  <a:cubicBezTo>
+                    <a:pt x="3191173" y="302817"/>
+                    <a:pt x="3168502" y="290433"/>
+                    <a:pt x="3156692" y="261668"/>
+                  </a:cubicBezTo>
+                  <a:cubicBezTo>
+                    <a:pt x="3152882" y="252524"/>
+                    <a:pt x="3143737" y="245283"/>
+                    <a:pt x="3136497" y="237663"/>
+                  </a:cubicBezTo>
+                  <a:cubicBezTo>
+                    <a:pt x="3131355" y="232139"/>
+                    <a:pt x="3124495" y="227947"/>
+                    <a:pt x="3119733" y="222233"/>
+                  </a:cubicBezTo>
+                  <a:cubicBezTo>
+                    <a:pt x="3094776" y="192132"/>
+                    <a:pt x="3070201" y="161843"/>
+                    <a:pt x="3045436" y="131742"/>
+                  </a:cubicBezTo>
+                  <a:cubicBezTo>
+                    <a:pt x="3042958" y="128884"/>
+                    <a:pt x="3040292" y="125455"/>
+                    <a:pt x="3037054" y="124121"/>
+                  </a:cubicBezTo>
+                  <a:cubicBezTo>
+                    <a:pt x="3003525" y="110215"/>
+                    <a:pt x="2969614" y="97070"/>
+                    <a:pt x="2936466" y="82400"/>
+                  </a:cubicBezTo>
+                  <a:cubicBezTo>
+                    <a:pt x="2923702" y="76686"/>
+                    <a:pt x="2910558" y="69637"/>
+                    <a:pt x="2901031" y="59731"/>
+                  </a:cubicBezTo>
+                  <a:cubicBezTo>
+                    <a:pt x="2879314" y="37250"/>
+                    <a:pt x="2859502" y="12866"/>
+                    <a:pt x="2828259" y="3149"/>
+                  </a:cubicBezTo>
+                  <a:cubicBezTo>
+                    <a:pt x="2819114" y="293"/>
+                    <a:pt x="2808256" y="-1231"/>
+                    <a:pt x="2799492" y="1245"/>
+                  </a:cubicBezTo>
+                  <a:cubicBezTo>
+                    <a:pt x="2763867" y="11532"/>
+                    <a:pt x="2729005" y="24296"/>
+                    <a:pt x="2693570" y="35154"/>
+                  </a:cubicBezTo>
+                  <a:cubicBezTo>
+                    <a:pt x="2671092" y="41823"/>
+                    <a:pt x="2650707" y="49825"/>
+                    <a:pt x="2639847" y="73448"/>
+                  </a:cubicBezTo>
+                  <a:cubicBezTo>
+                    <a:pt x="2636801" y="80114"/>
+                    <a:pt x="2628226" y="87354"/>
+                    <a:pt x="2621178" y="88688"/>
+                  </a:cubicBezTo>
+                  <a:cubicBezTo>
+                    <a:pt x="2575839" y="97260"/>
+                    <a:pt x="2531069" y="101451"/>
+                    <a:pt x="2489348" y="72304"/>
+                  </a:cubicBezTo>
+                  <a:cubicBezTo>
+                    <a:pt x="2480585" y="66017"/>
+                    <a:pt x="2464201" y="66017"/>
+                    <a:pt x="2452580" y="68683"/>
+                  </a:cubicBezTo>
+                  <a:cubicBezTo>
+                    <a:pt x="2407811" y="78590"/>
+                    <a:pt x="2365328" y="82020"/>
+                    <a:pt x="2326464" y="50395"/>
+                  </a:cubicBezTo>
+                  <a:cubicBezTo>
+                    <a:pt x="2321892" y="46585"/>
+                    <a:pt x="2307224" y="50015"/>
+                    <a:pt x="2300365" y="54777"/>
+                  </a:cubicBezTo>
+                  <a:cubicBezTo>
+                    <a:pt x="2234259" y="101261"/>
+                    <a:pt x="2198064" y="102405"/>
+                    <a:pt x="2130434" y="58397"/>
+                  </a:cubicBezTo>
+                  <a:cubicBezTo>
+                    <a:pt x="2126052" y="55539"/>
+                    <a:pt x="2120337" y="52301"/>
+                    <a:pt x="2118621" y="47919"/>
+                  </a:cubicBezTo>
+                  <a:cubicBezTo>
+                    <a:pt x="2107001" y="19914"/>
+                    <a:pt x="2082236" y="19152"/>
+                    <a:pt x="2057659" y="16866"/>
+                  </a:cubicBezTo>
+                  <a:cubicBezTo>
+                    <a:pt x="2030608" y="14390"/>
+                    <a:pt x="2003555" y="11152"/>
+                    <a:pt x="1976314" y="8865"/>
+                  </a:cubicBezTo>
+                  <a:cubicBezTo>
+                    <a:pt x="1971550" y="8483"/>
+                    <a:pt x="1966216" y="10007"/>
+                    <a:pt x="1961454" y="11724"/>
+                  </a:cubicBezTo>
+                  <a:cubicBezTo>
+                    <a:pt x="1943165" y="18010"/>
+                    <a:pt x="1925449" y="27154"/>
+                    <a:pt x="1906588" y="30964"/>
+                  </a:cubicBezTo>
+                  <a:cubicBezTo>
+                    <a:pt x="1865821" y="39156"/>
+                    <a:pt x="1826385" y="55539"/>
+                    <a:pt x="1783330" y="48871"/>
+                  </a:cubicBezTo>
+                  <a:cubicBezTo>
+                    <a:pt x="1775902" y="47729"/>
+                    <a:pt x="1767327" y="53253"/>
+                    <a:pt x="1759327" y="55349"/>
+                  </a:cubicBezTo>
+                  <a:cubicBezTo>
+                    <a:pt x="1744849" y="58969"/>
+                    <a:pt x="1730750" y="64111"/>
+                    <a:pt x="1716082" y="65445"/>
+                  </a:cubicBezTo>
+                  <a:cubicBezTo>
+                    <a:pt x="1677218" y="68875"/>
+                    <a:pt x="1637975" y="71924"/>
+                    <a:pt x="1598920" y="72114"/>
+                  </a:cubicBezTo>
+                  <a:cubicBezTo>
+                    <a:pt x="1580061" y="72304"/>
+                    <a:pt x="1561201" y="65065"/>
+                    <a:pt x="1542150" y="62207"/>
+                  </a:cubicBezTo>
+                  <a:cubicBezTo>
+                    <a:pt x="1533578" y="60873"/>
+                    <a:pt x="1519669" y="58587"/>
+                    <a:pt x="1516813" y="62779"/>
+                  </a:cubicBezTo>
+                  <a:cubicBezTo>
+                    <a:pt x="1494714" y="94592"/>
+                    <a:pt x="1463661" y="88496"/>
+                    <a:pt x="1432228" y="88116"/>
+                  </a:cubicBezTo>
+                  <a:cubicBezTo>
+                    <a:pt x="1362884" y="87354"/>
+                    <a:pt x="1295826" y="60493"/>
+                    <a:pt x="1224765" y="71924"/>
+                  </a:cubicBezTo>
+                  <a:cubicBezTo>
+                    <a:pt x="1204191" y="75162"/>
+                    <a:pt x="1181330" y="62397"/>
+                    <a:pt x="1159231" y="58207"/>
+                  </a:cubicBezTo>
+                  <a:cubicBezTo>
+                    <a:pt x="1147801" y="56111"/>
+                    <a:pt x="1135228" y="53633"/>
+                    <a:pt x="1124370" y="56301"/>
+                  </a:cubicBezTo>
+                  <a:cubicBezTo>
+                    <a:pt x="1107605" y="60493"/>
+                    <a:pt x="1091411" y="68113"/>
+                    <a:pt x="1075600" y="75542"/>
+                  </a:cubicBezTo>
+                  <a:cubicBezTo>
+                    <a:pt x="1046261" y="89258"/>
+                    <a:pt x="1016162" y="89258"/>
+                    <a:pt x="986633" y="79162"/>
+                  </a:cubicBezTo>
+                  <a:cubicBezTo>
+                    <a:pt x="944722" y="64873"/>
+                    <a:pt x="903193" y="64873"/>
+                    <a:pt x="861089" y="76304"/>
+                  </a:cubicBezTo>
+                  <a:cubicBezTo>
+                    <a:pt x="826990" y="85638"/>
+                    <a:pt x="791935" y="92116"/>
+                    <a:pt x="759168" y="104689"/>
+                  </a:cubicBezTo>
+                  <a:cubicBezTo>
+                    <a:pt x="744689" y="110215"/>
+                    <a:pt x="732497" y="126597"/>
+                    <a:pt x="723735" y="140696"/>
+                  </a:cubicBezTo>
+                  <a:cubicBezTo>
+                    <a:pt x="706018" y="169271"/>
+                    <a:pt x="674013" y="169081"/>
+                    <a:pt x="647532" y="147934"/>
+                  </a:cubicBezTo>
+                  <a:cubicBezTo>
+                    <a:pt x="619717" y="125645"/>
+                    <a:pt x="584664" y="112501"/>
+                    <a:pt x="552659" y="95926"/>
+                  </a:cubicBezTo>
+                  <a:cubicBezTo>
+                    <a:pt x="549993" y="94592"/>
+                    <a:pt x="545039" y="96116"/>
+                    <a:pt x="541800" y="97640"/>
+                  </a:cubicBezTo>
+                  <a:cubicBezTo>
+                    <a:pt x="488649" y="122407"/>
+                    <a:pt x="433593" y="126979"/>
+                    <a:pt x="375107" y="123169"/>
+                  </a:cubicBezTo>
+                  <a:cubicBezTo>
+                    <a:pt x="341960" y="121073"/>
+                    <a:pt x="307289" y="137076"/>
+                    <a:pt x="273567" y="145458"/>
+                  </a:cubicBezTo>
+                  <a:cubicBezTo>
+                    <a:pt x="269757" y="146410"/>
+                    <a:pt x="266519" y="151174"/>
+                    <a:pt x="264043" y="154792"/>
+                  </a:cubicBezTo>
+                  <a:cubicBezTo>
+                    <a:pt x="240228" y="190800"/>
+                    <a:pt x="208223" y="200706"/>
+                    <a:pt x="169360" y="177273"/>
+                  </a:cubicBezTo>
+                  <a:cubicBezTo>
+                    <a:pt x="143643" y="161651"/>
+                    <a:pt x="118114" y="158032"/>
+                    <a:pt x="89347" y="157460"/>
+                  </a:cubicBezTo>
+                  <a:cubicBezTo>
+                    <a:pt x="71059" y="157078"/>
+                    <a:pt x="52962" y="147934"/>
+                    <a:pt x="34291" y="145268"/>
+                  </a:cubicBezTo>
+                  <a:lnTo>
+                    <a:pt x="0" y="142056"/>
+                  </a:lnTo>
+                  <a:lnTo>
+                    <a:pt x="0" y="849556"/>
+                  </a:lnTo>
+                  <a:lnTo>
+                    <a:pt x="60652" y="844783"/>
+                  </a:lnTo>
+                  <a:cubicBezTo>
+                    <a:pt x="80251" y="839473"/>
+                    <a:pt x="99446" y="832043"/>
+                    <a:pt x="119068" y="827281"/>
+                  </a:cubicBezTo>
+                  <a:cubicBezTo>
+                    <a:pt x="137355" y="822899"/>
+                    <a:pt x="154501" y="812802"/>
+                    <a:pt x="171840" y="804420"/>
+                  </a:cubicBezTo>
+                  <a:cubicBezTo>
+                    <a:pt x="204985" y="788417"/>
+                    <a:pt x="240420" y="798514"/>
+                    <a:pt x="274329" y="794324"/>
+                  </a:cubicBezTo>
+                  <a:cubicBezTo>
+                    <a:pt x="285188" y="792990"/>
+                    <a:pt x="296046" y="791466"/>
+                    <a:pt x="306715" y="788798"/>
+                  </a:cubicBezTo>
+                  <a:cubicBezTo>
+                    <a:pt x="335864" y="781749"/>
+                    <a:pt x="365583" y="775653"/>
+                    <a:pt x="393967" y="765937"/>
+                  </a:cubicBezTo>
+                  <a:cubicBezTo>
+                    <a:pt x="426165" y="755078"/>
+                    <a:pt x="457028" y="740600"/>
+                    <a:pt x="493793" y="725549"/>
+                  </a:cubicBezTo>
+                  <a:cubicBezTo>
+                    <a:pt x="506557" y="729360"/>
+                    <a:pt x="526180" y="739648"/>
+                    <a:pt x="546373" y="740600"/>
+                  </a:cubicBezTo>
+                  <a:cubicBezTo>
+                    <a:pt x="611337" y="743838"/>
+                    <a:pt x="672107" y="726121"/>
+                    <a:pt x="730211" y="698116"/>
+                  </a:cubicBezTo>
+                  <a:cubicBezTo>
+                    <a:pt x="747927" y="689734"/>
+                    <a:pt x="766980" y="684210"/>
+                    <a:pt x="784889" y="676018"/>
+                  </a:cubicBezTo>
+                  <a:cubicBezTo>
+                    <a:pt x="791173" y="673161"/>
+                    <a:pt x="799365" y="667065"/>
+                    <a:pt x="800509" y="661349"/>
+                  </a:cubicBezTo>
+                  <a:cubicBezTo>
+                    <a:pt x="807175" y="628201"/>
+                    <a:pt x="831942" y="628772"/>
+                    <a:pt x="857661" y="626868"/>
+                  </a:cubicBezTo>
+                  <a:cubicBezTo>
+                    <a:pt x="888332" y="624582"/>
+                    <a:pt x="918621" y="619248"/>
+                    <a:pt x="949102" y="614676"/>
+                  </a:cubicBezTo>
+                  <a:cubicBezTo>
+                    <a:pt x="953104" y="614104"/>
+                    <a:pt x="956722" y="610104"/>
+                    <a:pt x="960342" y="607435"/>
+                  </a:cubicBezTo>
+                  <a:cubicBezTo>
+                    <a:pt x="965867" y="603435"/>
+                    <a:pt x="971011" y="597339"/>
+                    <a:pt x="977109" y="595815"/>
+                  </a:cubicBezTo>
+                  <a:cubicBezTo>
+                    <a:pt x="1008350" y="588385"/>
+                    <a:pt x="1039783" y="582099"/>
+                    <a:pt x="1071218" y="575240"/>
+                  </a:cubicBezTo>
+                  <a:cubicBezTo>
+                    <a:pt x="1078266" y="573716"/>
+                    <a:pt x="1085505" y="571812"/>
+                    <a:pt x="1091983" y="568764"/>
+                  </a:cubicBezTo>
+                  <a:cubicBezTo>
+                    <a:pt x="1098079" y="565906"/>
+                    <a:pt x="1103223" y="560952"/>
+                    <a:pt x="1109321" y="557904"/>
+                  </a:cubicBezTo>
+                  <a:cubicBezTo>
+                    <a:pt x="1125892" y="549714"/>
+                    <a:pt x="1142851" y="542093"/>
+                    <a:pt x="1162279" y="532949"/>
+                  </a:cubicBezTo>
+                  <a:cubicBezTo>
+                    <a:pt x="1173138" y="550094"/>
+                    <a:pt x="1187810" y="540377"/>
+                    <a:pt x="1206097" y="532187"/>
+                  </a:cubicBezTo>
+                  <a:cubicBezTo>
+                    <a:pt x="1224765" y="523805"/>
+                    <a:pt x="1246292" y="521137"/>
+                    <a:pt x="1266867" y="518088"/>
+                  </a:cubicBezTo>
+                  <a:cubicBezTo>
+                    <a:pt x="1304588" y="512564"/>
+                    <a:pt x="1342499" y="509134"/>
+                    <a:pt x="1380219" y="504182"/>
+                  </a:cubicBezTo>
+                  <a:cubicBezTo>
+                    <a:pt x="1388221" y="503038"/>
+                    <a:pt x="1397365" y="500944"/>
+                    <a:pt x="1403461" y="496180"/>
+                  </a:cubicBezTo>
+                  <a:cubicBezTo>
+                    <a:pt x="1445181" y="464175"/>
+                    <a:pt x="1495858" y="455222"/>
+                    <a:pt x="1544054" y="458268"/>
+                  </a:cubicBezTo>
+                  <a:cubicBezTo>
+                    <a:pt x="1581965" y="460557"/>
+                    <a:pt x="1619114" y="462270"/>
+                    <a:pt x="1656644" y="459032"/>
+                  </a:cubicBezTo>
+                  <a:cubicBezTo>
+                    <a:pt x="1659502" y="458841"/>
+                    <a:pt x="1663312" y="459223"/>
+                    <a:pt x="1665406" y="460747"/>
+                  </a:cubicBezTo>
+                  <a:cubicBezTo>
+                    <a:pt x="1678360" y="470843"/>
+                    <a:pt x="1691887" y="471605"/>
+                    <a:pt x="1708461" y="473318"/>
+                  </a:cubicBezTo>
+                  <a:cubicBezTo>
+                    <a:pt x="1731894" y="475797"/>
+                    <a:pt x="1753421" y="474081"/>
+                    <a:pt x="1775140" y="469891"/>
+                  </a:cubicBezTo>
+                  <a:cubicBezTo>
+                    <a:pt x="1790952" y="466843"/>
+                    <a:pt x="1806953" y="460557"/>
+                    <a:pt x="1821051" y="452554"/>
+                  </a:cubicBezTo>
+                  <a:cubicBezTo>
+                    <a:pt x="1840672" y="441314"/>
+                    <a:pt x="1859535" y="436934"/>
+                    <a:pt x="1878203" y="451792"/>
+                  </a:cubicBezTo>
+                  <a:cubicBezTo>
+                    <a:pt x="1898396" y="467605"/>
+                    <a:pt x="1921257" y="462081"/>
+                    <a:pt x="1943547" y="462651"/>
+                  </a:cubicBezTo>
+                  <a:cubicBezTo>
+                    <a:pt x="1953262" y="462843"/>
+                    <a:pt x="1963550" y="462461"/>
+                    <a:pt x="1972884" y="464937"/>
+                  </a:cubicBezTo>
+                  <a:cubicBezTo>
+                    <a:pt x="1999935" y="471987"/>
+                    <a:pt x="2026036" y="482655"/>
+                    <a:pt x="2053469" y="487417"/>
+                  </a:cubicBezTo>
+                  <a:cubicBezTo>
+                    <a:pt x="2068710" y="490084"/>
+                    <a:pt x="2085664" y="485321"/>
+                    <a:pt x="2101477" y="481893"/>
+                  </a:cubicBezTo>
+                  <a:cubicBezTo>
+                    <a:pt x="2117479" y="478273"/>
+                    <a:pt x="2133290" y="472749"/>
+                    <a:pt x="2148722" y="467033"/>
+                  </a:cubicBezTo>
+                  <a:cubicBezTo>
+                    <a:pt x="2159199" y="463223"/>
+                    <a:pt x="2170629" y="459603"/>
+                    <a:pt x="2179011" y="452744"/>
+                  </a:cubicBezTo>
+                  <a:cubicBezTo>
+                    <a:pt x="2198064" y="437124"/>
+                    <a:pt x="2217685" y="434455"/>
+                    <a:pt x="2240165" y="442648"/>
+                  </a:cubicBezTo>
+                  <a:cubicBezTo>
+                    <a:pt x="2243593" y="443982"/>
+                    <a:pt x="2247594" y="443982"/>
+                    <a:pt x="2251404" y="444172"/>
+                  </a:cubicBezTo>
+                  <a:cubicBezTo>
+                    <a:pt x="2312370" y="448172"/>
+                    <a:pt x="2373330" y="450650"/>
+                    <a:pt x="2433912" y="456746"/>
+                  </a:cubicBezTo>
+                  <a:cubicBezTo>
+                    <a:pt x="2458485" y="459223"/>
+                    <a:pt x="2482107" y="470081"/>
+                    <a:pt x="2506302" y="476939"/>
+                  </a:cubicBezTo>
+                  <a:cubicBezTo>
+                    <a:pt x="2511256" y="478273"/>
+                    <a:pt x="2516783" y="480369"/>
+                    <a:pt x="2521735" y="479415"/>
+                  </a:cubicBezTo>
+                  <a:cubicBezTo>
+                    <a:pt x="2575647" y="469891"/>
+                    <a:pt x="2626132" y="483797"/>
+                    <a:pt x="2675854" y="502086"/>
+                  </a:cubicBezTo>
+                  <a:cubicBezTo>
+                    <a:pt x="2680996" y="503992"/>
+                    <a:pt x="2687282" y="503419"/>
+                    <a:pt x="2692998" y="503038"/>
+                  </a:cubicBezTo>
+                  <a:cubicBezTo>
+                    <a:pt x="2709003" y="501706"/>
+                    <a:pt x="2726337" y="495038"/>
+                    <a:pt x="2740816" y="499037"/>
+                  </a:cubicBezTo>
+                  <a:cubicBezTo>
+                    <a:pt x="2779297" y="510088"/>
+                    <a:pt x="2817398" y="523423"/>
+                    <a:pt x="2853596" y="540187"/>
+                  </a:cubicBezTo>
+                  <a:cubicBezTo>
+                    <a:pt x="2890365" y="557142"/>
+                    <a:pt x="2924464" y="571430"/>
+                    <a:pt x="2966565" y="554286"/>
+                  </a:cubicBezTo>
+                  <a:cubicBezTo>
+                    <a:pt x="2984472" y="547045"/>
+                    <a:pt x="3008095" y="552190"/>
+                    <a:pt x="3028671" y="554094"/>
+                  </a:cubicBezTo>
+                  <a:cubicBezTo>
+                    <a:pt x="3043720" y="555618"/>
+                    <a:pt x="3058198" y="564192"/>
+                    <a:pt x="3073059" y="564192"/>
+                  </a:cubicBezTo>
+                  <a:cubicBezTo>
+                    <a:pt x="3112686" y="564192"/>
+                    <a:pt x="3147927" y="574288"/>
+                    <a:pt x="3182219" y="594862"/>
+                  </a:cubicBezTo>
+                  <a:cubicBezTo>
+                    <a:pt x="3195557" y="602863"/>
+                    <a:pt x="3216322" y="597529"/>
+                    <a:pt x="3233656" y="599625"/>
+                  </a:cubicBezTo>
+                  <a:cubicBezTo>
+                    <a:pt x="3251947" y="602101"/>
+                    <a:pt x="3270804" y="604387"/>
+                    <a:pt x="3288332" y="609914"/>
+                  </a:cubicBezTo>
+                  <a:cubicBezTo>
+                    <a:pt x="3333672" y="624392"/>
+                    <a:pt x="3378441" y="640774"/>
+                    <a:pt x="3423591" y="656015"/>
+                  </a:cubicBezTo>
+                  <a:cubicBezTo>
+                    <a:pt x="3460738" y="668590"/>
+                    <a:pt x="3497317" y="658683"/>
+                    <a:pt x="3534084" y="653349"/>
+                  </a:cubicBezTo>
+                  <a:cubicBezTo>
+                    <a:pt x="3557137" y="649919"/>
+                    <a:pt x="3578662" y="641727"/>
+                    <a:pt x="3604571" y="653918"/>
+                  </a:cubicBezTo>
+                  <a:cubicBezTo>
+                    <a:pt x="3629338" y="665541"/>
+                    <a:pt x="3660771" y="662873"/>
+                    <a:pt x="3688586" y="669160"/>
+                  </a:cubicBezTo>
+                  <a:cubicBezTo>
+                    <a:pt x="3712020" y="674494"/>
+                    <a:pt x="3734687" y="683068"/>
+                    <a:pt x="3757358" y="691450"/>
+                  </a:cubicBezTo>
+                  <a:cubicBezTo>
+                    <a:pt x="3788221" y="702881"/>
+                    <a:pt x="3818700" y="714881"/>
+                    <a:pt x="3852421" y="709167"/>
+                  </a:cubicBezTo>
+                  <a:cubicBezTo>
+                    <a:pt x="3890714" y="702689"/>
+                    <a:pt x="3917001" y="727073"/>
+                    <a:pt x="3947104" y="743267"/>
+                  </a:cubicBezTo>
+                  <a:cubicBezTo>
+                    <a:pt x="3967869" y="754316"/>
+                    <a:pt x="3990538" y="762509"/>
+                    <a:pt x="4013208" y="769367"/>
+                  </a:cubicBezTo>
+                  <a:cubicBezTo>
+                    <a:pt x="4043497" y="778321"/>
+                    <a:pt x="4074740" y="783655"/>
+                    <a:pt x="4105222" y="792418"/>
+                  </a:cubicBezTo>
+                  <a:cubicBezTo>
+                    <a:pt x="4151325" y="805561"/>
+                    <a:pt x="4198001" y="815850"/>
+                    <a:pt x="4246006" y="808610"/>
+                  </a:cubicBezTo>
+                  <a:cubicBezTo>
+                    <a:pt x="4268105" y="805372"/>
+                    <a:pt x="4288682" y="805561"/>
+                    <a:pt x="4310779" y="810326"/>
+                  </a:cubicBezTo>
+                  <a:cubicBezTo>
+                    <a:pt x="4346974" y="818136"/>
+                    <a:pt x="4384123" y="819089"/>
+                    <a:pt x="4413272" y="848235"/>
+                  </a:cubicBezTo>
+                  <a:cubicBezTo>
+                    <a:pt x="4423558" y="858524"/>
+                    <a:pt x="4442037" y="861190"/>
+                    <a:pt x="4457087" y="866524"/>
+                  </a:cubicBezTo>
+                  <a:cubicBezTo>
+                    <a:pt x="4474424" y="872812"/>
+                    <a:pt x="4487186" y="869572"/>
+                    <a:pt x="4496523" y="851284"/>
+                  </a:cubicBezTo>
+                  <a:cubicBezTo>
+                    <a:pt x="4500713" y="843093"/>
+                    <a:pt x="4512715" y="835091"/>
+                    <a:pt x="4522050" y="833757"/>
+                  </a:cubicBezTo>
+                  <a:cubicBezTo>
+                    <a:pt x="4550055" y="829757"/>
+                    <a:pt x="4575773" y="835663"/>
+                    <a:pt x="4602824" y="848618"/>
+                  </a:cubicBezTo>
+                  <a:cubicBezTo>
+                    <a:pt x="4628161" y="860810"/>
+                    <a:pt x="4659786" y="859476"/>
+                    <a:pt x="4688553" y="864238"/>
+                  </a:cubicBezTo>
+                  <a:cubicBezTo>
+                    <a:pt x="4708936" y="867668"/>
+                    <a:pt x="4729321" y="874716"/>
+                    <a:pt x="4749895" y="874716"/>
+                  </a:cubicBezTo>
+                  <a:cubicBezTo>
+                    <a:pt x="4775424" y="874716"/>
+                    <a:pt x="4800761" y="868620"/>
+                    <a:pt x="4826480" y="866334"/>
+                  </a:cubicBezTo>
+                  <a:cubicBezTo>
+                    <a:pt x="4846482" y="864430"/>
+                    <a:pt x="4866867" y="865192"/>
+                    <a:pt x="4886870" y="862906"/>
+                  </a:cubicBezTo>
+                  <a:cubicBezTo>
+                    <a:pt x="4903254" y="861190"/>
+                    <a:pt x="4919447" y="856810"/>
+                    <a:pt x="4935639" y="853190"/>
+                  </a:cubicBezTo>
+                  <a:cubicBezTo>
+                    <a:pt x="4941546" y="851856"/>
+                    <a:pt x="4947452" y="846711"/>
+                    <a:pt x="4952784" y="847473"/>
+                  </a:cubicBezTo>
+                  <a:cubicBezTo>
+                    <a:pt x="5005745" y="855666"/>
+                    <a:pt x="5043847" y="819089"/>
+                    <a:pt x="5088617" y="802896"/>
+                  </a:cubicBezTo>
+                  <a:cubicBezTo>
+                    <a:pt x="5135672" y="785749"/>
+                    <a:pt x="5181204" y="759461"/>
+                    <a:pt x="5233781" y="767271"/>
+                  </a:cubicBezTo>
+                  <a:cubicBezTo>
+                    <a:pt x="5265596" y="772033"/>
+                    <a:pt x="5296267" y="783083"/>
+                    <a:pt x="5327893" y="789752"/>
+                  </a:cubicBezTo>
+                  <a:cubicBezTo>
+                    <a:pt x="5339132" y="792038"/>
+                    <a:pt x="5351705" y="791656"/>
+                    <a:pt x="5362946" y="789370"/>
+                  </a:cubicBezTo>
+                  <a:cubicBezTo>
+                    <a:pt x="5417240" y="778891"/>
+                    <a:pt x="5470771" y="777367"/>
+                    <a:pt x="5524115" y="794514"/>
+                  </a:cubicBezTo>
+                  <a:cubicBezTo>
+                    <a:pt x="5533257" y="797372"/>
+                    <a:pt x="5542974" y="800038"/>
+                    <a:pt x="5552500" y="800038"/>
+                  </a:cubicBezTo>
+                  <a:cubicBezTo>
+                    <a:pt x="5604697" y="800038"/>
+                    <a:pt x="5655944" y="796038"/>
+                    <a:pt x="5705857" y="777367"/>
+                  </a:cubicBezTo>
+                  <a:cubicBezTo>
+                    <a:pt x="5722622" y="771080"/>
+                    <a:pt x="5743006" y="775081"/>
+                    <a:pt x="5761485" y="773557"/>
+                  </a:cubicBezTo>
+                  <a:cubicBezTo>
+                    <a:pt x="5778629" y="772224"/>
+                    <a:pt x="5796156" y="771653"/>
+                    <a:pt x="5812731" y="767271"/>
+                  </a:cubicBezTo>
+                  <a:cubicBezTo>
+                    <a:pt x="5836925" y="760795"/>
+                    <a:pt x="5859404" y="760033"/>
+                    <a:pt x="5884361" y="765747"/>
+                  </a:cubicBezTo>
+                  <a:cubicBezTo>
+                    <a:pt x="5908174" y="771080"/>
+                    <a:pt x="5933892" y="768415"/>
+                    <a:pt x="5958660" y="768605"/>
+                  </a:cubicBezTo>
+                  <a:cubicBezTo>
+                    <a:pt x="5986282" y="768795"/>
+                    <a:pt x="6013906" y="768984"/>
+                    <a:pt x="6041528" y="768033"/>
+                  </a:cubicBezTo>
+                  <a:cubicBezTo>
+                    <a:pt x="6052579" y="767653"/>
+                    <a:pt x="6065151" y="760033"/>
+                    <a:pt x="6074297" y="763081"/>
+                  </a:cubicBezTo>
+                  <a:cubicBezTo>
+                    <a:pt x="6103824" y="773366"/>
+                    <a:pt x="6133353" y="760985"/>
+                    <a:pt x="6162880" y="766509"/>
+                  </a:cubicBezTo>
+                  <a:cubicBezTo>
+                    <a:pt x="6177360" y="769367"/>
+                    <a:pt x="6193743" y="761557"/>
+                    <a:pt x="6209364" y="760795"/>
+                  </a:cubicBezTo>
+                  <a:cubicBezTo>
+                    <a:pt x="6234892" y="759461"/>
+                    <a:pt x="6260419" y="760033"/>
+                    <a:pt x="6285948" y="759651"/>
+                  </a:cubicBezTo>
+                  <a:cubicBezTo>
+                    <a:pt x="6294330" y="759461"/>
+                    <a:pt x="6302523" y="758699"/>
+                    <a:pt x="6310905" y="758316"/>
+                  </a:cubicBezTo>
+                  <a:cubicBezTo>
+                    <a:pt x="6318335" y="757936"/>
+                    <a:pt x="6326145" y="756222"/>
+                    <a:pt x="6333194" y="757554"/>
+                  </a:cubicBezTo>
+                  <a:cubicBezTo>
+                    <a:pt x="6358723" y="762318"/>
+                    <a:pt x="6383869" y="770129"/>
+                    <a:pt x="6409586" y="773177"/>
+                  </a:cubicBezTo>
+                  <a:cubicBezTo>
+                    <a:pt x="6431875" y="775843"/>
+                    <a:pt x="6454928" y="772224"/>
+                    <a:pt x="6477407" y="774129"/>
+                  </a:cubicBezTo>
+                  <a:cubicBezTo>
+                    <a:pt x="6517032" y="777367"/>
+                    <a:pt x="6556657" y="783083"/>
+                    <a:pt x="6596283" y="786703"/>
+                  </a:cubicBezTo>
+                  <a:cubicBezTo>
+                    <a:pt x="6604857" y="787465"/>
+                    <a:pt x="6613809" y="782701"/>
+                    <a:pt x="6622573" y="782321"/>
+                  </a:cubicBezTo>
+                  <a:cubicBezTo>
+                    <a:pt x="6650006" y="781369"/>
+                    <a:pt x="6677439" y="781177"/>
+                    <a:pt x="6704872" y="780607"/>
+                  </a:cubicBezTo>
+                  <a:cubicBezTo>
+                    <a:pt x="6720493" y="780415"/>
+                    <a:pt x="6736305" y="780987"/>
+                    <a:pt x="6751738" y="779273"/>
+                  </a:cubicBezTo>
+                  <a:cubicBezTo>
+                    <a:pt x="6772120" y="776987"/>
+                    <a:pt x="6790599" y="773557"/>
+                    <a:pt x="6809650" y="788417"/>
+                  </a:cubicBezTo>
+                  <a:cubicBezTo>
+                    <a:pt x="6816984" y="794180"/>
+                    <a:pt x="6824819" y="797942"/>
+                    <a:pt x="6832976" y="800428"/>
+                  </a:cubicBezTo>
+                  <a:close/>
+                </a:path>
+              </a:pathLst>
+            </a:custGeom>
+            <a:solidFill>
+              <a:srgbClr val="FFFFFF"/>
+            </a:solidFill>
+            <a:ln>
+              <a:noFill/>
+            </a:ln>
+            <a:effectLst/>
+          </p:spPr>
+          <p:style>
+            <a:lnRef idx="2">
+              <a:schemeClr val="accent1">
+                <a:shade val="50000"/>
+              </a:schemeClr>
+            </a:lnRef>
+            <a:fillRef idx="1">
+              <a:schemeClr val="accent1"/>
+            </a:fillRef>
+            <a:effectRef idx="0">
+              <a:schemeClr val="accent1"/>
+            </a:effectRef>
+            <a:fontRef idx="minor">
+              <a:schemeClr val="lt1"/>
+            </a:fontRef>
+          </p:style>
+          <p:txBody>
+            <a:bodyPr wrap="square" rtlCol="0" anchor="ctr">
+              <a:noAutofit/>
+            </a:bodyPr>
+            <a:lstStyle/>
+            <a:p>
+              <a:pPr algn="ctr"/>
+              <a:endParaRPr lang="en-US"/>
+            </a:p>
+          </p:txBody>
+        </p:sp>
+        <p:sp>
+          <p:nvSpPr>
+            <p:cNvPr id="13" name="Freeform: Shape 12">
+              <a:extLst>
+                <a:ext uri="{FF2B5EF4-FFF2-40B4-BE49-F238E27FC236}">
+                  <a16:creationId xmlns:a16="http://schemas.microsoft.com/office/drawing/2014/main" id="{3329C434-C896-4DBB-9A47-D99A5EE414B5}"/>
+                </a:ext>
+                <a:ext uri="{C183D7F6-B498-43B3-948B-1728B52AA6E4}">
+                  <adec:decorative xmlns:adec="http://schemas.microsoft.com/office/drawing/2017/decorative" val="1"/>
+                </a:ext>
+              </a:extLst>
+            </p:cNvPr>
+            <p:cNvSpPr/>
+            <p:nvPr>
+              <p:extLst>
+                <p:ext uri="{386F3935-93C4-4BCD-93E2-E3B085C9AB24}">
+                  <p16:designElem xmlns:p16="http://schemas.microsoft.com/office/powerpoint/2015/main" val="1"/>
+                </p:ext>
+              </p:extLst>
+            </p:nvPr>
+          </p:nvSpPr>
+          <p:spPr>
+            <a:xfrm rot="5400000" flipH="1">
+              <a:off x="2640988" y="2991370"/>
+              <a:ext cx="6857455" cy="874716"/>
+            </a:xfrm>
+            <a:custGeom>
+              <a:avLst/>
+              <a:gdLst>
+                <a:gd name="connsiteX0" fmla="*/ 6857455 w 6857455"/>
+                <a:gd name="connsiteY0" fmla="*/ 804643 h 874716"/>
+                <a:gd name="connsiteX1" fmla="*/ 6857455 w 6857455"/>
+                <a:gd name="connsiteY1" fmla="*/ 562246 h 874716"/>
+                <a:gd name="connsiteX2" fmla="*/ 6829178 w 6857455"/>
+                <a:gd name="connsiteY2" fmla="*/ 551284 h 874716"/>
+                <a:gd name="connsiteX3" fmla="*/ 6766024 w 6857455"/>
+                <a:gd name="connsiteY3" fmla="*/ 500372 h 874716"/>
+                <a:gd name="connsiteX4" fmla="*/ 6734971 w 6857455"/>
+                <a:gd name="connsiteY4" fmla="*/ 500944 h 874716"/>
+                <a:gd name="connsiteX5" fmla="*/ 6683915 w 6857455"/>
+                <a:gd name="connsiteY5" fmla="*/ 507040 h 874716"/>
+                <a:gd name="connsiteX6" fmla="*/ 6628860 w 6857455"/>
+                <a:gd name="connsiteY6" fmla="*/ 495418 h 874716"/>
+                <a:gd name="connsiteX7" fmla="*/ 6588662 w 6857455"/>
+                <a:gd name="connsiteY7" fmla="*/ 487227 h 874716"/>
+                <a:gd name="connsiteX8" fmla="*/ 6476074 w 6857455"/>
+                <a:gd name="connsiteY8" fmla="*/ 511230 h 874716"/>
+                <a:gd name="connsiteX9" fmla="*/ 6382345 w 6857455"/>
+                <a:gd name="connsiteY9" fmla="*/ 534853 h 874716"/>
+                <a:gd name="connsiteX10" fmla="*/ 6369391 w 6857455"/>
+                <a:gd name="connsiteY10" fmla="*/ 531615 h 874716"/>
+                <a:gd name="connsiteX11" fmla="*/ 6244799 w 6857455"/>
+                <a:gd name="connsiteY11" fmla="*/ 512182 h 874716"/>
+                <a:gd name="connsiteX12" fmla="*/ 6190315 w 6857455"/>
+                <a:gd name="connsiteY12" fmla="*/ 485703 h 874716"/>
+                <a:gd name="connsiteX13" fmla="*/ 6115446 w 6857455"/>
+                <a:gd name="connsiteY13" fmla="*/ 462270 h 874716"/>
+                <a:gd name="connsiteX14" fmla="*/ 6032194 w 6857455"/>
+                <a:gd name="connsiteY14" fmla="*/ 434266 h 874716"/>
+                <a:gd name="connsiteX15" fmla="*/ 5971042 w 6857455"/>
+                <a:gd name="connsiteY15" fmla="*/ 420738 h 874716"/>
+                <a:gd name="connsiteX16" fmla="*/ 5880933 w 6857455"/>
+                <a:gd name="connsiteY16" fmla="*/ 430646 h 874716"/>
+                <a:gd name="connsiteX17" fmla="*/ 5862452 w 6857455"/>
+                <a:gd name="connsiteY17" fmla="*/ 438648 h 874716"/>
+                <a:gd name="connsiteX18" fmla="*/ 5685283 w 6857455"/>
+                <a:gd name="connsiteY18" fmla="*/ 498658 h 874716"/>
+                <a:gd name="connsiteX19" fmla="*/ 5567169 w 6857455"/>
+                <a:gd name="connsiteY19" fmla="*/ 499420 h 874716"/>
+                <a:gd name="connsiteX20" fmla="*/ 5527923 w 6857455"/>
+                <a:gd name="connsiteY20" fmla="*/ 490466 h 874716"/>
+                <a:gd name="connsiteX21" fmla="*/ 5456292 w 6857455"/>
+                <a:gd name="connsiteY21" fmla="*/ 450650 h 874716"/>
+                <a:gd name="connsiteX22" fmla="*/ 5424670 w 6857455"/>
+                <a:gd name="connsiteY22" fmla="*/ 444934 h 874716"/>
+                <a:gd name="connsiteX23" fmla="*/ 5368662 w 6857455"/>
+                <a:gd name="connsiteY23" fmla="*/ 441124 h 874716"/>
+                <a:gd name="connsiteX24" fmla="*/ 5247118 w 6857455"/>
+                <a:gd name="connsiteY24" fmla="*/ 444934 h 874716"/>
+                <a:gd name="connsiteX25" fmla="*/ 5088617 w 6857455"/>
+                <a:gd name="connsiteY25" fmla="*/ 428742 h 874716"/>
+                <a:gd name="connsiteX26" fmla="*/ 5025750 w 6857455"/>
+                <a:gd name="connsiteY26" fmla="*/ 433694 h 874716"/>
+                <a:gd name="connsiteX27" fmla="*/ 4957930 w 6857455"/>
+                <a:gd name="connsiteY27" fmla="*/ 442268 h 874716"/>
+                <a:gd name="connsiteX28" fmla="*/ 4938116 w 6857455"/>
+                <a:gd name="connsiteY28" fmla="*/ 441886 h 874716"/>
+                <a:gd name="connsiteX29" fmla="*/ 4833910 w 6857455"/>
+                <a:gd name="connsiteY29" fmla="*/ 421693 h 874716"/>
+                <a:gd name="connsiteX30" fmla="*/ 4810095 w 6857455"/>
+                <a:gd name="connsiteY30" fmla="*/ 408167 h 874716"/>
+                <a:gd name="connsiteX31" fmla="*/ 4747991 w 6857455"/>
+                <a:gd name="connsiteY31" fmla="*/ 413691 h 874716"/>
+                <a:gd name="connsiteX32" fmla="*/ 4692745 w 6857455"/>
+                <a:gd name="connsiteY32" fmla="*/ 435790 h 874716"/>
+                <a:gd name="connsiteX33" fmla="*/ 4375933 w 6857455"/>
+                <a:gd name="connsiteY33" fmla="*/ 483417 h 874716"/>
+                <a:gd name="connsiteX34" fmla="*/ 4185426 w 6857455"/>
+                <a:gd name="connsiteY34" fmla="*/ 484179 h 874716"/>
+                <a:gd name="connsiteX35" fmla="*/ 4052072 w 6857455"/>
+                <a:gd name="connsiteY35" fmla="*/ 505134 h 874716"/>
+                <a:gd name="connsiteX36" fmla="*/ 4029973 w 6857455"/>
+                <a:gd name="connsiteY36" fmla="*/ 527233 h 874716"/>
+                <a:gd name="connsiteX37" fmla="*/ 3948626 w 6857455"/>
+                <a:gd name="connsiteY37" fmla="*/ 550666 h 874716"/>
+                <a:gd name="connsiteX38" fmla="*/ 3871280 w 6857455"/>
+                <a:gd name="connsiteY38" fmla="*/ 502275 h 874716"/>
+                <a:gd name="connsiteX39" fmla="*/ 3774312 w 6857455"/>
+                <a:gd name="connsiteY39" fmla="*/ 429122 h 874716"/>
+                <a:gd name="connsiteX40" fmla="*/ 3721543 w 6857455"/>
+                <a:gd name="connsiteY40" fmla="*/ 428552 h 874716"/>
+                <a:gd name="connsiteX41" fmla="*/ 3612763 w 6857455"/>
+                <a:gd name="connsiteY41" fmla="*/ 414263 h 874716"/>
+                <a:gd name="connsiteX42" fmla="*/ 3537323 w 6857455"/>
+                <a:gd name="connsiteY42" fmla="*/ 389878 h 874716"/>
+                <a:gd name="connsiteX43" fmla="*/ 3431593 w 6857455"/>
+                <a:gd name="connsiteY43" fmla="*/ 360921 h 874716"/>
+                <a:gd name="connsiteX44" fmla="*/ 3392158 w 6857455"/>
+                <a:gd name="connsiteY44" fmla="*/ 345681 h 874716"/>
+                <a:gd name="connsiteX45" fmla="*/ 3297856 w 6857455"/>
+                <a:gd name="connsiteY45" fmla="*/ 323010 h 874716"/>
+                <a:gd name="connsiteX46" fmla="*/ 3219748 w 6857455"/>
+                <a:gd name="connsiteY46" fmla="*/ 308151 h 874716"/>
+                <a:gd name="connsiteX47" fmla="*/ 3156692 w 6857455"/>
+                <a:gd name="connsiteY47" fmla="*/ 261668 h 874716"/>
+                <a:gd name="connsiteX48" fmla="*/ 3136497 w 6857455"/>
+                <a:gd name="connsiteY48" fmla="*/ 237663 h 874716"/>
+                <a:gd name="connsiteX49" fmla="*/ 3119733 w 6857455"/>
+                <a:gd name="connsiteY49" fmla="*/ 222233 h 874716"/>
+                <a:gd name="connsiteX50" fmla="*/ 3045436 w 6857455"/>
+                <a:gd name="connsiteY50" fmla="*/ 131742 h 874716"/>
+                <a:gd name="connsiteX51" fmla="*/ 3037054 w 6857455"/>
+                <a:gd name="connsiteY51" fmla="*/ 124121 h 874716"/>
+                <a:gd name="connsiteX52" fmla="*/ 2936466 w 6857455"/>
+                <a:gd name="connsiteY52" fmla="*/ 82400 h 874716"/>
+                <a:gd name="connsiteX53" fmla="*/ 2901031 w 6857455"/>
+                <a:gd name="connsiteY53" fmla="*/ 59731 h 874716"/>
+                <a:gd name="connsiteX54" fmla="*/ 2828259 w 6857455"/>
+                <a:gd name="connsiteY54" fmla="*/ 3149 h 874716"/>
+                <a:gd name="connsiteX55" fmla="*/ 2799492 w 6857455"/>
+                <a:gd name="connsiteY55" fmla="*/ 1245 h 874716"/>
+                <a:gd name="connsiteX56" fmla="*/ 2693570 w 6857455"/>
+                <a:gd name="connsiteY56" fmla="*/ 35154 h 874716"/>
+                <a:gd name="connsiteX57" fmla="*/ 2639847 w 6857455"/>
+                <a:gd name="connsiteY57" fmla="*/ 73448 h 874716"/>
+                <a:gd name="connsiteX58" fmla="*/ 2621178 w 6857455"/>
+                <a:gd name="connsiteY58" fmla="*/ 88688 h 874716"/>
+                <a:gd name="connsiteX59" fmla="*/ 2489348 w 6857455"/>
+                <a:gd name="connsiteY59" fmla="*/ 72304 h 874716"/>
+                <a:gd name="connsiteX60" fmla="*/ 2452580 w 6857455"/>
+                <a:gd name="connsiteY60" fmla="*/ 68683 h 874716"/>
+                <a:gd name="connsiteX61" fmla="*/ 2326464 w 6857455"/>
+                <a:gd name="connsiteY61" fmla="*/ 50395 h 874716"/>
+                <a:gd name="connsiteX62" fmla="*/ 2300365 w 6857455"/>
+                <a:gd name="connsiteY62" fmla="*/ 54777 h 874716"/>
+                <a:gd name="connsiteX63" fmla="*/ 2130434 w 6857455"/>
+                <a:gd name="connsiteY63" fmla="*/ 58397 h 874716"/>
+                <a:gd name="connsiteX64" fmla="*/ 2118621 w 6857455"/>
+                <a:gd name="connsiteY64" fmla="*/ 47919 h 874716"/>
+                <a:gd name="connsiteX65" fmla="*/ 2057659 w 6857455"/>
+                <a:gd name="connsiteY65" fmla="*/ 16866 h 874716"/>
+                <a:gd name="connsiteX66" fmla="*/ 1976314 w 6857455"/>
+                <a:gd name="connsiteY66" fmla="*/ 8865 h 874716"/>
+                <a:gd name="connsiteX67" fmla="*/ 1961454 w 6857455"/>
+                <a:gd name="connsiteY67" fmla="*/ 11724 h 874716"/>
+                <a:gd name="connsiteX68" fmla="*/ 1906588 w 6857455"/>
+                <a:gd name="connsiteY68" fmla="*/ 30964 h 874716"/>
+                <a:gd name="connsiteX69" fmla="*/ 1783330 w 6857455"/>
+                <a:gd name="connsiteY69" fmla="*/ 48871 h 874716"/>
+                <a:gd name="connsiteX70" fmla="*/ 1759327 w 6857455"/>
+                <a:gd name="connsiteY70" fmla="*/ 55349 h 874716"/>
+                <a:gd name="connsiteX71" fmla="*/ 1716082 w 6857455"/>
+                <a:gd name="connsiteY71" fmla="*/ 65445 h 874716"/>
+                <a:gd name="connsiteX72" fmla="*/ 1598920 w 6857455"/>
+                <a:gd name="connsiteY72" fmla="*/ 72114 h 874716"/>
+                <a:gd name="connsiteX73" fmla="*/ 1542150 w 6857455"/>
+                <a:gd name="connsiteY73" fmla="*/ 62207 h 874716"/>
+                <a:gd name="connsiteX74" fmla="*/ 1516813 w 6857455"/>
+                <a:gd name="connsiteY74" fmla="*/ 62779 h 874716"/>
+                <a:gd name="connsiteX75" fmla="*/ 1432228 w 6857455"/>
+                <a:gd name="connsiteY75" fmla="*/ 88116 h 874716"/>
+                <a:gd name="connsiteX76" fmla="*/ 1224765 w 6857455"/>
+                <a:gd name="connsiteY76" fmla="*/ 71924 h 874716"/>
+                <a:gd name="connsiteX77" fmla="*/ 1159231 w 6857455"/>
+                <a:gd name="connsiteY77" fmla="*/ 58207 h 874716"/>
+                <a:gd name="connsiteX78" fmla="*/ 1124370 w 6857455"/>
+                <a:gd name="connsiteY78" fmla="*/ 56301 h 874716"/>
+                <a:gd name="connsiteX79" fmla="*/ 1075600 w 6857455"/>
+                <a:gd name="connsiteY79" fmla="*/ 75542 h 874716"/>
+                <a:gd name="connsiteX80" fmla="*/ 986633 w 6857455"/>
+                <a:gd name="connsiteY80" fmla="*/ 79162 h 874716"/>
+                <a:gd name="connsiteX81" fmla="*/ 861089 w 6857455"/>
+                <a:gd name="connsiteY81" fmla="*/ 76304 h 874716"/>
+                <a:gd name="connsiteX82" fmla="*/ 759168 w 6857455"/>
+                <a:gd name="connsiteY82" fmla="*/ 104689 h 874716"/>
+                <a:gd name="connsiteX83" fmla="*/ 723735 w 6857455"/>
+                <a:gd name="connsiteY83" fmla="*/ 140696 h 874716"/>
+                <a:gd name="connsiteX84" fmla="*/ 647532 w 6857455"/>
+                <a:gd name="connsiteY84" fmla="*/ 147934 h 874716"/>
+                <a:gd name="connsiteX85" fmla="*/ 552659 w 6857455"/>
+                <a:gd name="connsiteY85" fmla="*/ 95926 h 874716"/>
+                <a:gd name="connsiteX86" fmla="*/ 541800 w 6857455"/>
+                <a:gd name="connsiteY86" fmla="*/ 97640 h 874716"/>
+                <a:gd name="connsiteX87" fmla="*/ 375107 w 6857455"/>
+                <a:gd name="connsiteY87" fmla="*/ 123169 h 874716"/>
+                <a:gd name="connsiteX88" fmla="*/ 273567 w 6857455"/>
+                <a:gd name="connsiteY88" fmla="*/ 145458 h 874716"/>
+                <a:gd name="connsiteX89" fmla="*/ 264043 w 6857455"/>
+                <a:gd name="connsiteY89" fmla="*/ 154792 h 874716"/>
+                <a:gd name="connsiteX90" fmla="*/ 169360 w 6857455"/>
+                <a:gd name="connsiteY90" fmla="*/ 177273 h 874716"/>
+                <a:gd name="connsiteX91" fmla="*/ 89347 w 6857455"/>
+                <a:gd name="connsiteY91" fmla="*/ 157460 h 874716"/>
+                <a:gd name="connsiteX92" fmla="*/ 34291 w 6857455"/>
+                <a:gd name="connsiteY92" fmla="*/ 145268 h 874716"/>
+                <a:gd name="connsiteX93" fmla="*/ 0 w 6857455"/>
+                <a:gd name="connsiteY93" fmla="*/ 142056 h 874716"/>
+                <a:gd name="connsiteX94" fmla="*/ 0 w 6857455"/>
+                <a:gd name="connsiteY94" fmla="*/ 849556 h 874716"/>
+                <a:gd name="connsiteX95" fmla="*/ 60652 w 6857455"/>
+                <a:gd name="connsiteY95" fmla="*/ 844783 h 874716"/>
+                <a:gd name="connsiteX96" fmla="*/ 119068 w 6857455"/>
+                <a:gd name="connsiteY96" fmla="*/ 827281 h 874716"/>
+                <a:gd name="connsiteX97" fmla="*/ 171840 w 6857455"/>
+                <a:gd name="connsiteY97" fmla="*/ 804420 h 874716"/>
+                <a:gd name="connsiteX98" fmla="*/ 274329 w 6857455"/>
+                <a:gd name="connsiteY98" fmla="*/ 794324 h 874716"/>
+                <a:gd name="connsiteX99" fmla="*/ 306715 w 6857455"/>
+                <a:gd name="connsiteY99" fmla="*/ 788798 h 874716"/>
+                <a:gd name="connsiteX100" fmla="*/ 393967 w 6857455"/>
+                <a:gd name="connsiteY100" fmla="*/ 765937 h 874716"/>
+                <a:gd name="connsiteX101" fmla="*/ 493793 w 6857455"/>
+                <a:gd name="connsiteY101" fmla="*/ 725549 h 874716"/>
+                <a:gd name="connsiteX102" fmla="*/ 546373 w 6857455"/>
+                <a:gd name="connsiteY102" fmla="*/ 740600 h 874716"/>
+                <a:gd name="connsiteX103" fmla="*/ 730211 w 6857455"/>
+                <a:gd name="connsiteY103" fmla="*/ 698116 h 874716"/>
+                <a:gd name="connsiteX104" fmla="*/ 784889 w 6857455"/>
+                <a:gd name="connsiteY104" fmla="*/ 676018 h 874716"/>
+                <a:gd name="connsiteX105" fmla="*/ 800509 w 6857455"/>
+                <a:gd name="connsiteY105" fmla="*/ 661349 h 874716"/>
+                <a:gd name="connsiteX106" fmla="*/ 857661 w 6857455"/>
+                <a:gd name="connsiteY106" fmla="*/ 626868 h 874716"/>
+                <a:gd name="connsiteX107" fmla="*/ 949102 w 6857455"/>
+                <a:gd name="connsiteY107" fmla="*/ 614676 h 874716"/>
+                <a:gd name="connsiteX108" fmla="*/ 960342 w 6857455"/>
+                <a:gd name="connsiteY108" fmla="*/ 607435 h 874716"/>
+                <a:gd name="connsiteX109" fmla="*/ 977109 w 6857455"/>
+                <a:gd name="connsiteY109" fmla="*/ 595815 h 874716"/>
+                <a:gd name="connsiteX110" fmla="*/ 1071218 w 6857455"/>
+                <a:gd name="connsiteY110" fmla="*/ 575240 h 874716"/>
+                <a:gd name="connsiteX111" fmla="*/ 1091983 w 6857455"/>
+                <a:gd name="connsiteY111" fmla="*/ 568764 h 874716"/>
+                <a:gd name="connsiteX112" fmla="*/ 1109321 w 6857455"/>
+                <a:gd name="connsiteY112" fmla="*/ 557904 h 874716"/>
+                <a:gd name="connsiteX113" fmla="*/ 1162279 w 6857455"/>
+                <a:gd name="connsiteY113" fmla="*/ 532949 h 874716"/>
+                <a:gd name="connsiteX114" fmla="*/ 1206097 w 6857455"/>
+                <a:gd name="connsiteY114" fmla="*/ 532187 h 874716"/>
+                <a:gd name="connsiteX115" fmla="*/ 1266867 w 6857455"/>
+                <a:gd name="connsiteY115" fmla="*/ 518088 h 874716"/>
+                <a:gd name="connsiteX116" fmla="*/ 1380219 w 6857455"/>
+                <a:gd name="connsiteY116" fmla="*/ 504182 h 874716"/>
+                <a:gd name="connsiteX117" fmla="*/ 1403461 w 6857455"/>
+                <a:gd name="connsiteY117" fmla="*/ 496180 h 874716"/>
+                <a:gd name="connsiteX118" fmla="*/ 1544054 w 6857455"/>
+                <a:gd name="connsiteY118" fmla="*/ 458268 h 874716"/>
+                <a:gd name="connsiteX119" fmla="*/ 1656644 w 6857455"/>
+                <a:gd name="connsiteY119" fmla="*/ 459032 h 874716"/>
+                <a:gd name="connsiteX120" fmla="*/ 1665406 w 6857455"/>
+                <a:gd name="connsiteY120" fmla="*/ 460747 h 874716"/>
+                <a:gd name="connsiteX121" fmla="*/ 1708461 w 6857455"/>
+                <a:gd name="connsiteY121" fmla="*/ 473318 h 874716"/>
+                <a:gd name="connsiteX122" fmla="*/ 1775140 w 6857455"/>
+                <a:gd name="connsiteY122" fmla="*/ 469891 h 874716"/>
+                <a:gd name="connsiteX123" fmla="*/ 1821051 w 6857455"/>
+                <a:gd name="connsiteY123" fmla="*/ 452554 h 874716"/>
+                <a:gd name="connsiteX124" fmla="*/ 1878203 w 6857455"/>
+                <a:gd name="connsiteY124" fmla="*/ 451792 h 874716"/>
+                <a:gd name="connsiteX125" fmla="*/ 1943547 w 6857455"/>
+                <a:gd name="connsiteY125" fmla="*/ 462651 h 874716"/>
+                <a:gd name="connsiteX126" fmla="*/ 1972884 w 6857455"/>
+                <a:gd name="connsiteY126" fmla="*/ 464937 h 874716"/>
+                <a:gd name="connsiteX127" fmla="*/ 2053469 w 6857455"/>
+                <a:gd name="connsiteY127" fmla="*/ 487417 h 874716"/>
+                <a:gd name="connsiteX128" fmla="*/ 2101477 w 6857455"/>
+                <a:gd name="connsiteY128" fmla="*/ 481893 h 874716"/>
+                <a:gd name="connsiteX129" fmla="*/ 2148722 w 6857455"/>
+                <a:gd name="connsiteY129" fmla="*/ 467033 h 874716"/>
+                <a:gd name="connsiteX130" fmla="*/ 2179011 w 6857455"/>
+                <a:gd name="connsiteY130" fmla="*/ 452744 h 874716"/>
+                <a:gd name="connsiteX131" fmla="*/ 2240165 w 6857455"/>
+                <a:gd name="connsiteY131" fmla="*/ 442648 h 874716"/>
+                <a:gd name="connsiteX132" fmla="*/ 2251404 w 6857455"/>
+                <a:gd name="connsiteY132" fmla="*/ 444172 h 874716"/>
+                <a:gd name="connsiteX133" fmla="*/ 2433912 w 6857455"/>
+                <a:gd name="connsiteY133" fmla="*/ 456746 h 874716"/>
+                <a:gd name="connsiteX134" fmla="*/ 2506302 w 6857455"/>
+                <a:gd name="connsiteY134" fmla="*/ 476939 h 874716"/>
+                <a:gd name="connsiteX135" fmla="*/ 2521735 w 6857455"/>
+                <a:gd name="connsiteY135" fmla="*/ 479415 h 874716"/>
+                <a:gd name="connsiteX136" fmla="*/ 2675854 w 6857455"/>
+                <a:gd name="connsiteY136" fmla="*/ 502086 h 874716"/>
+                <a:gd name="connsiteX137" fmla="*/ 2692998 w 6857455"/>
+                <a:gd name="connsiteY137" fmla="*/ 503038 h 874716"/>
+                <a:gd name="connsiteX138" fmla="*/ 2740816 w 6857455"/>
+                <a:gd name="connsiteY138" fmla="*/ 499037 h 874716"/>
+                <a:gd name="connsiteX139" fmla="*/ 2853596 w 6857455"/>
+                <a:gd name="connsiteY139" fmla="*/ 540187 h 874716"/>
+                <a:gd name="connsiteX140" fmla="*/ 2966565 w 6857455"/>
+                <a:gd name="connsiteY140" fmla="*/ 554286 h 874716"/>
+                <a:gd name="connsiteX141" fmla="*/ 3028671 w 6857455"/>
+                <a:gd name="connsiteY141" fmla="*/ 554094 h 874716"/>
+                <a:gd name="connsiteX142" fmla="*/ 3073059 w 6857455"/>
+                <a:gd name="connsiteY142" fmla="*/ 564192 h 874716"/>
+                <a:gd name="connsiteX143" fmla="*/ 3182219 w 6857455"/>
+                <a:gd name="connsiteY143" fmla="*/ 594862 h 874716"/>
+                <a:gd name="connsiteX144" fmla="*/ 3233656 w 6857455"/>
+                <a:gd name="connsiteY144" fmla="*/ 599625 h 874716"/>
+                <a:gd name="connsiteX145" fmla="*/ 3288332 w 6857455"/>
+                <a:gd name="connsiteY145" fmla="*/ 609914 h 874716"/>
+                <a:gd name="connsiteX146" fmla="*/ 3423591 w 6857455"/>
+                <a:gd name="connsiteY146" fmla="*/ 656015 h 874716"/>
+                <a:gd name="connsiteX147" fmla="*/ 3534084 w 6857455"/>
+                <a:gd name="connsiteY147" fmla="*/ 653349 h 874716"/>
+                <a:gd name="connsiteX148" fmla="*/ 3604571 w 6857455"/>
+                <a:gd name="connsiteY148" fmla="*/ 653918 h 874716"/>
+                <a:gd name="connsiteX149" fmla="*/ 3688586 w 6857455"/>
+                <a:gd name="connsiteY149" fmla="*/ 669160 h 874716"/>
+                <a:gd name="connsiteX150" fmla="*/ 3757358 w 6857455"/>
+                <a:gd name="connsiteY150" fmla="*/ 691450 h 874716"/>
+                <a:gd name="connsiteX151" fmla="*/ 3852421 w 6857455"/>
+                <a:gd name="connsiteY151" fmla="*/ 709167 h 874716"/>
+                <a:gd name="connsiteX152" fmla="*/ 3947104 w 6857455"/>
+                <a:gd name="connsiteY152" fmla="*/ 743267 h 874716"/>
+                <a:gd name="connsiteX153" fmla="*/ 4013208 w 6857455"/>
+                <a:gd name="connsiteY153" fmla="*/ 769367 h 874716"/>
+                <a:gd name="connsiteX154" fmla="*/ 4105222 w 6857455"/>
+                <a:gd name="connsiteY154" fmla="*/ 792417 h 874716"/>
+                <a:gd name="connsiteX155" fmla="*/ 4246006 w 6857455"/>
+                <a:gd name="connsiteY155" fmla="*/ 808610 h 874716"/>
+                <a:gd name="connsiteX156" fmla="*/ 4310779 w 6857455"/>
+                <a:gd name="connsiteY156" fmla="*/ 810326 h 874716"/>
+                <a:gd name="connsiteX157" fmla="*/ 4413272 w 6857455"/>
+                <a:gd name="connsiteY157" fmla="*/ 848235 h 874716"/>
+                <a:gd name="connsiteX158" fmla="*/ 4457087 w 6857455"/>
+                <a:gd name="connsiteY158" fmla="*/ 866524 h 874716"/>
+                <a:gd name="connsiteX159" fmla="*/ 4496523 w 6857455"/>
+                <a:gd name="connsiteY159" fmla="*/ 851284 h 874716"/>
+                <a:gd name="connsiteX160" fmla="*/ 4522050 w 6857455"/>
+                <a:gd name="connsiteY160" fmla="*/ 833757 h 874716"/>
+                <a:gd name="connsiteX161" fmla="*/ 4602824 w 6857455"/>
+                <a:gd name="connsiteY161" fmla="*/ 848618 h 874716"/>
+                <a:gd name="connsiteX162" fmla="*/ 4688553 w 6857455"/>
+                <a:gd name="connsiteY162" fmla="*/ 864238 h 874716"/>
+                <a:gd name="connsiteX163" fmla="*/ 4749895 w 6857455"/>
+                <a:gd name="connsiteY163" fmla="*/ 874716 h 874716"/>
+                <a:gd name="connsiteX164" fmla="*/ 4826480 w 6857455"/>
+                <a:gd name="connsiteY164" fmla="*/ 866334 h 874716"/>
+                <a:gd name="connsiteX165" fmla="*/ 4886870 w 6857455"/>
+                <a:gd name="connsiteY165" fmla="*/ 862906 h 874716"/>
+                <a:gd name="connsiteX166" fmla="*/ 4935639 w 6857455"/>
+                <a:gd name="connsiteY166" fmla="*/ 853190 h 874716"/>
+                <a:gd name="connsiteX167" fmla="*/ 4952784 w 6857455"/>
+                <a:gd name="connsiteY167" fmla="*/ 847473 h 874716"/>
+                <a:gd name="connsiteX168" fmla="*/ 5088617 w 6857455"/>
+                <a:gd name="connsiteY168" fmla="*/ 802896 h 874716"/>
+                <a:gd name="connsiteX169" fmla="*/ 5233781 w 6857455"/>
+                <a:gd name="connsiteY169" fmla="*/ 767271 h 874716"/>
+                <a:gd name="connsiteX170" fmla="*/ 5327893 w 6857455"/>
+                <a:gd name="connsiteY170" fmla="*/ 789752 h 874716"/>
+                <a:gd name="connsiteX171" fmla="*/ 5362946 w 6857455"/>
+                <a:gd name="connsiteY171" fmla="*/ 789370 h 874716"/>
+                <a:gd name="connsiteX172" fmla="*/ 5524115 w 6857455"/>
+                <a:gd name="connsiteY172" fmla="*/ 794514 h 874716"/>
+                <a:gd name="connsiteX173" fmla="*/ 5552500 w 6857455"/>
+                <a:gd name="connsiteY173" fmla="*/ 800038 h 874716"/>
+                <a:gd name="connsiteX174" fmla="*/ 5705857 w 6857455"/>
+                <a:gd name="connsiteY174" fmla="*/ 777367 h 874716"/>
+                <a:gd name="connsiteX175" fmla="*/ 5761485 w 6857455"/>
+                <a:gd name="connsiteY175" fmla="*/ 773557 h 874716"/>
+                <a:gd name="connsiteX176" fmla="*/ 5812731 w 6857455"/>
+                <a:gd name="connsiteY176" fmla="*/ 767271 h 874716"/>
+                <a:gd name="connsiteX177" fmla="*/ 5884361 w 6857455"/>
+                <a:gd name="connsiteY177" fmla="*/ 765747 h 874716"/>
+                <a:gd name="connsiteX178" fmla="*/ 5958660 w 6857455"/>
+                <a:gd name="connsiteY178" fmla="*/ 768605 h 874716"/>
+                <a:gd name="connsiteX179" fmla="*/ 6041528 w 6857455"/>
+                <a:gd name="connsiteY179" fmla="*/ 768033 h 874716"/>
+                <a:gd name="connsiteX180" fmla="*/ 6074297 w 6857455"/>
+                <a:gd name="connsiteY180" fmla="*/ 763081 h 874716"/>
+                <a:gd name="connsiteX181" fmla="*/ 6162880 w 6857455"/>
+                <a:gd name="connsiteY181" fmla="*/ 766509 h 874716"/>
+                <a:gd name="connsiteX182" fmla="*/ 6209364 w 6857455"/>
+                <a:gd name="connsiteY182" fmla="*/ 760795 h 874716"/>
+                <a:gd name="connsiteX183" fmla="*/ 6285948 w 6857455"/>
+                <a:gd name="connsiteY183" fmla="*/ 759651 h 874716"/>
+                <a:gd name="connsiteX184" fmla="*/ 6310905 w 6857455"/>
+                <a:gd name="connsiteY184" fmla="*/ 758316 h 874716"/>
+                <a:gd name="connsiteX185" fmla="*/ 6333194 w 6857455"/>
+                <a:gd name="connsiteY185" fmla="*/ 757554 h 874716"/>
+                <a:gd name="connsiteX186" fmla="*/ 6409586 w 6857455"/>
+                <a:gd name="connsiteY186" fmla="*/ 773177 h 874716"/>
+                <a:gd name="connsiteX187" fmla="*/ 6477407 w 6857455"/>
+                <a:gd name="connsiteY187" fmla="*/ 774129 h 874716"/>
+                <a:gd name="connsiteX188" fmla="*/ 6596283 w 6857455"/>
+                <a:gd name="connsiteY188" fmla="*/ 786703 h 874716"/>
+                <a:gd name="connsiteX189" fmla="*/ 6622573 w 6857455"/>
+                <a:gd name="connsiteY189" fmla="*/ 782321 h 874716"/>
+                <a:gd name="connsiteX190" fmla="*/ 6704872 w 6857455"/>
+                <a:gd name="connsiteY190" fmla="*/ 780607 h 874716"/>
+                <a:gd name="connsiteX191" fmla="*/ 6751738 w 6857455"/>
+                <a:gd name="connsiteY191" fmla="*/ 779273 h 874716"/>
+                <a:gd name="connsiteX192" fmla="*/ 6809650 w 6857455"/>
+                <a:gd name="connsiteY192" fmla="*/ 788417 h 874716"/>
+                <a:gd name="connsiteX193" fmla="*/ 6832976 w 6857455"/>
+                <a:gd name="connsiteY193" fmla="*/ 800428 h 874716"/>
+              </a:gdLst>
+              <a:ahLst/>
+              <a:cxnLst>
+                <a:cxn ang="0">
+                  <a:pos x="connsiteX0" y="connsiteY0"/>
+                </a:cxn>
+                <a:cxn ang="0">
+                  <a:pos x="connsiteX1" y="connsiteY1"/>
+                </a:cxn>
+                <a:cxn ang="0">
+                  <a:pos x="connsiteX2" y="connsiteY2"/>
+                </a:cxn>
+                <a:cxn ang="0">
+                  <a:pos x="connsiteX3" y="connsiteY3"/>
+                </a:cxn>
+                <a:cxn ang="0">
+                  <a:pos x="connsiteX4" y="connsiteY4"/>
+                </a:cxn>
+                <a:cxn ang="0">
+                  <a:pos x="connsiteX5" y="connsiteY5"/>
+                </a:cxn>
+                <a:cxn ang="0">
+                  <a:pos x="connsiteX6" y="connsiteY6"/>
+                </a:cxn>
+                <a:cxn ang="0">
+                  <a:pos x="connsiteX7" y="connsiteY7"/>
+                </a:cxn>
+                <a:cxn ang="0">
+                  <a:pos x="connsiteX8" y="connsiteY8"/>
+                </a:cxn>
+                <a:cxn ang="0">
+                  <a:pos x="connsiteX9" y="connsiteY9"/>
+                </a:cxn>
+                <a:cxn ang="0">
+                  <a:pos x="connsiteX10" y="connsiteY10"/>
+                </a:cxn>
+                <a:cxn ang="0">
+                  <a:pos x="connsiteX11" y="connsiteY11"/>
+                </a:cxn>
+                <a:cxn ang="0">
+                  <a:pos x="connsiteX12" y="connsiteY12"/>
+                </a:cxn>
+                <a:cxn ang="0">
+                  <a:pos x="connsiteX13" y="connsiteY13"/>
+                </a:cxn>
+                <a:cxn ang="0">
+                  <a:pos x="connsiteX14" y="connsiteY14"/>
+                </a:cxn>
+                <a:cxn ang="0">
+                  <a:pos x="connsiteX15" y="connsiteY15"/>
+                </a:cxn>
+                <a:cxn ang="0">
+                  <a:pos x="connsiteX16" y="connsiteY16"/>
+                </a:cxn>
+                <a:cxn ang="0">
+                  <a:pos x="connsiteX17" y="connsiteY17"/>
+                </a:cxn>
+                <a:cxn ang="0">
+                  <a:pos x="connsiteX18" y="connsiteY18"/>
+                </a:cxn>
+                <a:cxn ang="0">
+                  <a:pos x="connsiteX19" y="connsiteY19"/>
+                </a:cxn>
+                <a:cxn ang="0">
+                  <a:pos x="connsiteX20" y="connsiteY20"/>
+                </a:cxn>
+                <a:cxn ang="0">
+                  <a:pos x="connsiteX21" y="connsiteY21"/>
+                </a:cxn>
+                <a:cxn ang="0">
+                  <a:pos x="connsiteX22" y="connsiteY22"/>
+                </a:cxn>
+                <a:cxn ang="0">
+                  <a:pos x="connsiteX23" y="connsiteY23"/>
+                </a:cxn>
+                <a:cxn ang="0">
+                  <a:pos x="connsiteX24" y="connsiteY24"/>
+                </a:cxn>
+                <a:cxn ang="0">
+                  <a:pos x="connsiteX25" y="connsiteY25"/>
+                </a:cxn>
+                <a:cxn ang="0">
+                  <a:pos x="connsiteX26" y="connsiteY26"/>
+                </a:cxn>
+                <a:cxn ang="0">
+                  <a:pos x="connsiteX27" y="connsiteY27"/>
+                </a:cxn>
+                <a:cxn ang="0">
+                  <a:pos x="connsiteX28" y="connsiteY28"/>
+                </a:cxn>
+                <a:cxn ang="0">
+                  <a:pos x="connsiteX29" y="connsiteY29"/>
+                </a:cxn>
+                <a:cxn ang="0">
+                  <a:pos x="connsiteX30" y="connsiteY30"/>
+                </a:cxn>
+                <a:cxn ang="0">
+                  <a:pos x="connsiteX31" y="connsiteY31"/>
+                </a:cxn>
+                <a:cxn ang="0">
+                  <a:pos x="connsiteX32" y="connsiteY32"/>
+                </a:cxn>
+                <a:cxn ang="0">
+                  <a:pos x="connsiteX33" y="connsiteY33"/>
+                </a:cxn>
+                <a:cxn ang="0">
+                  <a:pos x="connsiteX34" y="connsiteY34"/>
+                </a:cxn>
+                <a:cxn ang="0">
+                  <a:pos x="connsiteX35" y="connsiteY35"/>
+                </a:cxn>
+                <a:cxn ang="0">
+                  <a:pos x="connsiteX36" y="connsiteY36"/>
+                </a:cxn>
+                <a:cxn ang="0">
+                  <a:pos x="connsiteX37" y="connsiteY37"/>
+                </a:cxn>
+                <a:cxn ang="0">
+                  <a:pos x="connsiteX38" y="connsiteY38"/>
+                </a:cxn>
+                <a:cxn ang="0">
+                  <a:pos x="connsiteX39" y="connsiteY39"/>
+                </a:cxn>
+                <a:cxn ang="0">
+                  <a:pos x="connsiteX40" y="connsiteY40"/>
+                </a:cxn>
+                <a:cxn ang="0">
+                  <a:pos x="connsiteX41" y="connsiteY41"/>
+                </a:cxn>
+                <a:cxn ang="0">
+                  <a:pos x="connsiteX42" y="connsiteY42"/>
+                </a:cxn>
+                <a:cxn ang="0">
+                  <a:pos x="connsiteX43" y="connsiteY43"/>
+                </a:cxn>
+                <a:cxn ang="0">
+                  <a:pos x="connsiteX44" y="connsiteY44"/>
+                </a:cxn>
+                <a:cxn ang="0">
+                  <a:pos x="connsiteX45" y="connsiteY45"/>
+                </a:cxn>
+                <a:cxn ang="0">
+                  <a:pos x="connsiteX46" y="connsiteY46"/>
+                </a:cxn>
+                <a:cxn ang="0">
+                  <a:pos x="connsiteX47" y="connsiteY47"/>
+                </a:cxn>
+                <a:cxn ang="0">
+                  <a:pos x="connsiteX48" y="connsiteY48"/>
+                </a:cxn>
+                <a:cxn ang="0">
+                  <a:pos x="connsiteX49" y="connsiteY49"/>
+                </a:cxn>
+                <a:cxn ang="0">
+                  <a:pos x="connsiteX50" y="connsiteY50"/>
+                </a:cxn>
+                <a:cxn ang="0">
+                  <a:pos x="connsiteX51" y="connsiteY51"/>
+                </a:cxn>
+                <a:cxn ang="0">
+                  <a:pos x="connsiteX52" y="connsiteY52"/>
+                </a:cxn>
+                <a:cxn ang="0">
+                  <a:pos x="connsiteX53" y="connsiteY53"/>
+                </a:cxn>
+                <a:cxn ang="0">
+                  <a:pos x="connsiteX54" y="connsiteY54"/>
+                </a:cxn>
+                <a:cxn ang="0">
+                  <a:pos x="connsiteX55" y="connsiteY55"/>
+                </a:cxn>
+                <a:cxn ang="0">
+                  <a:pos x="connsiteX56" y="connsiteY56"/>
+                </a:cxn>
+                <a:cxn ang="0">
+                  <a:pos x="connsiteX57" y="connsiteY57"/>
+                </a:cxn>
+                <a:cxn ang="0">
+                  <a:pos x="connsiteX58" y="connsiteY58"/>
+                </a:cxn>
+                <a:cxn ang="0">
+                  <a:pos x="connsiteX59" y="connsiteY59"/>
+                </a:cxn>
+                <a:cxn ang="0">
+                  <a:pos x="connsiteX60" y="connsiteY60"/>
+                </a:cxn>
+                <a:cxn ang="0">
+                  <a:pos x="connsiteX61" y="connsiteY61"/>
+                </a:cxn>
+                <a:cxn ang="0">
+                  <a:pos x="connsiteX62" y="connsiteY62"/>
+                </a:cxn>
+                <a:cxn ang="0">
+                  <a:pos x="connsiteX63" y="connsiteY63"/>
+                </a:cxn>
+                <a:cxn ang="0">
+                  <a:pos x="connsiteX64" y="connsiteY64"/>
+                </a:cxn>
+                <a:cxn ang="0">
+                  <a:pos x="connsiteX65" y="connsiteY65"/>
+                </a:cxn>
+                <a:cxn ang="0">
+                  <a:pos x="connsiteX66" y="connsiteY66"/>
+                </a:cxn>
+                <a:cxn ang="0">
+                  <a:pos x="connsiteX67" y="connsiteY67"/>
+                </a:cxn>
+                <a:cxn ang="0">
+                  <a:pos x="connsiteX68" y="connsiteY68"/>
+                </a:cxn>
+                <a:cxn ang="0">
+                  <a:pos x="connsiteX69" y="connsiteY69"/>
+                </a:cxn>
+                <a:cxn ang="0">
+                  <a:pos x="connsiteX70" y="connsiteY70"/>
+                </a:cxn>
+                <a:cxn ang="0">
+                  <a:pos x="connsiteX71" y="connsiteY71"/>
+                </a:cxn>
+                <a:cxn ang="0">
+                  <a:pos x="connsiteX72" y="connsiteY72"/>
+                </a:cxn>
+                <a:cxn ang="0">
+                  <a:pos x="connsiteX73" y="connsiteY73"/>
+                </a:cxn>
+                <a:cxn ang="0">
+                  <a:pos x="connsiteX74" y="connsiteY74"/>
+                </a:cxn>
+                <a:cxn ang="0">
+                  <a:pos x="connsiteX75" y="connsiteY75"/>
+                </a:cxn>
+                <a:cxn ang="0">
+                  <a:pos x="connsiteX76" y="connsiteY76"/>
+                </a:cxn>
+                <a:cxn ang="0">
+                  <a:pos x="connsiteX77" y="connsiteY77"/>
+                </a:cxn>
+                <a:cxn ang="0">
+                  <a:pos x="connsiteX78" y="connsiteY78"/>
+                </a:cxn>
+                <a:cxn ang="0">
+                  <a:pos x="connsiteX79" y="connsiteY79"/>
+                </a:cxn>
+                <a:cxn ang="0">
+                  <a:pos x="connsiteX80" y="connsiteY80"/>
+                </a:cxn>
+                <a:cxn ang="0">
+                  <a:pos x="connsiteX81" y="connsiteY81"/>
+                </a:cxn>
+                <a:cxn ang="0">
+                  <a:pos x="connsiteX82" y="connsiteY82"/>
+                </a:cxn>
+                <a:cxn ang="0">
+                  <a:pos x="connsiteX83" y="connsiteY83"/>
+                </a:cxn>
+                <a:cxn ang="0">
+                  <a:pos x="connsiteX84" y="connsiteY84"/>
+                </a:cxn>
+                <a:cxn ang="0">
+                  <a:pos x="connsiteX85" y="connsiteY85"/>
+                </a:cxn>
+                <a:cxn ang="0">
+                  <a:pos x="connsiteX86" y="connsiteY86"/>
+                </a:cxn>
+                <a:cxn ang="0">
+                  <a:pos x="connsiteX87" y="connsiteY87"/>
+                </a:cxn>
+                <a:cxn ang="0">
+                  <a:pos x="connsiteX88" y="connsiteY88"/>
+                </a:cxn>
+                <a:cxn ang="0">
+                  <a:pos x="connsiteX89" y="connsiteY89"/>
+                </a:cxn>
+                <a:cxn ang="0">
+                  <a:pos x="connsiteX90" y="connsiteY90"/>
+                </a:cxn>
+                <a:cxn ang="0">
+                  <a:pos x="connsiteX91" y="connsiteY91"/>
+                </a:cxn>
+                <a:cxn ang="0">
+                  <a:pos x="connsiteX92" y="connsiteY92"/>
+                </a:cxn>
+                <a:cxn ang="0">
+                  <a:pos x="connsiteX93" y="connsiteY93"/>
+                </a:cxn>
+                <a:cxn ang="0">
+                  <a:pos x="connsiteX94" y="connsiteY94"/>
+                </a:cxn>
+                <a:cxn ang="0">
+                  <a:pos x="connsiteX95" y="connsiteY95"/>
+                </a:cxn>
+                <a:cxn ang="0">
+                  <a:pos x="connsiteX96" y="connsiteY96"/>
+                </a:cxn>
+                <a:cxn ang="0">
+                  <a:pos x="connsiteX97" y="connsiteY97"/>
+                </a:cxn>
+                <a:cxn ang="0">
+                  <a:pos x="connsiteX98" y="connsiteY98"/>
+                </a:cxn>
+                <a:cxn ang="0">
+                  <a:pos x="connsiteX99" y="connsiteY99"/>
+                </a:cxn>
+                <a:cxn ang="0">
+                  <a:pos x="connsiteX100" y="connsiteY100"/>
+                </a:cxn>
+                <a:cxn ang="0">
+                  <a:pos x="connsiteX101" y="connsiteY101"/>
+                </a:cxn>
+                <a:cxn ang="0">
+                  <a:pos x="connsiteX102" y="connsiteY102"/>
+                </a:cxn>
+                <a:cxn ang="0">
+                  <a:pos x="connsiteX103" y="connsiteY103"/>
+                </a:cxn>
+                <a:cxn ang="0">
+                  <a:pos x="connsiteX104" y="connsiteY104"/>
+                </a:cxn>
+                <a:cxn ang="0">
+                  <a:pos x="connsiteX105" y="connsiteY105"/>
+                </a:cxn>
+                <a:cxn ang="0">
+                  <a:pos x="connsiteX106" y="connsiteY106"/>
+                </a:cxn>
+                <a:cxn ang="0">
+                  <a:pos x="connsiteX107" y="connsiteY107"/>
+                </a:cxn>
+                <a:cxn ang="0">
+                  <a:pos x="connsiteX108" y="connsiteY108"/>
+                </a:cxn>
+                <a:cxn ang="0">
+                  <a:pos x="connsiteX109" y="connsiteY109"/>
+                </a:cxn>
+                <a:cxn ang="0">
+                  <a:pos x="connsiteX110" y="connsiteY110"/>
+                </a:cxn>
+                <a:cxn ang="0">
+                  <a:pos x="connsiteX111" y="connsiteY111"/>
+                </a:cxn>
+                <a:cxn ang="0">
+                  <a:pos x="connsiteX112" y="connsiteY112"/>
+                </a:cxn>
+                <a:cxn ang="0">
+                  <a:pos x="connsiteX113" y="connsiteY113"/>
+                </a:cxn>
+                <a:cxn ang="0">
+                  <a:pos x="connsiteX114" y="connsiteY114"/>
+                </a:cxn>
+                <a:cxn ang="0">
+                  <a:pos x="connsiteX115" y="connsiteY115"/>
+                </a:cxn>
+                <a:cxn ang="0">
+                  <a:pos x="connsiteX116" y="connsiteY116"/>
+                </a:cxn>
+                <a:cxn ang="0">
+                  <a:pos x="connsiteX117" y="connsiteY117"/>
+                </a:cxn>
+                <a:cxn ang="0">
+                  <a:pos x="connsiteX118" y="connsiteY118"/>
+                </a:cxn>
+                <a:cxn ang="0">
+                  <a:pos x="connsiteX119" y="connsiteY119"/>
+                </a:cxn>
+                <a:cxn ang="0">
+                  <a:pos x="connsiteX120" y="connsiteY120"/>
+                </a:cxn>
+                <a:cxn ang="0">
+                  <a:pos x="connsiteX121" y="connsiteY121"/>
+                </a:cxn>
+                <a:cxn ang="0">
+                  <a:pos x="connsiteX122" y="connsiteY122"/>
+                </a:cxn>
+                <a:cxn ang="0">
+                  <a:pos x="connsiteX123" y="connsiteY123"/>
+                </a:cxn>
+                <a:cxn ang="0">
+                  <a:pos x="connsiteX124" y="connsiteY124"/>
+                </a:cxn>
+                <a:cxn ang="0">
+                  <a:pos x="connsiteX125" y="connsiteY125"/>
+                </a:cxn>
+                <a:cxn ang="0">
+                  <a:pos x="connsiteX126" y="connsiteY126"/>
+                </a:cxn>
+                <a:cxn ang="0">
+                  <a:pos x="connsiteX127" y="connsiteY127"/>
+                </a:cxn>
+                <a:cxn ang="0">
+                  <a:pos x="connsiteX128" y="connsiteY128"/>
+                </a:cxn>
+                <a:cxn ang="0">
+                  <a:pos x="connsiteX129" y="connsiteY129"/>
+                </a:cxn>
+                <a:cxn ang="0">
+                  <a:pos x="connsiteX130" y="connsiteY130"/>
+                </a:cxn>
+                <a:cxn ang="0">
+                  <a:pos x="connsiteX131" y="connsiteY131"/>
+                </a:cxn>
+                <a:cxn ang="0">
+                  <a:pos x="connsiteX132" y="connsiteY132"/>
+                </a:cxn>
+                <a:cxn ang="0">
+                  <a:pos x="connsiteX133" y="connsiteY133"/>
+                </a:cxn>
+                <a:cxn ang="0">
+                  <a:pos x="connsiteX134" y="connsiteY134"/>
+                </a:cxn>
+                <a:cxn ang="0">
+                  <a:pos x="connsiteX135" y="connsiteY135"/>
+                </a:cxn>
+                <a:cxn ang="0">
+                  <a:pos x="connsiteX136" y="connsiteY136"/>
+                </a:cxn>
+                <a:cxn ang="0">
+                  <a:pos x="connsiteX137" y="connsiteY137"/>
+                </a:cxn>
+                <a:cxn ang="0">
+                  <a:pos x="connsiteX138" y="connsiteY138"/>
+                </a:cxn>
+                <a:cxn ang="0">
+                  <a:pos x="connsiteX139" y="connsiteY139"/>
+                </a:cxn>
+                <a:cxn ang="0">
+                  <a:pos x="connsiteX140" y="connsiteY140"/>
+                </a:cxn>
+                <a:cxn ang="0">
+                  <a:pos x="connsiteX141" y="connsiteY141"/>
+                </a:cxn>
+                <a:cxn ang="0">
+                  <a:pos x="connsiteX142" y="connsiteY142"/>
+                </a:cxn>
+                <a:cxn ang="0">
+                  <a:pos x="connsiteX143" y="connsiteY143"/>
+                </a:cxn>
+                <a:cxn ang="0">
+                  <a:pos x="connsiteX144" y="connsiteY144"/>
+                </a:cxn>
+                <a:cxn ang="0">
+                  <a:pos x="connsiteX145" y="connsiteY145"/>
+                </a:cxn>
+                <a:cxn ang="0">
+                  <a:pos x="connsiteX146" y="connsiteY146"/>
+                </a:cxn>
+                <a:cxn ang="0">
+                  <a:pos x="connsiteX147" y="connsiteY147"/>
+                </a:cxn>
+                <a:cxn ang="0">
+                  <a:pos x="connsiteX148" y="connsiteY148"/>
+                </a:cxn>
+                <a:cxn ang="0">
+                  <a:pos x="connsiteX149" y="connsiteY149"/>
+                </a:cxn>
+                <a:cxn ang="0">
+                  <a:pos x="connsiteX150" y="connsiteY150"/>
+                </a:cxn>
+                <a:cxn ang="0">
+                  <a:pos x="connsiteX151" y="connsiteY151"/>
+                </a:cxn>
+                <a:cxn ang="0">
+                  <a:pos x="connsiteX152" y="connsiteY152"/>
+                </a:cxn>
+                <a:cxn ang="0">
+                  <a:pos x="connsiteX153" y="connsiteY153"/>
+                </a:cxn>
+                <a:cxn ang="0">
+                  <a:pos x="connsiteX154" y="connsiteY154"/>
+                </a:cxn>
+                <a:cxn ang="0">
+                  <a:pos x="connsiteX155" y="connsiteY155"/>
+                </a:cxn>
+                <a:cxn ang="0">
+                  <a:pos x="connsiteX156" y="connsiteY156"/>
+                </a:cxn>
+                <a:cxn ang="0">
+                  <a:pos x="connsiteX157" y="connsiteY157"/>
+                </a:cxn>
+                <a:cxn ang="0">
+                  <a:pos x="connsiteX158" y="connsiteY158"/>
+                </a:cxn>
+                <a:cxn ang="0">
+                  <a:pos x="connsiteX159" y="connsiteY159"/>
+                </a:cxn>
+                <a:cxn ang="0">
+                  <a:pos x="connsiteX160" y="connsiteY160"/>
+                </a:cxn>
+                <a:cxn ang="0">
+                  <a:pos x="connsiteX161" y="connsiteY161"/>
+                </a:cxn>
+                <a:cxn ang="0">
+                  <a:pos x="connsiteX162" y="connsiteY162"/>
+                </a:cxn>
+                <a:cxn ang="0">
+                  <a:pos x="connsiteX163" y="connsiteY163"/>
+                </a:cxn>
+                <a:cxn ang="0">
+                  <a:pos x="connsiteX164" y="connsiteY164"/>
+                </a:cxn>
+                <a:cxn ang="0">
+                  <a:pos x="connsiteX165" y="connsiteY165"/>
+                </a:cxn>
+                <a:cxn ang="0">
+                  <a:pos x="connsiteX166" y="connsiteY166"/>
+                </a:cxn>
+                <a:cxn ang="0">
+                  <a:pos x="connsiteX167" y="connsiteY167"/>
+                </a:cxn>
+                <a:cxn ang="0">
+                  <a:pos x="connsiteX168" y="connsiteY168"/>
+                </a:cxn>
+                <a:cxn ang="0">
+                  <a:pos x="connsiteX169" y="connsiteY169"/>
+                </a:cxn>
+                <a:cxn ang="0">
+                  <a:pos x="connsiteX170" y="connsiteY170"/>
+                </a:cxn>
+                <a:cxn ang="0">
+                  <a:pos x="connsiteX171" y="connsiteY171"/>
+                </a:cxn>
+                <a:cxn ang="0">
+                  <a:pos x="connsiteX172" y="connsiteY172"/>
+                </a:cxn>
+                <a:cxn ang="0">
+                  <a:pos x="connsiteX173" y="connsiteY173"/>
+                </a:cxn>
+                <a:cxn ang="0">
+                  <a:pos x="connsiteX174" y="connsiteY174"/>
+                </a:cxn>
+                <a:cxn ang="0">
+                  <a:pos x="connsiteX175" y="connsiteY175"/>
+                </a:cxn>
+                <a:cxn ang="0">
+                  <a:pos x="connsiteX176" y="connsiteY176"/>
+                </a:cxn>
+                <a:cxn ang="0">
+                  <a:pos x="connsiteX177" y="connsiteY177"/>
+                </a:cxn>
+                <a:cxn ang="0">
+                  <a:pos x="connsiteX178" y="connsiteY178"/>
+                </a:cxn>
+                <a:cxn ang="0">
+                  <a:pos x="connsiteX179" y="connsiteY179"/>
+                </a:cxn>
+                <a:cxn ang="0">
+                  <a:pos x="connsiteX180" y="connsiteY180"/>
+                </a:cxn>
+                <a:cxn ang="0">
+                  <a:pos x="connsiteX181" y="connsiteY181"/>
+                </a:cxn>
+                <a:cxn ang="0">
+                  <a:pos x="connsiteX182" y="connsiteY182"/>
+                </a:cxn>
+                <a:cxn ang="0">
+                  <a:pos x="connsiteX183" y="connsiteY183"/>
+                </a:cxn>
+                <a:cxn ang="0">
+                  <a:pos x="connsiteX184" y="connsiteY184"/>
+                </a:cxn>
+                <a:cxn ang="0">
+                  <a:pos x="connsiteX185" y="connsiteY185"/>
+                </a:cxn>
+                <a:cxn ang="0">
+                  <a:pos x="connsiteX186" y="connsiteY186"/>
+                </a:cxn>
+                <a:cxn ang="0">
+                  <a:pos x="connsiteX187" y="connsiteY187"/>
+                </a:cxn>
+                <a:cxn ang="0">
+                  <a:pos x="connsiteX188" y="connsiteY188"/>
+                </a:cxn>
+                <a:cxn ang="0">
+                  <a:pos x="connsiteX189" y="connsiteY189"/>
+                </a:cxn>
+                <a:cxn ang="0">
+                  <a:pos x="connsiteX190" y="connsiteY190"/>
+                </a:cxn>
+                <a:cxn ang="0">
+                  <a:pos x="connsiteX191" y="connsiteY191"/>
+                </a:cxn>
+                <a:cxn ang="0">
+                  <a:pos x="connsiteX192" y="connsiteY192"/>
+                </a:cxn>
+                <a:cxn ang="0">
+                  <a:pos x="connsiteX193" y="connsiteY193"/>
+                </a:cxn>
+              </a:cxnLst>
+              <a:rect l="l" t="t" r="r" b="b"/>
+              <a:pathLst>
+                <a:path w="6857455" h="874716">
+                  <a:moveTo>
+                    <a:pt x="6857455" y="804643"/>
+                  </a:moveTo>
+                  <a:lnTo>
+                    <a:pt x="6857455" y="562246"/>
+                  </a:lnTo>
+                  <a:lnTo>
+                    <a:pt x="6829178" y="551284"/>
+                  </a:lnTo>
+                  <a:cubicBezTo>
+                    <a:pt x="6805745" y="539044"/>
+                    <a:pt x="6784885" y="521708"/>
+                    <a:pt x="6766024" y="500372"/>
+                  </a:cubicBezTo>
+                  <a:cubicBezTo>
+                    <a:pt x="6755166" y="488179"/>
+                    <a:pt x="6746784" y="486845"/>
+                    <a:pt x="6734971" y="500944"/>
+                  </a:cubicBezTo>
+                  <a:cubicBezTo>
+                    <a:pt x="6721257" y="517326"/>
+                    <a:pt x="6701634" y="510850"/>
+                    <a:pt x="6683915" y="507040"/>
+                  </a:cubicBezTo>
+                  <a:cubicBezTo>
+                    <a:pt x="6665629" y="503230"/>
+                    <a:pt x="6647148" y="499228"/>
+                    <a:pt x="6628860" y="495418"/>
+                  </a:cubicBezTo>
+                  <a:cubicBezTo>
+                    <a:pt x="6615335" y="492752"/>
+                    <a:pt x="6601999" y="490466"/>
+                    <a:pt x="6588662" y="487227"/>
+                  </a:cubicBezTo>
+                  <a:cubicBezTo>
+                    <a:pt x="6547133" y="477129"/>
+                    <a:pt x="6509794" y="480177"/>
+                    <a:pt x="6476074" y="511230"/>
+                  </a:cubicBezTo>
+                  <a:cubicBezTo>
+                    <a:pt x="6450356" y="535043"/>
+                    <a:pt x="6417399" y="542093"/>
+                    <a:pt x="6382345" y="534853"/>
+                  </a:cubicBezTo>
+                  <a:cubicBezTo>
+                    <a:pt x="6377963" y="533901"/>
+                    <a:pt x="6372439" y="530091"/>
+                    <a:pt x="6369391" y="531615"/>
+                  </a:cubicBezTo>
+                  <a:cubicBezTo>
+                    <a:pt x="6323479" y="553904"/>
+                    <a:pt x="6287092" y="514658"/>
+                    <a:pt x="6244799" y="512182"/>
+                  </a:cubicBezTo>
+                  <a:cubicBezTo>
+                    <a:pt x="6226130" y="511040"/>
+                    <a:pt x="6207079" y="496942"/>
+                    <a:pt x="6190315" y="485703"/>
+                  </a:cubicBezTo>
+                  <a:cubicBezTo>
+                    <a:pt x="6167262" y="470271"/>
+                    <a:pt x="6146687" y="455412"/>
+                    <a:pt x="6115446" y="462270"/>
+                  </a:cubicBezTo>
+                  <a:cubicBezTo>
+                    <a:pt x="6084203" y="469319"/>
+                    <a:pt x="6055627" y="456364"/>
+                    <a:pt x="6032194" y="434266"/>
+                  </a:cubicBezTo>
+                  <a:cubicBezTo>
+                    <a:pt x="6014287" y="417501"/>
+                    <a:pt x="5994665" y="415977"/>
+                    <a:pt x="5971042" y="420738"/>
+                  </a:cubicBezTo>
+                  <a:cubicBezTo>
+                    <a:pt x="5941513" y="426645"/>
+                    <a:pt x="5910842" y="427027"/>
+                    <a:pt x="5880933" y="430646"/>
+                  </a:cubicBezTo>
+                  <a:cubicBezTo>
+                    <a:pt x="5874454" y="431408"/>
+                    <a:pt x="5866265" y="434076"/>
+                    <a:pt x="5862452" y="438648"/>
+                  </a:cubicBezTo>
+                  <a:cubicBezTo>
+                    <a:pt x="5815779" y="495418"/>
+                    <a:pt x="5750055" y="495990"/>
+                    <a:pt x="5685283" y="498658"/>
+                  </a:cubicBezTo>
+                  <a:cubicBezTo>
+                    <a:pt x="5646039" y="500372"/>
+                    <a:pt x="5606604" y="500372"/>
+                    <a:pt x="5567169" y="499420"/>
+                  </a:cubicBezTo>
+                  <a:cubicBezTo>
+                    <a:pt x="5553832" y="499228"/>
+                    <a:pt x="5539736" y="496180"/>
+                    <a:pt x="5527923" y="490466"/>
+                  </a:cubicBezTo>
+                  <a:cubicBezTo>
+                    <a:pt x="5503348" y="478463"/>
+                    <a:pt x="5480680" y="462843"/>
+                    <a:pt x="5456292" y="450650"/>
+                  </a:cubicBezTo>
+                  <a:cubicBezTo>
+                    <a:pt x="5447151" y="445886"/>
+                    <a:pt x="5435338" y="445696"/>
+                    <a:pt x="5424670" y="444934"/>
+                  </a:cubicBezTo>
+                  <a:cubicBezTo>
+                    <a:pt x="5405809" y="443410"/>
+                    <a:pt x="5384854" y="447982"/>
+                    <a:pt x="5368662" y="441124"/>
+                  </a:cubicBezTo>
+                  <a:cubicBezTo>
+                    <a:pt x="5326559" y="423407"/>
+                    <a:pt x="5287123" y="427407"/>
+                    <a:pt x="5247118" y="444934"/>
+                  </a:cubicBezTo>
+                  <a:cubicBezTo>
+                    <a:pt x="5191108" y="469509"/>
+                    <a:pt x="5138148" y="467605"/>
+                    <a:pt x="5088617" y="428742"/>
+                  </a:cubicBezTo>
+                  <a:cubicBezTo>
+                    <a:pt x="5066328" y="411215"/>
+                    <a:pt x="5044609" y="419596"/>
+                    <a:pt x="5025750" y="433694"/>
+                  </a:cubicBezTo>
+                  <a:cubicBezTo>
+                    <a:pt x="5004032" y="450078"/>
+                    <a:pt x="4982885" y="454268"/>
+                    <a:pt x="4957930" y="442268"/>
+                  </a:cubicBezTo>
+                  <a:cubicBezTo>
+                    <a:pt x="4952404" y="439600"/>
+                    <a:pt x="4944594" y="440933"/>
+                    <a:pt x="4938116" y="441886"/>
+                  </a:cubicBezTo>
+                  <a:cubicBezTo>
+                    <a:pt x="4901158" y="446648"/>
+                    <a:pt x="4864009" y="454650"/>
+                    <a:pt x="4833910" y="421693"/>
+                  </a:cubicBezTo>
+                  <a:cubicBezTo>
+                    <a:pt x="4828004" y="415214"/>
+                    <a:pt x="4818097" y="412549"/>
+                    <a:pt x="4810095" y="408167"/>
+                  </a:cubicBezTo>
+                  <a:cubicBezTo>
+                    <a:pt x="4776566" y="390258"/>
+                    <a:pt x="4777900" y="391974"/>
+                    <a:pt x="4747991" y="413691"/>
+                  </a:cubicBezTo>
+                  <a:cubicBezTo>
+                    <a:pt x="4732369" y="425121"/>
+                    <a:pt x="4710842" y="436742"/>
+                    <a:pt x="4692745" y="435790"/>
+                  </a:cubicBezTo>
+                  <a:cubicBezTo>
+                    <a:pt x="4583584" y="430075"/>
+                    <a:pt x="4479758" y="457508"/>
+                    <a:pt x="4375933" y="483417"/>
+                  </a:cubicBezTo>
+                  <a:cubicBezTo>
+                    <a:pt x="4311923" y="499420"/>
+                    <a:pt x="4249436" y="500372"/>
+                    <a:pt x="4185426" y="484179"/>
+                  </a:cubicBezTo>
+                  <a:cubicBezTo>
+                    <a:pt x="4139133" y="472367"/>
+                    <a:pt x="4095315" y="491800"/>
+                    <a:pt x="4052072" y="505134"/>
+                  </a:cubicBezTo>
+                  <a:cubicBezTo>
+                    <a:pt x="4043117" y="507799"/>
+                    <a:pt x="4034735" y="518278"/>
+                    <a:pt x="4029973" y="527233"/>
+                  </a:cubicBezTo>
+                  <a:cubicBezTo>
+                    <a:pt x="4012826" y="558858"/>
+                    <a:pt x="3984441" y="563810"/>
+                    <a:pt x="3948626" y="550666"/>
+                  </a:cubicBezTo>
+                  <a:cubicBezTo>
+                    <a:pt x="3920241" y="540377"/>
+                    <a:pt x="3894332" y="526661"/>
+                    <a:pt x="3871280" y="502275"/>
+                  </a:cubicBezTo>
+                  <a:cubicBezTo>
+                    <a:pt x="3844229" y="473701"/>
+                    <a:pt x="3816224" y="441124"/>
+                    <a:pt x="3774312" y="429122"/>
+                  </a:cubicBezTo>
+                  <a:cubicBezTo>
+                    <a:pt x="3756214" y="423979"/>
+                    <a:pt x="3740593" y="423217"/>
+                    <a:pt x="3721543" y="428552"/>
+                  </a:cubicBezTo>
+                  <a:cubicBezTo>
+                    <a:pt x="3684583" y="438837"/>
+                    <a:pt x="3647436" y="446078"/>
+                    <a:pt x="3612763" y="414263"/>
+                  </a:cubicBezTo>
+                  <a:cubicBezTo>
+                    <a:pt x="3593712" y="396736"/>
+                    <a:pt x="3567994" y="385496"/>
+                    <a:pt x="3537323" y="389878"/>
+                  </a:cubicBezTo>
+                  <a:cubicBezTo>
+                    <a:pt x="3499031" y="395402"/>
+                    <a:pt x="3464168" y="381496"/>
+                    <a:pt x="3431593" y="360921"/>
+                  </a:cubicBezTo>
+                  <a:cubicBezTo>
+                    <a:pt x="3419971" y="353491"/>
+                    <a:pt x="3405682" y="349301"/>
+                    <a:pt x="3392158" y="345681"/>
+                  </a:cubicBezTo>
+                  <a:cubicBezTo>
+                    <a:pt x="3360915" y="337298"/>
+                    <a:pt x="3329480" y="329868"/>
+                    <a:pt x="3297856" y="323010"/>
+                  </a:cubicBezTo>
+                  <a:cubicBezTo>
+                    <a:pt x="3271948" y="317296"/>
+                    <a:pt x="3245849" y="313104"/>
+                    <a:pt x="3219748" y="308151"/>
+                  </a:cubicBezTo>
+                  <a:cubicBezTo>
+                    <a:pt x="3191173" y="302817"/>
+                    <a:pt x="3168502" y="290433"/>
+                    <a:pt x="3156692" y="261668"/>
+                  </a:cubicBezTo>
+                  <a:cubicBezTo>
+                    <a:pt x="3152882" y="252524"/>
+                    <a:pt x="3143737" y="245283"/>
+                    <a:pt x="3136497" y="237663"/>
+                  </a:cubicBezTo>
+                  <a:cubicBezTo>
+                    <a:pt x="3131355" y="232139"/>
+                    <a:pt x="3124495" y="227947"/>
+                    <a:pt x="3119733" y="222233"/>
+                  </a:cubicBezTo>
+                  <a:cubicBezTo>
+                    <a:pt x="3094776" y="192132"/>
+                    <a:pt x="3070201" y="161843"/>
+                    <a:pt x="3045436" y="131742"/>
+                  </a:cubicBezTo>
+                  <a:cubicBezTo>
+                    <a:pt x="3042958" y="128884"/>
+                    <a:pt x="3040292" y="125455"/>
+                    <a:pt x="3037054" y="124121"/>
+                  </a:cubicBezTo>
+                  <a:cubicBezTo>
+                    <a:pt x="3003525" y="110215"/>
+                    <a:pt x="2969614" y="97070"/>
+                    <a:pt x="2936466" y="82400"/>
+                  </a:cubicBezTo>
+                  <a:cubicBezTo>
+                    <a:pt x="2923702" y="76686"/>
+                    <a:pt x="2910558" y="69637"/>
+                    <a:pt x="2901031" y="59731"/>
+                  </a:cubicBezTo>
+                  <a:cubicBezTo>
+                    <a:pt x="2879314" y="37250"/>
+                    <a:pt x="2859502" y="12866"/>
+                    <a:pt x="2828259" y="3149"/>
+                  </a:cubicBezTo>
+                  <a:cubicBezTo>
+                    <a:pt x="2819114" y="293"/>
+                    <a:pt x="2808256" y="-1231"/>
+                    <a:pt x="2799492" y="1245"/>
+                  </a:cubicBezTo>
+                  <a:cubicBezTo>
+                    <a:pt x="2763867" y="11532"/>
+                    <a:pt x="2729005" y="24296"/>
+                    <a:pt x="2693570" y="35154"/>
+                  </a:cubicBezTo>
+                  <a:cubicBezTo>
+                    <a:pt x="2671092" y="41823"/>
+                    <a:pt x="2650707" y="49825"/>
+                    <a:pt x="2639847" y="73448"/>
+                  </a:cubicBezTo>
+                  <a:cubicBezTo>
+                    <a:pt x="2636801" y="80114"/>
+                    <a:pt x="2628226" y="87354"/>
+                    <a:pt x="2621178" y="88688"/>
+                  </a:cubicBezTo>
+                  <a:cubicBezTo>
+                    <a:pt x="2575839" y="97260"/>
+                    <a:pt x="2531069" y="101451"/>
+                    <a:pt x="2489348" y="72304"/>
+                  </a:cubicBezTo>
+                  <a:cubicBezTo>
+                    <a:pt x="2480585" y="66017"/>
+                    <a:pt x="2464201" y="66017"/>
+                    <a:pt x="2452580" y="68683"/>
+                  </a:cubicBezTo>
+                  <a:cubicBezTo>
+                    <a:pt x="2407811" y="78590"/>
+                    <a:pt x="2365328" y="82020"/>
+                    <a:pt x="2326464" y="50395"/>
+                  </a:cubicBezTo>
+                  <a:cubicBezTo>
+                    <a:pt x="2321892" y="46585"/>
+                    <a:pt x="2307224" y="50015"/>
+                    <a:pt x="2300365" y="54777"/>
+                  </a:cubicBezTo>
+                  <a:cubicBezTo>
+                    <a:pt x="2234259" y="101261"/>
+                    <a:pt x="2198064" y="102405"/>
+                    <a:pt x="2130434" y="58397"/>
+                  </a:cubicBezTo>
+                  <a:cubicBezTo>
+                    <a:pt x="2126052" y="55539"/>
+                    <a:pt x="2120337" y="52301"/>
+                    <a:pt x="2118621" y="47919"/>
+                  </a:cubicBezTo>
+                  <a:cubicBezTo>
+                    <a:pt x="2107001" y="19914"/>
+                    <a:pt x="2082236" y="19152"/>
+                    <a:pt x="2057659" y="16866"/>
+                  </a:cubicBezTo>
+                  <a:cubicBezTo>
+                    <a:pt x="2030608" y="14390"/>
+                    <a:pt x="2003555" y="11152"/>
+                    <a:pt x="1976314" y="8865"/>
+                  </a:cubicBezTo>
+                  <a:cubicBezTo>
+                    <a:pt x="1971550" y="8483"/>
+                    <a:pt x="1966216" y="10007"/>
+                    <a:pt x="1961454" y="11724"/>
+                  </a:cubicBezTo>
+                  <a:cubicBezTo>
+                    <a:pt x="1943165" y="18010"/>
+                    <a:pt x="1925449" y="27154"/>
+                    <a:pt x="1906588" y="30964"/>
+                  </a:cubicBezTo>
+                  <a:cubicBezTo>
+                    <a:pt x="1865821" y="39156"/>
+                    <a:pt x="1826385" y="55539"/>
+                    <a:pt x="1783330" y="48871"/>
+                  </a:cubicBezTo>
+                  <a:cubicBezTo>
+                    <a:pt x="1775902" y="47729"/>
+                    <a:pt x="1767327" y="53253"/>
+                    <a:pt x="1759327" y="55349"/>
+                  </a:cubicBezTo>
+                  <a:cubicBezTo>
+                    <a:pt x="1744849" y="58969"/>
+                    <a:pt x="1730750" y="64111"/>
+                    <a:pt x="1716082" y="65445"/>
+                  </a:cubicBezTo>
+                  <a:cubicBezTo>
+                    <a:pt x="1677218" y="68875"/>
+                    <a:pt x="1637975" y="71924"/>
+                    <a:pt x="1598920" y="72114"/>
+                  </a:cubicBezTo>
+                  <a:cubicBezTo>
+                    <a:pt x="1580061" y="72304"/>
+                    <a:pt x="1561201" y="65065"/>
+                    <a:pt x="1542150" y="62207"/>
+                  </a:cubicBezTo>
+                  <a:cubicBezTo>
+                    <a:pt x="1533578" y="60873"/>
+                    <a:pt x="1519669" y="58587"/>
+                    <a:pt x="1516813" y="62779"/>
+                  </a:cubicBezTo>
+                  <a:cubicBezTo>
+                    <a:pt x="1494714" y="94592"/>
+                    <a:pt x="1463661" y="88496"/>
+                    <a:pt x="1432228" y="88116"/>
+                  </a:cubicBezTo>
+                  <a:cubicBezTo>
+                    <a:pt x="1362884" y="87354"/>
+                    <a:pt x="1295826" y="60493"/>
+                    <a:pt x="1224765" y="71924"/>
+                  </a:cubicBezTo>
+                  <a:cubicBezTo>
+                    <a:pt x="1204191" y="75162"/>
+                    <a:pt x="1181330" y="62397"/>
+                    <a:pt x="1159231" y="58207"/>
+                  </a:cubicBezTo>
+                  <a:cubicBezTo>
+                    <a:pt x="1147801" y="56111"/>
+                    <a:pt x="1135228" y="53633"/>
+                    <a:pt x="1124370" y="56301"/>
+                  </a:cubicBezTo>
+                  <a:cubicBezTo>
+                    <a:pt x="1107605" y="60493"/>
+                    <a:pt x="1091411" y="68113"/>
+                    <a:pt x="1075600" y="75542"/>
+                  </a:cubicBezTo>
+                  <a:cubicBezTo>
+                    <a:pt x="1046261" y="89258"/>
+                    <a:pt x="1016162" y="89258"/>
+                    <a:pt x="986633" y="79162"/>
+                  </a:cubicBezTo>
+                  <a:cubicBezTo>
+                    <a:pt x="944722" y="64873"/>
+                    <a:pt x="903193" y="64873"/>
+                    <a:pt x="861089" y="76304"/>
+                  </a:cubicBezTo>
+                  <a:cubicBezTo>
+                    <a:pt x="826990" y="85638"/>
+                    <a:pt x="791935" y="92116"/>
+                    <a:pt x="759168" y="104689"/>
+                  </a:cubicBezTo>
+                  <a:cubicBezTo>
+                    <a:pt x="744689" y="110215"/>
+                    <a:pt x="732497" y="126597"/>
+                    <a:pt x="723735" y="140696"/>
+                  </a:cubicBezTo>
+                  <a:cubicBezTo>
+                    <a:pt x="706018" y="169271"/>
+                    <a:pt x="674013" y="169081"/>
+                    <a:pt x="647532" y="147934"/>
+                  </a:cubicBezTo>
+                  <a:cubicBezTo>
+                    <a:pt x="619717" y="125645"/>
+                    <a:pt x="584664" y="112501"/>
+                    <a:pt x="552659" y="95926"/>
+                  </a:cubicBezTo>
+                  <a:cubicBezTo>
+                    <a:pt x="549993" y="94592"/>
+                    <a:pt x="545039" y="96116"/>
+                    <a:pt x="541800" y="97640"/>
+                  </a:cubicBezTo>
+                  <a:cubicBezTo>
+                    <a:pt x="488649" y="122407"/>
+                    <a:pt x="433593" y="126979"/>
+                    <a:pt x="375107" y="123169"/>
+                  </a:cubicBezTo>
+                  <a:cubicBezTo>
+                    <a:pt x="341960" y="121073"/>
+                    <a:pt x="307289" y="137076"/>
+                    <a:pt x="273567" y="145458"/>
+                  </a:cubicBezTo>
+                  <a:cubicBezTo>
+                    <a:pt x="269757" y="146410"/>
+                    <a:pt x="266519" y="151174"/>
+                    <a:pt x="264043" y="154792"/>
+                  </a:cubicBezTo>
+                  <a:cubicBezTo>
+                    <a:pt x="240228" y="190800"/>
+                    <a:pt x="208223" y="200706"/>
+                    <a:pt x="169360" y="177273"/>
+                  </a:cubicBezTo>
+                  <a:cubicBezTo>
+                    <a:pt x="143643" y="161651"/>
+                    <a:pt x="118114" y="158032"/>
+                    <a:pt x="89347" y="157460"/>
+                  </a:cubicBezTo>
+                  <a:cubicBezTo>
+                    <a:pt x="71059" y="157078"/>
+                    <a:pt x="52962" y="147934"/>
+                    <a:pt x="34291" y="145268"/>
+                  </a:cubicBezTo>
+                  <a:lnTo>
+                    <a:pt x="0" y="142056"/>
+                  </a:lnTo>
+                  <a:lnTo>
+                    <a:pt x="0" y="849556"/>
+                  </a:lnTo>
+                  <a:lnTo>
+                    <a:pt x="60652" y="844783"/>
+                  </a:lnTo>
+                  <a:cubicBezTo>
+                    <a:pt x="80251" y="839473"/>
+                    <a:pt x="99446" y="832043"/>
+                    <a:pt x="119068" y="827281"/>
+                  </a:cubicBezTo>
+                  <a:cubicBezTo>
+                    <a:pt x="137355" y="822899"/>
+                    <a:pt x="154501" y="812802"/>
+                    <a:pt x="171840" y="804420"/>
+                  </a:cubicBezTo>
+                  <a:cubicBezTo>
+                    <a:pt x="204985" y="788417"/>
+                    <a:pt x="240420" y="798514"/>
+                    <a:pt x="274329" y="794324"/>
+                  </a:cubicBezTo>
+                  <a:cubicBezTo>
+                    <a:pt x="285188" y="792990"/>
+                    <a:pt x="296046" y="791466"/>
+                    <a:pt x="306715" y="788798"/>
+                  </a:cubicBezTo>
+                  <a:cubicBezTo>
+                    <a:pt x="335864" y="781749"/>
+                    <a:pt x="365583" y="775653"/>
+                    <a:pt x="393967" y="765937"/>
+                  </a:cubicBezTo>
+                  <a:cubicBezTo>
+                    <a:pt x="426165" y="755078"/>
+                    <a:pt x="457028" y="740600"/>
+                    <a:pt x="493793" y="725549"/>
+                  </a:cubicBezTo>
+                  <a:cubicBezTo>
+                    <a:pt x="506557" y="729360"/>
+                    <a:pt x="526180" y="739648"/>
+                    <a:pt x="546373" y="740600"/>
+                  </a:cubicBezTo>
+                  <a:cubicBezTo>
+                    <a:pt x="611337" y="743838"/>
+                    <a:pt x="672107" y="726121"/>
+                    <a:pt x="730211" y="698116"/>
+                  </a:cubicBezTo>
+                  <a:cubicBezTo>
+                    <a:pt x="747927" y="689734"/>
+                    <a:pt x="766980" y="684210"/>
+                    <a:pt x="784889" y="676018"/>
+                  </a:cubicBezTo>
+                  <a:cubicBezTo>
+                    <a:pt x="791173" y="673161"/>
+                    <a:pt x="799365" y="667065"/>
+                    <a:pt x="800509" y="661349"/>
+                  </a:cubicBezTo>
+                  <a:cubicBezTo>
+                    <a:pt x="807175" y="628201"/>
+                    <a:pt x="831942" y="628772"/>
+                    <a:pt x="857661" y="626868"/>
+                  </a:cubicBezTo>
+                  <a:cubicBezTo>
+                    <a:pt x="888332" y="624582"/>
+                    <a:pt x="918621" y="619248"/>
+                    <a:pt x="949102" y="614676"/>
+                  </a:cubicBezTo>
+                  <a:cubicBezTo>
+                    <a:pt x="953104" y="614104"/>
+                    <a:pt x="956722" y="610104"/>
+                    <a:pt x="960342" y="607435"/>
+                  </a:cubicBezTo>
+                  <a:cubicBezTo>
+                    <a:pt x="965867" y="603435"/>
+                    <a:pt x="971011" y="597339"/>
+                    <a:pt x="977109" y="595815"/>
+                  </a:cubicBezTo>
+                  <a:cubicBezTo>
+                    <a:pt x="1008350" y="588385"/>
+                    <a:pt x="1039783" y="582099"/>
+                    <a:pt x="1071218" y="575240"/>
+                  </a:cubicBezTo>
+                  <a:cubicBezTo>
+                    <a:pt x="1078266" y="573716"/>
+                    <a:pt x="1085505" y="571812"/>
+                    <a:pt x="1091983" y="568764"/>
+                  </a:cubicBezTo>
+                  <a:cubicBezTo>
+                    <a:pt x="1098079" y="565906"/>
+                    <a:pt x="1103223" y="560952"/>
+                    <a:pt x="1109321" y="557904"/>
+                  </a:cubicBezTo>
+                  <a:cubicBezTo>
+                    <a:pt x="1125892" y="549714"/>
+                    <a:pt x="1142851" y="542093"/>
+                    <a:pt x="1162279" y="532949"/>
+                  </a:cubicBezTo>
+                  <a:cubicBezTo>
+                    <a:pt x="1173138" y="550094"/>
+                    <a:pt x="1187810" y="540377"/>
+                    <a:pt x="1206097" y="532187"/>
+                  </a:cubicBezTo>
+                  <a:cubicBezTo>
+                    <a:pt x="1224765" y="523805"/>
+                    <a:pt x="1246292" y="521137"/>
+                    <a:pt x="1266867" y="518088"/>
+                  </a:cubicBezTo>
+                  <a:cubicBezTo>
+                    <a:pt x="1304588" y="512564"/>
+                    <a:pt x="1342499" y="509134"/>
+                    <a:pt x="1380219" y="504182"/>
+                  </a:cubicBezTo>
+                  <a:cubicBezTo>
+                    <a:pt x="1388221" y="503038"/>
+                    <a:pt x="1397365" y="500944"/>
+                    <a:pt x="1403461" y="496180"/>
+                  </a:cubicBezTo>
+                  <a:cubicBezTo>
+                    <a:pt x="1445181" y="464175"/>
+                    <a:pt x="1495858" y="455222"/>
+                    <a:pt x="1544054" y="458268"/>
+                  </a:cubicBezTo>
+                  <a:cubicBezTo>
+                    <a:pt x="1581965" y="460557"/>
+                    <a:pt x="1619114" y="462270"/>
+                    <a:pt x="1656644" y="459032"/>
+                  </a:cubicBezTo>
+                  <a:cubicBezTo>
+                    <a:pt x="1659502" y="458841"/>
+                    <a:pt x="1663312" y="459223"/>
+                    <a:pt x="1665406" y="460747"/>
+                  </a:cubicBezTo>
+                  <a:cubicBezTo>
+                    <a:pt x="1678360" y="470843"/>
+                    <a:pt x="1691887" y="471605"/>
+                    <a:pt x="1708461" y="473318"/>
+                  </a:cubicBezTo>
+                  <a:cubicBezTo>
+                    <a:pt x="1731894" y="475797"/>
+                    <a:pt x="1753421" y="474081"/>
+                    <a:pt x="1775140" y="469891"/>
+                  </a:cubicBezTo>
+                  <a:cubicBezTo>
+                    <a:pt x="1790952" y="466843"/>
+                    <a:pt x="1806953" y="460557"/>
+                    <a:pt x="1821051" y="452554"/>
+                  </a:cubicBezTo>
+                  <a:cubicBezTo>
+                    <a:pt x="1840672" y="441314"/>
+                    <a:pt x="1859535" y="436934"/>
+                    <a:pt x="1878203" y="451792"/>
+                  </a:cubicBezTo>
+                  <a:cubicBezTo>
+                    <a:pt x="1898396" y="467605"/>
+                    <a:pt x="1921257" y="462081"/>
+                    <a:pt x="1943547" y="462651"/>
+                  </a:cubicBezTo>
+                  <a:cubicBezTo>
+                    <a:pt x="1953262" y="462843"/>
+                    <a:pt x="1963550" y="462461"/>
+                    <a:pt x="1972884" y="464937"/>
+                  </a:cubicBezTo>
+                  <a:cubicBezTo>
+                    <a:pt x="1999935" y="471987"/>
+                    <a:pt x="2026036" y="482655"/>
+                    <a:pt x="2053469" y="487417"/>
+                  </a:cubicBezTo>
+                  <a:cubicBezTo>
+                    <a:pt x="2068710" y="490084"/>
+                    <a:pt x="2085664" y="485321"/>
+                    <a:pt x="2101477" y="481893"/>
+                  </a:cubicBezTo>
+                  <a:cubicBezTo>
+                    <a:pt x="2117479" y="478273"/>
+                    <a:pt x="2133290" y="472749"/>
+                    <a:pt x="2148722" y="467033"/>
+                  </a:cubicBezTo>
+                  <a:cubicBezTo>
+                    <a:pt x="2159199" y="463223"/>
+                    <a:pt x="2170629" y="459603"/>
+                    <a:pt x="2179011" y="452744"/>
+                  </a:cubicBezTo>
+                  <a:cubicBezTo>
+                    <a:pt x="2198064" y="437124"/>
+                    <a:pt x="2217685" y="434455"/>
+                    <a:pt x="2240165" y="442648"/>
+                  </a:cubicBezTo>
+                  <a:cubicBezTo>
+                    <a:pt x="2243593" y="443982"/>
+                    <a:pt x="2247594" y="443982"/>
+                    <a:pt x="2251404" y="444172"/>
+                  </a:cubicBezTo>
+                  <a:cubicBezTo>
+                    <a:pt x="2312370" y="448172"/>
+                    <a:pt x="2373330" y="450650"/>
+                    <a:pt x="2433912" y="456746"/>
+                  </a:cubicBezTo>
+                  <a:cubicBezTo>
+                    <a:pt x="2458485" y="459223"/>
+                    <a:pt x="2482107" y="470081"/>
+                    <a:pt x="2506302" y="476939"/>
+                  </a:cubicBezTo>
+                  <a:cubicBezTo>
+                    <a:pt x="2511256" y="478273"/>
+                    <a:pt x="2516783" y="480369"/>
+                    <a:pt x="2521735" y="479415"/>
+                  </a:cubicBezTo>
+                  <a:cubicBezTo>
+                    <a:pt x="2575647" y="469891"/>
+                    <a:pt x="2626132" y="483797"/>
+                    <a:pt x="2675854" y="502086"/>
+                  </a:cubicBezTo>
+                  <a:cubicBezTo>
+                    <a:pt x="2680996" y="503992"/>
+                    <a:pt x="2687282" y="503419"/>
+                    <a:pt x="2692998" y="503038"/>
+                  </a:cubicBezTo>
+                  <a:cubicBezTo>
+                    <a:pt x="2709003" y="501706"/>
+                    <a:pt x="2726337" y="495038"/>
+                    <a:pt x="2740816" y="499037"/>
+                  </a:cubicBezTo>
+                  <a:cubicBezTo>
+                    <a:pt x="2779297" y="510088"/>
+                    <a:pt x="2817398" y="523423"/>
+                    <a:pt x="2853596" y="540187"/>
+                  </a:cubicBezTo>
+                  <a:cubicBezTo>
+                    <a:pt x="2890365" y="557142"/>
+                    <a:pt x="2924464" y="571430"/>
+                    <a:pt x="2966565" y="554286"/>
+                  </a:cubicBezTo>
+                  <a:cubicBezTo>
+                    <a:pt x="2984472" y="547045"/>
+                    <a:pt x="3008095" y="552190"/>
+                    <a:pt x="3028671" y="554094"/>
+                  </a:cubicBezTo>
+                  <a:cubicBezTo>
+                    <a:pt x="3043720" y="555618"/>
+                    <a:pt x="3058198" y="564192"/>
+                    <a:pt x="3073059" y="564192"/>
+                  </a:cubicBezTo>
+                  <a:cubicBezTo>
+                    <a:pt x="3112686" y="564192"/>
+                    <a:pt x="3147927" y="574288"/>
+                    <a:pt x="3182219" y="594862"/>
+                  </a:cubicBezTo>
+                  <a:cubicBezTo>
+                    <a:pt x="3195557" y="602863"/>
+                    <a:pt x="3216322" y="597529"/>
+                    <a:pt x="3233656" y="599625"/>
+                  </a:cubicBezTo>
+                  <a:cubicBezTo>
+                    <a:pt x="3251947" y="602101"/>
+                    <a:pt x="3270804" y="604387"/>
+                    <a:pt x="3288332" y="609914"/>
+                  </a:cubicBezTo>
+                  <a:cubicBezTo>
+                    <a:pt x="3333672" y="624392"/>
+                    <a:pt x="3378441" y="640774"/>
+                    <a:pt x="3423591" y="656015"/>
+                  </a:cubicBezTo>
+                  <a:cubicBezTo>
+                    <a:pt x="3460738" y="668590"/>
+                    <a:pt x="3497317" y="658683"/>
+                    <a:pt x="3534084" y="653349"/>
+                  </a:cubicBezTo>
+                  <a:cubicBezTo>
+                    <a:pt x="3557137" y="649919"/>
+                    <a:pt x="3578662" y="641727"/>
+                    <a:pt x="3604571" y="653918"/>
+                  </a:cubicBezTo>
+                  <a:cubicBezTo>
+                    <a:pt x="3629338" y="665541"/>
+                    <a:pt x="3660771" y="662873"/>
+                    <a:pt x="3688586" y="669160"/>
+                  </a:cubicBezTo>
+                  <a:cubicBezTo>
+                    <a:pt x="3712020" y="674494"/>
+                    <a:pt x="3734687" y="683068"/>
+                    <a:pt x="3757358" y="691450"/>
+                  </a:cubicBezTo>
+                  <a:cubicBezTo>
+                    <a:pt x="3788221" y="702881"/>
+                    <a:pt x="3818700" y="714881"/>
+                    <a:pt x="3852421" y="709167"/>
+                  </a:cubicBezTo>
+                  <a:cubicBezTo>
+                    <a:pt x="3890714" y="702689"/>
+                    <a:pt x="3917001" y="727073"/>
+                    <a:pt x="3947104" y="743267"/>
+                  </a:cubicBezTo>
+                  <a:cubicBezTo>
+                    <a:pt x="3967869" y="754316"/>
+                    <a:pt x="3990538" y="762509"/>
+                    <a:pt x="4013208" y="769367"/>
+                  </a:cubicBezTo>
+                  <a:cubicBezTo>
+                    <a:pt x="4043497" y="778321"/>
+                    <a:pt x="4074740" y="783655"/>
+                    <a:pt x="4105222" y="792417"/>
+                  </a:cubicBezTo>
+                  <a:cubicBezTo>
+                    <a:pt x="4151325" y="805561"/>
+                    <a:pt x="4198001" y="815850"/>
+                    <a:pt x="4246006" y="808610"/>
+                  </a:cubicBezTo>
+                  <a:cubicBezTo>
+                    <a:pt x="4268105" y="805372"/>
+                    <a:pt x="4288682" y="805561"/>
+                    <a:pt x="4310779" y="810326"/>
+                  </a:cubicBezTo>
+                  <a:cubicBezTo>
+                    <a:pt x="4346974" y="818136"/>
+                    <a:pt x="4384123" y="819089"/>
+                    <a:pt x="4413272" y="848235"/>
+                  </a:cubicBezTo>
+                  <a:cubicBezTo>
+                    <a:pt x="4423558" y="858524"/>
+                    <a:pt x="4442037" y="861190"/>
+                    <a:pt x="4457087" y="866524"/>
+                  </a:cubicBezTo>
+                  <a:cubicBezTo>
+                    <a:pt x="4474424" y="872812"/>
+                    <a:pt x="4487186" y="869572"/>
+                    <a:pt x="4496523" y="851284"/>
+                  </a:cubicBezTo>
+                  <a:cubicBezTo>
+                    <a:pt x="4500713" y="843093"/>
+                    <a:pt x="4512715" y="835091"/>
+                    <a:pt x="4522050" y="833757"/>
+                  </a:cubicBezTo>
+                  <a:cubicBezTo>
+                    <a:pt x="4550055" y="829757"/>
+                    <a:pt x="4575773" y="835663"/>
+                    <a:pt x="4602824" y="848618"/>
+                  </a:cubicBezTo>
+                  <a:cubicBezTo>
+                    <a:pt x="4628161" y="860810"/>
+                    <a:pt x="4659786" y="859476"/>
+                    <a:pt x="4688553" y="864238"/>
+                  </a:cubicBezTo>
+                  <a:cubicBezTo>
+                    <a:pt x="4708936" y="867668"/>
+                    <a:pt x="4729321" y="874716"/>
+                    <a:pt x="4749895" y="874716"/>
+                  </a:cubicBezTo>
+                  <a:cubicBezTo>
+                    <a:pt x="4775424" y="874716"/>
+                    <a:pt x="4800761" y="868620"/>
+                    <a:pt x="4826480" y="866334"/>
+                  </a:cubicBezTo>
+                  <a:cubicBezTo>
+                    <a:pt x="4846482" y="864430"/>
+                    <a:pt x="4866867" y="865192"/>
+                    <a:pt x="4886870" y="862906"/>
+                  </a:cubicBezTo>
+                  <a:cubicBezTo>
+                    <a:pt x="4903254" y="861190"/>
+                    <a:pt x="4919447" y="856810"/>
+                    <a:pt x="4935639" y="853190"/>
+                  </a:cubicBezTo>
+                  <a:cubicBezTo>
+                    <a:pt x="4941546" y="851856"/>
+                    <a:pt x="4947452" y="846711"/>
+                    <a:pt x="4952784" y="847473"/>
+                  </a:cubicBezTo>
+                  <a:cubicBezTo>
+                    <a:pt x="5005745" y="855666"/>
+                    <a:pt x="5043847" y="819089"/>
+                    <a:pt x="5088617" y="802896"/>
+                  </a:cubicBezTo>
+                  <a:cubicBezTo>
+                    <a:pt x="5135672" y="785749"/>
+                    <a:pt x="5181204" y="759461"/>
+                    <a:pt x="5233781" y="767271"/>
+                  </a:cubicBezTo>
+                  <a:cubicBezTo>
+                    <a:pt x="5265596" y="772033"/>
+                    <a:pt x="5296267" y="783083"/>
+                    <a:pt x="5327893" y="789752"/>
+                  </a:cubicBezTo>
+                  <a:cubicBezTo>
+                    <a:pt x="5339132" y="792038"/>
+                    <a:pt x="5351705" y="791656"/>
+                    <a:pt x="5362946" y="789370"/>
+                  </a:cubicBezTo>
+                  <a:cubicBezTo>
+                    <a:pt x="5417240" y="778891"/>
+                    <a:pt x="5470771" y="777367"/>
+                    <a:pt x="5524115" y="794514"/>
+                  </a:cubicBezTo>
+                  <a:cubicBezTo>
+                    <a:pt x="5533257" y="797372"/>
+                    <a:pt x="5542974" y="800038"/>
+                    <a:pt x="5552500" y="800038"/>
+                  </a:cubicBezTo>
+                  <a:cubicBezTo>
+                    <a:pt x="5604697" y="800038"/>
+                    <a:pt x="5655944" y="796038"/>
+                    <a:pt x="5705857" y="777367"/>
+                  </a:cubicBezTo>
+                  <a:cubicBezTo>
+                    <a:pt x="5722622" y="771080"/>
+                    <a:pt x="5743006" y="775081"/>
+                    <a:pt x="5761485" y="773557"/>
+                  </a:cubicBezTo>
+                  <a:cubicBezTo>
+                    <a:pt x="5778629" y="772224"/>
+                    <a:pt x="5796156" y="771653"/>
+                    <a:pt x="5812731" y="767271"/>
+                  </a:cubicBezTo>
+                  <a:cubicBezTo>
+                    <a:pt x="5836925" y="760795"/>
+                    <a:pt x="5859404" y="760033"/>
+                    <a:pt x="5884361" y="765747"/>
+                  </a:cubicBezTo>
+                  <a:cubicBezTo>
+                    <a:pt x="5908174" y="771080"/>
+                    <a:pt x="5933892" y="768415"/>
+                    <a:pt x="5958660" y="768605"/>
+                  </a:cubicBezTo>
+                  <a:cubicBezTo>
+                    <a:pt x="5986282" y="768795"/>
+                    <a:pt x="6013906" y="768984"/>
+                    <a:pt x="6041528" y="768033"/>
+                  </a:cubicBezTo>
+                  <a:cubicBezTo>
+                    <a:pt x="6052579" y="767653"/>
+                    <a:pt x="6065151" y="760033"/>
+                    <a:pt x="6074297" y="763081"/>
+                  </a:cubicBezTo>
+                  <a:cubicBezTo>
+                    <a:pt x="6103824" y="773366"/>
+                    <a:pt x="6133353" y="760985"/>
+                    <a:pt x="6162880" y="766509"/>
+                  </a:cubicBezTo>
+                  <a:cubicBezTo>
+                    <a:pt x="6177360" y="769367"/>
+                    <a:pt x="6193743" y="761557"/>
+                    <a:pt x="6209364" y="760795"/>
+                  </a:cubicBezTo>
+                  <a:cubicBezTo>
+                    <a:pt x="6234892" y="759461"/>
+                    <a:pt x="6260419" y="760033"/>
+                    <a:pt x="6285948" y="759651"/>
+                  </a:cubicBezTo>
+                  <a:cubicBezTo>
+                    <a:pt x="6294330" y="759461"/>
+                    <a:pt x="6302523" y="758699"/>
+                    <a:pt x="6310905" y="758316"/>
+                  </a:cubicBezTo>
+                  <a:cubicBezTo>
+                    <a:pt x="6318335" y="757936"/>
+                    <a:pt x="6326145" y="756222"/>
+                    <a:pt x="6333194" y="757554"/>
+                  </a:cubicBezTo>
+                  <a:cubicBezTo>
+                    <a:pt x="6358723" y="762318"/>
+                    <a:pt x="6383869" y="770129"/>
+                    <a:pt x="6409586" y="773177"/>
+                  </a:cubicBezTo>
+                  <a:cubicBezTo>
+                    <a:pt x="6431875" y="775843"/>
+                    <a:pt x="6454928" y="772224"/>
+                    <a:pt x="6477407" y="774129"/>
+                  </a:cubicBezTo>
+                  <a:cubicBezTo>
+                    <a:pt x="6517032" y="777367"/>
+                    <a:pt x="6556657" y="783083"/>
+                    <a:pt x="6596283" y="786703"/>
+                  </a:cubicBezTo>
+                  <a:cubicBezTo>
+                    <a:pt x="6604857" y="787465"/>
+                    <a:pt x="6613809" y="782701"/>
+                    <a:pt x="6622573" y="782321"/>
+                  </a:cubicBezTo>
+                  <a:cubicBezTo>
+                    <a:pt x="6650006" y="781369"/>
+                    <a:pt x="6677439" y="781177"/>
+                    <a:pt x="6704872" y="780607"/>
+                  </a:cubicBezTo>
+                  <a:cubicBezTo>
+                    <a:pt x="6720493" y="780415"/>
+                    <a:pt x="6736305" y="780987"/>
+                    <a:pt x="6751738" y="779273"/>
+                  </a:cubicBezTo>
+                  <a:cubicBezTo>
+                    <a:pt x="6772120" y="776987"/>
+                    <a:pt x="6790599" y="773557"/>
+                    <a:pt x="6809650" y="788417"/>
+                  </a:cubicBezTo>
+                  <a:cubicBezTo>
+                    <a:pt x="6816984" y="794180"/>
+                    <a:pt x="6824819" y="797942"/>
+                    <a:pt x="6832976" y="800428"/>
+                  </a:cubicBezTo>
+                  <a:close/>
+                </a:path>
+              </a:pathLst>
+            </a:custGeom>
+            <a:blipFill dpi="0" rotWithShape="1">
+              <a:blip r:embed="rId3">
+                <a:alphaModFix amt="57000"/>
+              </a:blip>
+              <a:srcRect/>
+              <a:tile tx="0" ty="0" sx="100000" sy="100000" flip="none" algn="tl"/>
+            </a:blipFill>
+            <a:ln>
+              <a:noFill/>
+            </a:ln>
+            <a:effectLst/>
+          </p:spPr>
+          <p:style>
+            <a:lnRef idx="2">
+              <a:schemeClr val="accent1">
+                <a:shade val="50000"/>
+              </a:schemeClr>
+            </a:lnRef>
+            <a:fillRef idx="1">
+              <a:schemeClr val="accent1"/>
+            </a:fillRef>
+            <a:effectRef idx="0">
+              <a:schemeClr val="accent1"/>
+            </a:effectRef>
+            <a:fontRef idx="minor">
+              <a:schemeClr val="lt1"/>
+            </a:fontRef>
+          </p:style>
+          <p:txBody>
+            <a:bodyPr wrap="square" rtlCol="0" anchor="ctr">
+              <a:noAutofit/>
+            </a:bodyPr>
+            <a:lstStyle/>
+            <a:p>
+              <a:pPr algn="ctr"/>
+              <a:endParaRPr lang="en-US"/>
+            </a:p>
+          </p:txBody>
+        </p:sp>
+      </p:grpSp>
       <p:sp>
         <p:nvSpPr>
           <p:cNvPr id="3" name="Content Placeholder 2">
@@ -16958,52 +21851,57 @@
             <p:ph idx="1"/>
           </p:nvPr>
         </p:nvSpPr>
-        <p:spPr/>
+        <p:spPr>
+          <a:xfrm>
+            <a:off x="762000" y="3109956"/>
+            <a:ext cx="4400549" cy="3167019"/>
+          </a:xfrm>
+        </p:spPr>
         <p:txBody>
-          <a:bodyPr>
-            <a:normAutofit fontScale="92500" lnSpcReduction="10000"/>
+          <a:bodyPr anchor="t">
+            <a:normAutofit/>
           </a:bodyPr>
           <a:lstStyle/>
           <a:p>
             <a:r>
-              <a:rPr lang="en-US" dirty="0"/>
+              <a:rPr lang="en-US" sz="2400"/>
               <a:t>Introduction</a:t>
             </a:r>
           </a:p>
           <a:p>
             <a:r>
-              <a:rPr lang="en-US" dirty="0"/>
+              <a:rPr lang="en-US" sz="2400"/>
               <a:t>Objective</a:t>
             </a:r>
           </a:p>
           <a:p>
             <a:r>
-              <a:rPr lang="en-US" dirty="0"/>
+              <a:rPr lang="en-US" sz="2400"/>
               <a:t>Dataset Summary</a:t>
             </a:r>
           </a:p>
           <a:p>
             <a:r>
-              <a:rPr lang="en-US" dirty="0"/>
+              <a:rPr lang="en-US" sz="2400"/>
               <a:t>Data Pre-processing</a:t>
             </a:r>
           </a:p>
           <a:p>
             <a:r>
-              <a:rPr lang="en-US" dirty="0"/>
+              <a:rPr lang="en-US" sz="2400"/>
               <a:t>Feature Engineering</a:t>
             </a:r>
           </a:p>
           <a:p>
             <a:r>
-              <a:rPr lang="en-US" dirty="0"/>
+              <a:rPr lang="en-US" sz="2400"/>
               <a:t>Model Prediction Report – </a:t>
             </a:r>
             <a:br>
-              <a:rPr lang="en-US" dirty="0"/>
+              <a:rPr lang="en-US" sz="2400"/>
             </a:br>
             <a:r>
-              <a:rPr lang="en-US" dirty="0"/>
+              <a:rPr lang="en-US" sz="2400"/>
               <a:t>Random Forest Classifier</a:t>
             </a:r>
           </a:p>
@@ -42017,6 +46915,14 @@
 <file path=ppt/slides/slide9.xml><?xml version="1.0" encoding="utf-8"?>
 <p:sld xmlns:a="http://schemas.openxmlformats.org/drawingml/2006/main" xmlns:r="http://schemas.openxmlformats.org/officeDocument/2006/relationships" xmlns:p="http://schemas.openxmlformats.org/presentationml/2006/main">
   <p:cSld>
+    <p:bg>
+      <p:bgPr>
+        <a:solidFill>
+          <a:schemeClr val="bg1"/>
+        </a:solidFill>
+        <a:effectLst/>
+      </p:bgPr>
+    </p:bg>
     <p:spTree>
       <p:nvGrpSpPr>
         <p:cNvPr id="1" name=""/>
@@ -42031,6 +46937,82 @@
           <a:chExt cx="0" cy="0"/>
         </a:xfrm>
       </p:grpSpPr>
+      <p:sp useBgFill="1">
+        <p:nvSpPr>
+          <p:cNvPr id="14" name="Rectangle 13">
+            <a:extLst>
+              <a:ext uri="{FF2B5EF4-FFF2-40B4-BE49-F238E27FC236}">
+                <a16:creationId xmlns:a16="http://schemas.microsoft.com/office/drawing/2014/main" id="{B95B9BA8-1D69-4796-85F5-B6D0BD52354B}"/>
+              </a:ext>
+              <a:ext uri="{C183D7F6-B498-43B3-948B-1728B52AA6E4}">
+                <adec:decorative xmlns:adec="http://schemas.microsoft.com/office/drawing/2017/decorative" val="1"/>
+              </a:ext>
+            </a:extLst>
+          </p:cNvPr>
+          <p:cNvSpPr>
+            <a:spLocks noGrp="1" noRot="1" noChangeAspect="1" noMove="1" noResize="1" noEditPoints="1" noAdjustHandles="1" noChangeArrowheads="1" noChangeShapeType="1" noTextEdit="1"/>
+          </p:cNvSpPr>
+          <p:nvPr>
+            <p:extLst>
+              <p:ext uri="{386F3935-93C4-4BCD-93E2-E3B085C9AB24}">
+                <p16:designElem xmlns:p16="http://schemas.microsoft.com/office/powerpoint/2015/main" val="1"/>
+              </p:ext>
+            </p:extLst>
+          </p:nvPr>
+        </p:nvSpPr>
+        <p:spPr>
+          <a:xfrm>
+            <a:off x="0" y="0"/>
+            <a:ext cx="12192000" cy="6858000"/>
+          </a:xfrm>
+          <a:prstGeom prst="rect">
+            <a:avLst/>
+          </a:prstGeom>
+          <a:ln w="12700" cap="flat" cmpd="sng" algn="ctr">
+            <a:noFill/>
+            <a:prstDash val="solid"/>
+            <a:miter lim="800000"/>
+          </a:ln>
+          <a:effectLst/>
+          <a:extLst>
+            <a:ext uri="{91240B29-F687-4F45-9708-019B960494DF}">
+              <a14:hiddenLine xmlns:a14="http://schemas.microsoft.com/office/drawing/2010/main" w="12700" cap="flat" cmpd="sng" algn="ctr">
+                <a:solidFill>
+                  <a:schemeClr val="accent1">
+                    <a:shade val="50000"/>
+                  </a:schemeClr>
+                </a:solidFill>
+                <a:prstDash val="solid"/>
+                <a:miter lim="800000"/>
+              </a14:hiddenLine>
+            </a:ext>
+          </a:extLst>
+        </p:spPr>
+        <p:style>
+          <a:lnRef idx="2">
+            <a:schemeClr val="accent1">
+              <a:shade val="50000"/>
+            </a:schemeClr>
+          </a:lnRef>
+          <a:fillRef idx="1">
+            <a:schemeClr val="accent1"/>
+          </a:fillRef>
+          <a:effectRef idx="0">
+            <a:schemeClr val="accent1"/>
+          </a:effectRef>
+          <a:fontRef idx="minor">
+            <a:schemeClr val="lt1"/>
+          </a:fontRef>
+        </p:style>
+        <p:txBody>
+          <a:bodyPr rtlCol="0" anchor="ctr"/>
+          <a:lstStyle/>
+          <a:p>
+            <a:pPr algn="ctr"/>
+            <a:endParaRPr lang="en-US"/>
+          </a:p>
+        </p:txBody>
+      </p:sp>
       <p:sp>
         <p:nvSpPr>
           <p:cNvPr id="2" name="Title 1">
@@ -42049,25 +47031,25 @@
         </p:nvSpPr>
         <p:spPr>
           <a:xfrm>
-            <a:off x="792145" y="911050"/>
-            <a:ext cx="9144000" cy="1263649"/>
+            <a:off x="7519039" y="2664383"/>
+            <a:ext cx="3810001" cy="1901824"/>
           </a:xfrm>
         </p:spPr>
         <p:txBody>
-          <a:bodyPr>
-            <a:normAutofit fontScale="90000"/>
+          <a:bodyPr anchor="b">
+            <a:normAutofit/>
           </a:bodyPr>
           <a:lstStyle/>
           <a:p>
             <a:r>
-              <a:rPr lang="en-US" dirty="0"/>
+              <a:rPr lang="en-US" sz="3100" dirty="0"/>
               <a:t>MODEL PREDICTION REPORT – </a:t>
             </a:r>
             <a:br>
-              <a:rPr lang="en-US" dirty="0"/>
+              <a:rPr lang="en-US" sz="3100" dirty="0"/>
             </a:br>
             <a:r>
-              <a:rPr lang="en-US" dirty="0"/>
+              <a:rPr lang="en-US" sz="3100" dirty="0"/>
               <a:t>RANDOM FOREST CLASSIFIER</a:t>
             </a:r>
           </a:p>
@@ -42075,19 +47057,17 @@
       </p:sp>
       <p:pic>
         <p:nvPicPr>
-          <p:cNvPr id="5" name="Content Placeholder 4">
+          <p:cNvPr id="7" name="Content Placeholder 6">
             <a:extLst>
               <a:ext uri="{FF2B5EF4-FFF2-40B4-BE49-F238E27FC236}">
-                <a16:creationId xmlns:a16="http://schemas.microsoft.com/office/drawing/2014/main" id="{B3D2536C-57B6-BFA0-D1C9-E728814B52D2}"/>
+                <a16:creationId xmlns:a16="http://schemas.microsoft.com/office/drawing/2014/main" id="{724FBD2F-6320-77A5-6783-4A737DF333E5}"/>
               </a:ext>
             </a:extLst>
           </p:cNvPr>
           <p:cNvPicPr>
-            <a:picLocks noGrp="1" noChangeAspect="1"/>
+            <a:picLocks noChangeAspect="1"/>
           </p:cNvPicPr>
-          <p:nvPr>
-            <p:ph idx="1"/>
-          </p:nvPr>
+          <p:nvPr/>
         </p:nvPicPr>
         <p:blipFill>
           <a:blip r:embed="rId2"/>
@@ -42097,8 +47077,8 @@
         </p:blipFill>
         <p:spPr>
           <a:xfrm>
-            <a:off x="1214937" y="2787649"/>
-            <a:ext cx="9388951" cy="3432281"/>
+            <a:off x="351692" y="394753"/>
+            <a:ext cx="6890301" cy="6046240"/>
           </a:xfrm>
           <a:prstGeom prst="rect">
             <a:avLst/>
